--- a/Präsentation/Präsentation_Rescue_Robot_Gruppe_3.pptx
+++ b/Präsentation/Präsentation_Rescue_Robot_Gruppe_3.pptx
@@ -4681,9 +4681,10 @@
               <a:t>: </a:t>
             </a:r>
             <a:r>
-              <a:rPr lang="de-DE" dirty="0"/>
-              <a:t>Szenarios</a:t>
-            </a:r>
+              <a:rPr lang="de-DE"/>
+              <a:t>Szenarien</a:t>
+            </a:r>
+            <a:endParaRPr lang="de-DE" dirty="0"/>
           </a:p>
         </p:txBody>
       </p:sp>

--- a/Präsentation/Präsentation_Rescue_Robot_Gruppe_3.pptx
+++ b/Präsentation/Präsentation_Rescue_Robot_Gruppe_3.pptx
@@ -16,7 +16,7 @@
     <p:sldId id="258" r:id="rId4"/>
     <p:sldId id="259" r:id="rId5"/>
     <p:sldId id="264" r:id="rId6"/>
-    <p:sldId id="265" r:id="rId7"/>
+    <p:sldId id="268" r:id="rId7"/>
     <p:sldId id="266" r:id="rId8"/>
     <p:sldId id="267" r:id="rId9"/>
     <p:sldId id="260" r:id="rId10"/>
@@ -223,7 +223,7 @@
             <a:fld id="{276817F0-84FC-C145-AFC3-FA42D1D21F8E}" type="datetimeFigureOut">
               <a:rPr lang="de-DE" smtClean="0"/>
               <a:pPr/>
-              <a:t>18.07.2020</a:t>
+              <a:t>20.07.2020</a:t>
             </a:fld>
             <a:endParaRPr lang="de-DE"/>
           </a:p>
@@ -391,7 +391,7 @@
             <a:fld id="{F80FA3C8-DE25-7348-A1F7-D749F91943C8}" type="datetimeFigureOut">
               <a:rPr lang="de-DE" smtClean="0"/>
               <a:pPr/>
-              <a:t>18.07.2020</a:t>
+              <a:t>20.07.2020</a:t>
             </a:fld>
             <a:endParaRPr lang="de-DE"/>
           </a:p>
@@ -660,6 +660,91 @@
 </p:notesMaster>
 </file>
 
+<file path=ppt/notesSlides/notesSlide1.xml><?xml version="1.0" encoding="utf-8"?>
+<p:notes xmlns:a="http://schemas.openxmlformats.org/drawingml/2006/main" xmlns:r="http://schemas.openxmlformats.org/officeDocument/2006/relationships" xmlns:p="http://schemas.openxmlformats.org/presentationml/2006/main">
+  <p:cSld>
+    <p:spTree>
+      <p:nvGrpSpPr>
+        <p:cNvPr id="1" name=""/>
+        <p:cNvGrpSpPr/>
+        <p:nvPr/>
+      </p:nvGrpSpPr>
+      <p:grpSpPr>
+        <a:xfrm>
+          <a:off x="0" y="0"/>
+          <a:ext cx="0" cy="0"/>
+          <a:chOff x="0" y="0"/>
+          <a:chExt cx="0" cy="0"/>
+        </a:xfrm>
+      </p:grpSpPr>
+      <p:sp>
+        <p:nvSpPr>
+          <p:cNvPr id="2" name="Folienbildplatzhalter 1"/>
+          <p:cNvSpPr>
+            <a:spLocks noGrp="1" noRot="1" noChangeAspect="1"/>
+          </p:cNvSpPr>
+          <p:nvPr>
+            <p:ph type="sldImg"/>
+          </p:nvPr>
+        </p:nvSpPr>
+        <p:spPr/>
+      </p:sp>
+      <p:sp>
+        <p:nvSpPr>
+          <p:cNvPr id="3" name="Notizenplatzhalter 2"/>
+          <p:cNvSpPr>
+            <a:spLocks noGrp="1"/>
+          </p:cNvSpPr>
+          <p:nvPr>
+            <p:ph type="body" idx="1"/>
+          </p:nvPr>
+        </p:nvSpPr>
+        <p:spPr/>
+        <p:txBody>
+          <a:bodyPr/>
+          <a:lstStyle/>
+          <a:p>
+            <a:endParaRPr lang="de-DE" dirty="0"/>
+          </a:p>
+        </p:txBody>
+      </p:sp>
+      <p:sp>
+        <p:nvSpPr>
+          <p:cNvPr id="4" name="Foliennummernplatzhalter 3"/>
+          <p:cNvSpPr>
+            <a:spLocks noGrp="1"/>
+          </p:cNvSpPr>
+          <p:nvPr>
+            <p:ph type="sldNum" sz="quarter" idx="5"/>
+          </p:nvPr>
+        </p:nvSpPr>
+        <p:spPr/>
+        <p:txBody>
+          <a:bodyPr/>
+          <a:lstStyle/>
+          <a:p>
+            <a:fld id="{5C0E6540-DBC8-1449-A578-CCAD6D2991BC}" type="slidenum">
+              <a:rPr lang="de-DE" smtClean="0"/>
+              <a:pPr/>
+              <a:t>6</a:t>
+            </a:fld>
+            <a:endParaRPr lang="de-DE"/>
+          </a:p>
+        </p:txBody>
+      </p:sp>
+    </p:spTree>
+    <p:extLst>
+      <p:ext uri="{BB962C8B-B14F-4D97-AF65-F5344CB8AC3E}">
+        <p14:creationId xmlns:p14="http://schemas.microsoft.com/office/powerpoint/2010/main" val="155476164"/>
+      </p:ext>
+    </p:extLst>
+  </p:cSld>
+  <p:clrMapOvr>
+    <a:masterClrMapping/>
+  </p:clrMapOvr>
+</p:notes>
+</file>
+
 <file path=ppt/slideLayouts/slideLayout1.xml><?xml version="1.0" encoding="utf-8"?>
 <p:sldLayout xmlns:a="http://schemas.openxmlformats.org/drawingml/2006/main" xmlns:r="http://schemas.openxmlformats.org/officeDocument/2006/relationships" xmlns:p="http://schemas.openxmlformats.org/presentationml/2006/main" type="title" preserve="1">
   <p:cSld name="Titelfolie">
@@ -869,7 +954,7 @@
             <a:fld id="{C916D949-773C-3845-BFBA-C7D9987445EE}" type="datetime1">
               <a:rPr lang="de-DE" smtClean="0"/>
               <a:pPr/>
-              <a:t>18.07.2020</a:t>
+              <a:t>20.07.2020</a:t>
             </a:fld>
             <a:endParaRPr lang="de-DE" dirty="0"/>
           </a:p>
@@ -1038,7 +1123,7 @@
             <a:fld id="{617E3445-959C-4840-857B-0726FC3AABF6}" type="datetime1">
               <a:rPr lang="de-DE" smtClean="0"/>
               <a:pPr/>
-              <a:t>18.07.2020</a:t>
+              <a:t>20.07.2020</a:t>
             </a:fld>
             <a:endParaRPr lang="de-DE"/>
           </a:p>
@@ -1199,7 +1284,7 @@
             <a:fld id="{78D16519-39B1-594B-9118-53EDDEBB1F38}" type="datetime1">
               <a:rPr lang="de-DE" smtClean="0"/>
               <a:pPr/>
-              <a:t>18.07.2020</a:t>
+              <a:t>20.07.2020</a:t>
             </a:fld>
             <a:endParaRPr lang="de-DE"/>
           </a:p>
@@ -1368,7 +1453,7 @@
             <a:fld id="{C916D949-773C-3845-BFBA-C7D9987445EE}" type="datetime1">
               <a:rPr lang="de-DE" smtClean="0"/>
               <a:pPr/>
-              <a:t>18.07.2020</a:t>
+              <a:t>20.07.2020</a:t>
             </a:fld>
             <a:endParaRPr lang="de-DE" dirty="0"/>
           </a:p>
@@ -1614,7 +1699,7 @@
             <a:fld id="{254AFB14-23E0-1F4C-A6C5-95691F2AB521}" type="datetime1">
               <a:rPr lang="de-DE" smtClean="0"/>
               <a:pPr/>
-              <a:t>18.07.2020</a:t>
+              <a:t>20.07.2020</a:t>
             </a:fld>
             <a:endParaRPr lang="de-DE"/>
           </a:p>
@@ -1882,7 +1967,7 @@
             <a:fld id="{6090EEAD-2E33-CB41-913B-6235DD169CF5}" type="datetime1">
               <a:rPr lang="de-DE" smtClean="0"/>
               <a:pPr/>
-              <a:t>18.07.2020</a:t>
+              <a:t>20.07.2020</a:t>
             </a:fld>
             <a:endParaRPr lang="de-DE"/>
           </a:p>
@@ -2284,7 +2369,7 @@
             <a:fld id="{A16E645A-B693-BB43-8646-3B1C1BAD48BE}" type="datetime1">
               <a:rPr lang="de-DE" smtClean="0"/>
               <a:pPr/>
-              <a:t>18.07.2020</a:t>
+              <a:t>20.07.2020</a:t>
             </a:fld>
             <a:endParaRPr lang="de-DE"/>
           </a:p>
@@ -2384,7 +2469,7 @@
             <a:fld id="{23E94868-D7B6-2349-81F6-28D3E8C9671D}" type="datetime1">
               <a:rPr lang="de-DE" smtClean="0"/>
               <a:pPr/>
-              <a:t>18.07.2020</a:t>
+              <a:t>20.07.2020</a:t>
             </a:fld>
             <a:endParaRPr lang="de-DE"/>
           </a:p>
@@ -2462,7 +2547,7 @@
             <a:fld id="{A4ECBFB4-2031-A542-A2EF-20BD4D9E5256}" type="datetime1">
               <a:rPr lang="de-DE" smtClean="0"/>
               <a:pPr/>
-              <a:t>18.07.2020</a:t>
+              <a:t>20.07.2020</a:t>
             </a:fld>
             <a:endParaRPr lang="de-DE"/>
           </a:p>
@@ -2720,7 +2805,7 @@
             <a:fld id="{A0188818-9833-2C4A-8849-8268EC11202B}" type="datetime1">
               <a:rPr lang="de-DE" smtClean="0"/>
               <a:pPr/>
-              <a:t>18.07.2020</a:t>
+              <a:t>20.07.2020</a:t>
             </a:fld>
             <a:endParaRPr lang="de-DE"/>
           </a:p>
@@ -2958,7 +3043,7 @@
             <a:fld id="{82204BE1-0C38-F948-9EB8-8FC2670177F0}" type="datetime1">
               <a:rPr lang="de-DE" smtClean="0"/>
               <a:pPr/>
-              <a:t>18.07.2020</a:t>
+              <a:t>20.07.2020</a:t>
             </a:fld>
             <a:endParaRPr lang="de-DE"/>
           </a:p>
@@ -3197,7 +3282,7 @@
             <a:fld id="{C916D949-773C-3845-BFBA-C7D9987445EE}" type="datetime1">
               <a:rPr lang="de-DE" smtClean="0"/>
               <a:pPr/>
-              <a:t>18.07.2020</a:t>
+              <a:t>20.07.2020</a:t>
             </a:fld>
             <a:endParaRPr lang="de-DE" dirty="0"/>
           </a:p>
@@ -3736,7 +3821,7 @@
             <a:fld id="{C916D949-773C-3845-BFBA-C7D9987445EE}" type="datetime1">
               <a:rPr lang="de-DE" smtClean="0"/>
               <a:pPr/>
-              <a:t>18.07.2020</a:t>
+              <a:t>20.07.2020</a:t>
             </a:fld>
             <a:endParaRPr lang="de-DE" dirty="0"/>
           </a:p>
@@ -3880,7 +3965,7 @@
             <a:fld id="{C916D949-773C-3845-BFBA-C7D9987445EE}" type="datetime1">
               <a:rPr lang="de-DE" smtClean="0"/>
               <a:pPr/>
-              <a:t>18.07.2020</a:t>
+              <a:t>20.07.2020</a:t>
             </a:fld>
             <a:endParaRPr lang="de-DE" dirty="0"/>
           </a:p>
@@ -4020,7 +4105,7 @@
             <a:fld id="{C916D949-773C-3845-BFBA-C7D9987445EE}" type="datetime1">
               <a:rPr lang="de-DE" smtClean="0"/>
               <a:pPr/>
-              <a:t>18.07.2020</a:t>
+              <a:t>20.07.2020</a:t>
             </a:fld>
             <a:endParaRPr lang="de-DE" dirty="0"/>
           </a:p>
@@ -4145,7 +4230,7 @@
             <a:fld id="{C916D949-773C-3845-BFBA-C7D9987445EE}" type="datetime1">
               <a:rPr lang="de-DE" smtClean="0"/>
               <a:pPr/>
-              <a:t>18.07.2020</a:t>
+              <a:t>20.07.2020</a:t>
             </a:fld>
             <a:endParaRPr lang="de-DE" dirty="0"/>
           </a:p>
@@ -4286,7 +4371,7 @@
             <a:fld id="{C916D949-773C-3845-BFBA-C7D9987445EE}" type="datetime1">
               <a:rPr lang="de-DE" smtClean="0"/>
               <a:pPr/>
-              <a:t>18.07.2020</a:t>
+              <a:t>20.07.2020</a:t>
             </a:fld>
             <a:endParaRPr lang="de-DE" dirty="0"/>
           </a:p>
@@ -4438,7 +4523,7 @@
             <a:fld id="{C916D949-773C-3845-BFBA-C7D9987445EE}" type="datetime1">
               <a:rPr lang="de-DE" smtClean="0"/>
               <a:pPr/>
-              <a:t>18.07.2020</a:t>
+              <a:t>20.07.2020</a:t>
             </a:fld>
             <a:endParaRPr lang="de-DE" dirty="0"/>
           </a:p>
@@ -4585,7 +4670,7 @@
             <a:fld id="{C916D949-773C-3845-BFBA-C7D9987445EE}" type="datetime1">
               <a:rPr lang="de-DE" smtClean="0"/>
               <a:pPr/>
-              <a:t>18.07.2020</a:t>
+              <a:t>20.07.2020</a:t>
             </a:fld>
             <a:endParaRPr lang="de-DE" dirty="0"/>
           </a:p>
@@ -4681,38 +4766,1106 @@
               <a:t>: </a:t>
             </a:r>
             <a:r>
-              <a:rPr lang="de-DE"/>
+              <a:rPr lang="de-DE" dirty="0"/>
               <a:t>Szenarien</a:t>
             </a:r>
-            <a:endParaRPr lang="de-DE" dirty="0"/>
-          </a:p>
-        </p:txBody>
-      </p:sp>
-      <p:sp>
-        <p:nvSpPr>
-          <p:cNvPr id="3" name="Inhaltsplatzhalter 2">
+          </a:p>
+        </p:txBody>
+      </p:sp>
+      <p:graphicFrame>
+        <p:nvGraphicFramePr>
+          <p:cNvPr id="6" name="Tabelle 6">
             <a:extLst>
               <a:ext uri="{FF2B5EF4-FFF2-40B4-BE49-F238E27FC236}">
-                <a16:creationId xmlns:a16="http://schemas.microsoft.com/office/drawing/2014/main" id="{76BBD3FF-A7ED-4AB1-A1DA-AA8CFC35CC8A}"/>
+                <a16:creationId xmlns:a16="http://schemas.microsoft.com/office/drawing/2014/main" id="{C7D29D01-CA0F-495C-8485-53F7D7E3739B}"/>
               </a:ext>
             </a:extLst>
           </p:cNvPr>
-          <p:cNvSpPr>
-            <a:spLocks noGrp="1"/>
-          </p:cNvSpPr>
+          <p:cNvGraphicFramePr>
+            <a:graphicFrameLocks noGrp="1"/>
+          </p:cNvGraphicFramePr>
           <p:nvPr>
             <p:ph idx="1"/>
-          </p:nvPr>
-        </p:nvSpPr>
-        <p:spPr/>
-        <p:txBody>
-          <a:bodyPr/>
-          <a:lstStyle/>
-          <a:p>
-            <a:endParaRPr lang="en-US"/>
-          </a:p>
-        </p:txBody>
-      </p:sp>
+            <p:extLst>
+              <p:ext uri="{D42A27DB-BD31-4B8C-83A1-F6EECF244321}">
+                <p14:modId xmlns:p14="http://schemas.microsoft.com/office/powerpoint/2010/main" val="873145240"/>
+              </p:ext>
+            </p:extLst>
+          </p:nvPr>
+        </p:nvGraphicFramePr>
+        <p:xfrm>
+          <a:off x="647700" y="2020888"/>
+          <a:ext cx="7716191" cy="3906520"/>
+        </p:xfrm>
+        <a:graphic>
+          <a:graphicData uri="http://schemas.openxmlformats.org/drawingml/2006/table">
+            <a:tbl>
+              <a:tblPr firstRow="1" bandRow="1">
+                <a:tableStyleId>{5940675A-B579-460E-94D1-54222C63F5DA}</a:tableStyleId>
+              </a:tblPr>
+              <a:tblGrid>
+                <a:gridCol w="384506">
+                  <a:extLst>
+                    <a:ext uri="{9D8B030D-6E8A-4147-A177-3AD203B41FA5}">
+                      <a16:colId xmlns:a16="http://schemas.microsoft.com/office/drawing/2014/main" val="2905187889"/>
+                    </a:ext>
+                  </a:extLst>
+                </a:gridCol>
+                <a:gridCol w="3001252">
+                  <a:extLst>
+                    <a:ext uri="{9D8B030D-6E8A-4147-A177-3AD203B41FA5}">
+                      <a16:colId xmlns:a16="http://schemas.microsoft.com/office/drawing/2014/main" val="4270871997"/>
+                    </a:ext>
+                  </a:extLst>
+                </a:gridCol>
+                <a:gridCol w="4330433">
+                  <a:extLst>
+                    <a:ext uri="{9D8B030D-6E8A-4147-A177-3AD203B41FA5}">
+                      <a16:colId xmlns:a16="http://schemas.microsoft.com/office/drawing/2014/main" val="2477117088"/>
+                    </a:ext>
+                  </a:extLst>
+                </a:gridCol>
+              </a:tblGrid>
+              <a:tr h="370840">
+                <a:tc>
+                  <a:txBody>
+                    <a:bodyPr/>
+                    <a:lstStyle/>
+                    <a:p>
+                      <a:pPr marL="0" marR="0" lvl="0" indent="0" algn="l" defTabSz="457200" rtl="0" eaLnBrk="1" fontAlgn="auto" latinLnBrk="0" hangingPunct="1">
+                        <a:lnSpc>
+                          <a:spcPct val="100000"/>
+                        </a:lnSpc>
+                        <a:spcBef>
+                          <a:spcPts val="0"/>
+                        </a:spcBef>
+                        <a:spcAft>
+                          <a:spcPts val="0"/>
+                        </a:spcAft>
+                        <a:buClrTx/>
+                        <a:buSzTx/>
+                        <a:buFontTx/>
+                        <a:buNone/>
+                        <a:tabLst/>
+                        <a:defRPr/>
+                      </a:pPr>
+                      <a:r>
+                        <a:rPr lang="en-US" sz="1600" b="1" dirty="0">
+                          <a:latin typeface="Source Sans Pro" panose="020B0503030403020204" pitchFamily="34" charset="0"/>
+                          <a:ea typeface="Source Sans Pro" panose="020B0503030403020204" pitchFamily="34" charset="0"/>
+                        </a:rPr>
+                        <a:t>1.</a:t>
+                      </a:r>
+                    </a:p>
+                  </a:txBody>
+                  <a:tcPr anchor="ctr">
+                    <a:lnL w="12700" cmpd="sng">
+                      <a:noFill/>
+                    </a:lnL>
+                    <a:lnR w="12700" cmpd="sng">
+                      <a:noFill/>
+                    </a:lnR>
+                    <a:lnT w="12700" cmpd="sng">
+                      <a:noFill/>
+                    </a:lnT>
+                    <a:lnB w="12700" cap="flat" cmpd="sng" algn="ctr">
+                      <a:solidFill>
+                        <a:schemeClr val="tx1"/>
+                      </a:solidFill>
+                      <a:prstDash val="solid"/>
+                      <a:round/>
+                      <a:headEnd type="none" w="med" len="med"/>
+                      <a:tailEnd type="none" w="med" len="med"/>
+                    </a:lnB>
+                    <a:lnTlToBr w="12700" cmpd="sng">
+                      <a:noFill/>
+                      <a:prstDash val="solid"/>
+                    </a:lnTlToBr>
+                    <a:lnBlToTr w="12700" cmpd="sng">
+                      <a:noFill/>
+                      <a:prstDash val="solid"/>
+                    </a:lnBlToTr>
+                  </a:tcPr>
+                </a:tc>
+                <a:tc>
+                  <a:txBody>
+                    <a:bodyPr/>
+                    <a:lstStyle/>
+                    <a:p>
+                      <a:pPr marL="0" marR="0" lvl="0" indent="0" algn="l" defTabSz="457200" rtl="0" eaLnBrk="1" fontAlgn="auto" latinLnBrk="0" hangingPunct="1">
+                        <a:lnSpc>
+                          <a:spcPct val="100000"/>
+                        </a:lnSpc>
+                        <a:spcBef>
+                          <a:spcPts val="0"/>
+                        </a:spcBef>
+                        <a:spcAft>
+                          <a:spcPts val="0"/>
+                        </a:spcAft>
+                        <a:buClrTx/>
+                        <a:buSzTx/>
+                        <a:buFontTx/>
+                        <a:buNone/>
+                        <a:tabLst/>
+                        <a:defRPr/>
+                      </a:pPr>
+                      <a:r>
+                        <a:rPr lang="en-US" sz="1600" b="1" dirty="0" err="1">
+                          <a:latin typeface="Source Sans Pro" panose="020B0503030403020204" pitchFamily="34" charset="0"/>
+                          <a:ea typeface="Source Sans Pro" panose="020B0503030403020204" pitchFamily="34" charset="0"/>
+                        </a:rPr>
+                        <a:t>Bergung</a:t>
+                      </a:r>
+                      <a:r>
+                        <a:rPr lang="en-US" sz="1600" b="1" dirty="0">
+                          <a:latin typeface="Source Sans Pro" panose="020B0503030403020204" pitchFamily="34" charset="0"/>
+                          <a:ea typeface="Source Sans Pro" panose="020B0503030403020204" pitchFamily="34" charset="0"/>
+                        </a:rPr>
+                        <a:t> </a:t>
+                      </a:r>
+                      <a:r>
+                        <a:rPr lang="en-US" sz="1600" b="1" dirty="0" err="1">
+                          <a:latin typeface="Source Sans Pro" panose="020B0503030403020204" pitchFamily="34" charset="0"/>
+                          <a:ea typeface="Source Sans Pro" panose="020B0503030403020204" pitchFamily="34" charset="0"/>
+                        </a:rPr>
+                        <a:t>nach</a:t>
+                      </a:r>
+                      <a:r>
+                        <a:rPr lang="en-US" sz="1600" b="1" dirty="0">
+                          <a:latin typeface="Source Sans Pro" panose="020B0503030403020204" pitchFamily="34" charset="0"/>
+                          <a:ea typeface="Source Sans Pro" panose="020B0503030403020204" pitchFamily="34" charset="0"/>
+                        </a:rPr>
+                        <a:t> </a:t>
+                      </a:r>
+                      <a:r>
+                        <a:rPr lang="en-US" sz="1600" b="1" dirty="0" err="1">
+                          <a:latin typeface="Source Sans Pro" panose="020B0503030403020204" pitchFamily="34" charset="0"/>
+                          <a:ea typeface="Source Sans Pro" panose="020B0503030403020204" pitchFamily="34" charset="0"/>
+                        </a:rPr>
+                        <a:t>Vulkanausbruch</a:t>
+                      </a:r>
+                      <a:endParaRPr lang="en-US" sz="1600" b="1" dirty="0">
+                        <a:latin typeface="Source Sans Pro" panose="020B0503030403020204" pitchFamily="34" charset="0"/>
+                        <a:ea typeface="Source Sans Pro" panose="020B0503030403020204" pitchFamily="34" charset="0"/>
+                      </a:endParaRPr>
+                    </a:p>
+                  </a:txBody>
+                  <a:tcPr anchor="ctr">
+                    <a:lnL w="12700" cmpd="sng">
+                      <a:noFill/>
+                    </a:lnL>
+                    <a:lnR w="12700" cmpd="sng">
+                      <a:noFill/>
+                    </a:lnR>
+                    <a:lnT w="12700" cmpd="sng">
+                      <a:noFill/>
+                    </a:lnT>
+                    <a:lnB w="12700" cap="flat" cmpd="sng" algn="ctr">
+                      <a:solidFill>
+                        <a:schemeClr val="tx1"/>
+                      </a:solidFill>
+                      <a:prstDash val="solid"/>
+                      <a:round/>
+                      <a:headEnd type="none" w="med" len="med"/>
+                      <a:tailEnd type="none" w="med" len="med"/>
+                    </a:lnB>
+                    <a:lnTlToBr w="12700" cmpd="sng">
+                      <a:noFill/>
+                      <a:prstDash val="solid"/>
+                    </a:lnTlToBr>
+                    <a:lnBlToTr w="12700" cmpd="sng">
+                      <a:noFill/>
+                      <a:prstDash val="solid"/>
+                    </a:lnBlToTr>
+                  </a:tcPr>
+                </a:tc>
+                <a:tc>
+                  <a:txBody>
+                    <a:bodyPr/>
+                    <a:lstStyle/>
+                    <a:p>
+                      <a:pPr marL="285750" indent="-285750">
+                        <a:buFontTx/>
+                        <a:buChar char="-"/>
+                      </a:pPr>
+                      <a:r>
+                        <a:rPr lang="de-DE" sz="1600" dirty="0">
+                          <a:latin typeface="Source Sans Pro" panose="020B0503030403020204" pitchFamily="34" charset="0"/>
+                          <a:ea typeface="Source Sans Pro" panose="020B0503030403020204" pitchFamily="34" charset="0"/>
+                        </a:rPr>
+                        <a:t>Hitzebeständig</a:t>
+                      </a:r>
+                    </a:p>
+                  </a:txBody>
+                  <a:tcPr anchor="ctr">
+                    <a:lnL w="12700" cmpd="sng">
+                      <a:noFill/>
+                    </a:lnL>
+                    <a:lnR w="12700" cmpd="sng">
+                      <a:noFill/>
+                    </a:lnR>
+                    <a:lnT w="12700" cmpd="sng">
+                      <a:noFill/>
+                    </a:lnT>
+                    <a:lnB w="12700" cap="flat" cmpd="sng" algn="ctr">
+                      <a:solidFill>
+                        <a:schemeClr val="tx1"/>
+                      </a:solidFill>
+                      <a:prstDash val="solid"/>
+                      <a:round/>
+                      <a:headEnd type="none" w="med" len="med"/>
+                      <a:tailEnd type="none" w="med" len="med"/>
+                    </a:lnB>
+                    <a:lnTlToBr w="12700" cmpd="sng">
+                      <a:noFill/>
+                      <a:prstDash val="solid"/>
+                    </a:lnTlToBr>
+                    <a:lnBlToTr w="12700" cmpd="sng">
+                      <a:noFill/>
+                      <a:prstDash val="solid"/>
+                    </a:lnBlToTr>
+                  </a:tcPr>
+                </a:tc>
+                <a:extLst>
+                  <a:ext uri="{0D108BD9-81ED-4DB2-BD59-A6C34878D82A}">
+                    <a16:rowId xmlns:a16="http://schemas.microsoft.com/office/drawing/2014/main" val="805476562"/>
+                  </a:ext>
+                </a:extLst>
+              </a:tr>
+              <a:tr h="370840">
+                <a:tc>
+                  <a:txBody>
+                    <a:bodyPr/>
+                    <a:lstStyle/>
+                    <a:p>
+                      <a:pPr marL="0" marR="0" lvl="0" indent="0" algn="l" defTabSz="457200" rtl="0" eaLnBrk="1" fontAlgn="auto" latinLnBrk="0" hangingPunct="1">
+                        <a:lnSpc>
+                          <a:spcPct val="100000"/>
+                        </a:lnSpc>
+                        <a:spcBef>
+                          <a:spcPts val="0"/>
+                        </a:spcBef>
+                        <a:spcAft>
+                          <a:spcPts val="0"/>
+                        </a:spcAft>
+                        <a:buClrTx/>
+                        <a:buSzTx/>
+                        <a:buFontTx/>
+                        <a:buNone/>
+                        <a:tabLst/>
+                        <a:defRPr/>
+                      </a:pPr>
+                      <a:r>
+                        <a:rPr lang="en-US" sz="1600" b="1" dirty="0">
+                          <a:latin typeface="Source Sans Pro" panose="020B0503030403020204" pitchFamily="34" charset="0"/>
+                          <a:ea typeface="Source Sans Pro" panose="020B0503030403020204" pitchFamily="34" charset="0"/>
+                        </a:rPr>
+                        <a:t>2.</a:t>
+                      </a:r>
+                    </a:p>
+                  </a:txBody>
+                  <a:tcPr anchor="ctr">
+                    <a:lnL w="12700" cmpd="sng">
+                      <a:noFill/>
+                    </a:lnL>
+                    <a:lnR w="12700" cmpd="sng">
+                      <a:noFill/>
+                    </a:lnR>
+                    <a:lnT w="12700" cap="flat" cmpd="sng" algn="ctr">
+                      <a:solidFill>
+                        <a:schemeClr val="tx1"/>
+                      </a:solidFill>
+                      <a:prstDash val="solid"/>
+                      <a:round/>
+                      <a:headEnd type="none" w="med" len="med"/>
+                      <a:tailEnd type="none" w="med" len="med"/>
+                    </a:lnT>
+                    <a:lnB w="12700" cap="flat" cmpd="sng" algn="ctr">
+                      <a:solidFill>
+                        <a:schemeClr val="tx1"/>
+                      </a:solidFill>
+                      <a:prstDash val="solid"/>
+                      <a:round/>
+                      <a:headEnd type="none" w="med" len="med"/>
+                      <a:tailEnd type="none" w="med" len="med"/>
+                    </a:lnB>
+                    <a:lnTlToBr w="12700" cmpd="sng">
+                      <a:noFill/>
+                      <a:prstDash val="solid"/>
+                    </a:lnTlToBr>
+                    <a:lnBlToTr w="12700" cmpd="sng">
+                      <a:noFill/>
+                      <a:prstDash val="solid"/>
+                    </a:lnBlToTr>
+                  </a:tcPr>
+                </a:tc>
+                <a:tc>
+                  <a:txBody>
+                    <a:bodyPr/>
+                    <a:lstStyle/>
+                    <a:p>
+                      <a:pPr marL="0" marR="0" lvl="0" indent="0" algn="l" defTabSz="457200" rtl="0" eaLnBrk="1" fontAlgn="auto" latinLnBrk="0" hangingPunct="1">
+                        <a:lnSpc>
+                          <a:spcPct val="100000"/>
+                        </a:lnSpc>
+                        <a:spcBef>
+                          <a:spcPts val="0"/>
+                        </a:spcBef>
+                        <a:spcAft>
+                          <a:spcPts val="0"/>
+                        </a:spcAft>
+                        <a:buClrTx/>
+                        <a:buSzTx/>
+                        <a:buFontTx/>
+                        <a:buNone/>
+                        <a:tabLst/>
+                        <a:defRPr/>
+                      </a:pPr>
+                      <a:r>
+                        <a:rPr lang="de-DE" sz="1600" b="1" dirty="0">
+                          <a:latin typeface="Source Sans Pro" panose="020B0503030403020204" pitchFamily="34" charset="0"/>
+                          <a:ea typeface="Source Sans Pro" panose="020B0503030403020204" pitchFamily="34" charset="0"/>
+                        </a:rPr>
+                        <a:t>Reparaturen</a:t>
+                      </a:r>
+                      <a:r>
+                        <a:rPr lang="en-US" sz="1600" b="1" dirty="0">
+                          <a:latin typeface="Source Sans Pro" panose="020B0503030403020204" pitchFamily="34" charset="0"/>
+                          <a:ea typeface="Source Sans Pro" panose="020B0503030403020204" pitchFamily="34" charset="0"/>
+                        </a:rPr>
+                        <a:t> an </a:t>
+                      </a:r>
+                      <a:r>
+                        <a:rPr lang="en-US" sz="1600" b="1" dirty="0" err="1">
+                          <a:latin typeface="Source Sans Pro" panose="020B0503030403020204" pitchFamily="34" charset="0"/>
+                          <a:ea typeface="Source Sans Pro" panose="020B0503030403020204" pitchFamily="34" charset="0"/>
+                        </a:rPr>
+                        <a:t>Atomkraftwerken</a:t>
+                      </a:r>
+                      <a:endParaRPr lang="en-US" sz="1600" b="1" dirty="0">
+                        <a:latin typeface="Source Sans Pro" panose="020B0503030403020204" pitchFamily="34" charset="0"/>
+                        <a:ea typeface="Source Sans Pro" panose="020B0503030403020204" pitchFamily="34" charset="0"/>
+                      </a:endParaRPr>
+                    </a:p>
+                  </a:txBody>
+                  <a:tcPr anchor="ctr">
+                    <a:lnL w="12700" cmpd="sng">
+                      <a:noFill/>
+                    </a:lnL>
+                    <a:lnR w="12700" cmpd="sng">
+                      <a:noFill/>
+                    </a:lnR>
+                    <a:lnT w="12700" cap="flat" cmpd="sng" algn="ctr">
+                      <a:solidFill>
+                        <a:schemeClr val="tx1"/>
+                      </a:solidFill>
+                      <a:prstDash val="solid"/>
+                      <a:round/>
+                      <a:headEnd type="none" w="med" len="med"/>
+                      <a:tailEnd type="none" w="med" len="med"/>
+                    </a:lnT>
+                    <a:lnB w="12700" cap="flat" cmpd="sng" algn="ctr">
+                      <a:solidFill>
+                        <a:schemeClr val="tx1"/>
+                      </a:solidFill>
+                      <a:prstDash val="solid"/>
+                      <a:round/>
+                      <a:headEnd type="none" w="med" len="med"/>
+                      <a:tailEnd type="none" w="med" len="med"/>
+                    </a:lnB>
+                    <a:lnTlToBr w="12700" cmpd="sng">
+                      <a:noFill/>
+                      <a:prstDash val="solid"/>
+                    </a:lnTlToBr>
+                    <a:lnBlToTr w="12700" cmpd="sng">
+                      <a:noFill/>
+                      <a:prstDash val="solid"/>
+                    </a:lnBlToTr>
+                  </a:tcPr>
+                </a:tc>
+                <a:tc>
+                  <a:txBody>
+                    <a:bodyPr/>
+                    <a:lstStyle/>
+                    <a:p>
+                      <a:pPr marL="285750" indent="-285750">
+                        <a:buFontTx/>
+                        <a:buChar char="-"/>
+                      </a:pPr>
+                      <a:r>
+                        <a:rPr lang="de-DE" sz="1600" dirty="0">
+                          <a:latin typeface="Source Sans Pro" panose="020B0503030403020204" pitchFamily="34" charset="0"/>
+                          <a:ea typeface="Source Sans Pro" panose="020B0503030403020204" pitchFamily="34" charset="0"/>
+                        </a:rPr>
+                        <a:t>Liveschaltung und Verwendung des Roboterarms</a:t>
+                      </a:r>
+                    </a:p>
+                    <a:p>
+                      <a:pPr marL="285750" indent="-285750">
+                        <a:buFontTx/>
+                        <a:buChar char="-"/>
+                      </a:pPr>
+                      <a:r>
+                        <a:rPr lang="de-DE" sz="1600" dirty="0" err="1">
+                          <a:latin typeface="Source Sans Pro" panose="020B0503030403020204" pitchFamily="34" charset="0"/>
+                          <a:ea typeface="Source Sans Pro" panose="020B0503030403020204" pitchFamily="34" charset="0"/>
+                        </a:rPr>
+                        <a:t>Schutzummantlung</a:t>
+                      </a:r>
+                      <a:endParaRPr lang="de-DE" sz="1600" dirty="0">
+                        <a:latin typeface="Source Sans Pro" panose="020B0503030403020204" pitchFamily="34" charset="0"/>
+                        <a:ea typeface="Source Sans Pro" panose="020B0503030403020204" pitchFamily="34" charset="0"/>
+                      </a:endParaRPr>
+                    </a:p>
+                  </a:txBody>
+                  <a:tcPr anchor="ctr">
+                    <a:lnL w="12700" cmpd="sng">
+                      <a:noFill/>
+                    </a:lnL>
+                    <a:lnR w="12700" cmpd="sng">
+                      <a:noFill/>
+                    </a:lnR>
+                    <a:lnT w="12700" cap="flat" cmpd="sng" algn="ctr">
+                      <a:solidFill>
+                        <a:schemeClr val="tx1"/>
+                      </a:solidFill>
+                      <a:prstDash val="solid"/>
+                      <a:round/>
+                      <a:headEnd type="none" w="med" len="med"/>
+                      <a:tailEnd type="none" w="med" len="med"/>
+                    </a:lnT>
+                    <a:lnB w="12700" cap="flat" cmpd="sng" algn="ctr">
+                      <a:solidFill>
+                        <a:schemeClr val="tx1"/>
+                      </a:solidFill>
+                      <a:prstDash val="solid"/>
+                      <a:round/>
+                      <a:headEnd type="none" w="med" len="med"/>
+                      <a:tailEnd type="none" w="med" len="med"/>
+                    </a:lnB>
+                    <a:lnTlToBr w="12700" cmpd="sng">
+                      <a:noFill/>
+                      <a:prstDash val="solid"/>
+                    </a:lnTlToBr>
+                    <a:lnBlToTr w="12700" cmpd="sng">
+                      <a:noFill/>
+                      <a:prstDash val="solid"/>
+                    </a:lnBlToTr>
+                  </a:tcPr>
+                </a:tc>
+                <a:extLst>
+                  <a:ext uri="{0D108BD9-81ED-4DB2-BD59-A6C34878D82A}">
+                    <a16:rowId xmlns:a16="http://schemas.microsoft.com/office/drawing/2014/main" val="3606888095"/>
+                  </a:ext>
+                </a:extLst>
+              </a:tr>
+              <a:tr h="370840">
+                <a:tc>
+                  <a:txBody>
+                    <a:bodyPr/>
+                    <a:lstStyle/>
+                    <a:p>
+                      <a:pPr marL="0" marR="0" lvl="0" indent="0" algn="l" defTabSz="457200" rtl="0" eaLnBrk="1" fontAlgn="auto" latinLnBrk="0" hangingPunct="1">
+                        <a:lnSpc>
+                          <a:spcPct val="100000"/>
+                        </a:lnSpc>
+                        <a:spcBef>
+                          <a:spcPts val="0"/>
+                        </a:spcBef>
+                        <a:spcAft>
+                          <a:spcPts val="0"/>
+                        </a:spcAft>
+                        <a:buClrTx/>
+                        <a:buSzTx/>
+                        <a:buFontTx/>
+                        <a:buNone/>
+                        <a:tabLst/>
+                        <a:defRPr/>
+                      </a:pPr>
+                      <a:r>
+                        <a:rPr lang="en-US" sz="1600" b="1" dirty="0">
+                          <a:latin typeface="Source Sans Pro" panose="020B0503030403020204" pitchFamily="34" charset="0"/>
+                          <a:ea typeface="Source Sans Pro" panose="020B0503030403020204" pitchFamily="34" charset="0"/>
+                        </a:rPr>
+                        <a:t>3.</a:t>
+                      </a:r>
+                    </a:p>
+                  </a:txBody>
+                  <a:tcPr anchor="ctr">
+                    <a:lnL w="12700" cmpd="sng">
+                      <a:noFill/>
+                    </a:lnL>
+                    <a:lnR w="12700" cmpd="sng">
+                      <a:noFill/>
+                    </a:lnR>
+                    <a:lnT w="12700" cap="flat" cmpd="sng" algn="ctr">
+                      <a:solidFill>
+                        <a:schemeClr val="tx1"/>
+                      </a:solidFill>
+                      <a:prstDash val="solid"/>
+                      <a:round/>
+                      <a:headEnd type="none" w="med" len="med"/>
+                      <a:tailEnd type="none" w="med" len="med"/>
+                    </a:lnT>
+                    <a:lnB w="12700" cap="flat" cmpd="sng" algn="ctr">
+                      <a:solidFill>
+                        <a:schemeClr val="tx1"/>
+                      </a:solidFill>
+                      <a:prstDash val="solid"/>
+                      <a:round/>
+                      <a:headEnd type="none" w="med" len="med"/>
+                      <a:tailEnd type="none" w="med" len="med"/>
+                    </a:lnB>
+                    <a:lnTlToBr w="12700" cmpd="sng">
+                      <a:noFill/>
+                      <a:prstDash val="solid"/>
+                    </a:lnTlToBr>
+                    <a:lnBlToTr w="12700" cmpd="sng">
+                      <a:noFill/>
+                      <a:prstDash val="solid"/>
+                    </a:lnBlToTr>
+                  </a:tcPr>
+                </a:tc>
+                <a:tc>
+                  <a:txBody>
+                    <a:bodyPr/>
+                    <a:lstStyle/>
+                    <a:p>
+                      <a:pPr marL="0" marR="0" lvl="0" indent="0" algn="l" defTabSz="457200" rtl="0" eaLnBrk="1" fontAlgn="auto" latinLnBrk="0" hangingPunct="1">
+                        <a:lnSpc>
+                          <a:spcPct val="100000"/>
+                        </a:lnSpc>
+                        <a:spcBef>
+                          <a:spcPts val="0"/>
+                        </a:spcBef>
+                        <a:spcAft>
+                          <a:spcPts val="0"/>
+                        </a:spcAft>
+                        <a:buClrTx/>
+                        <a:buSzTx/>
+                        <a:buFontTx/>
+                        <a:buNone/>
+                        <a:tabLst/>
+                        <a:defRPr/>
+                      </a:pPr>
+                      <a:r>
+                        <a:rPr lang="en-US" sz="1600" b="1" dirty="0" err="1">
+                          <a:latin typeface="Source Sans Pro" panose="020B0503030403020204" pitchFamily="34" charset="0"/>
+                          <a:ea typeface="Source Sans Pro" panose="020B0503030403020204" pitchFamily="34" charset="0"/>
+                        </a:rPr>
+                        <a:t>Bergung</a:t>
+                      </a:r>
+                      <a:r>
+                        <a:rPr lang="en-US" sz="1600" b="1" dirty="0">
+                          <a:latin typeface="Source Sans Pro" panose="020B0503030403020204" pitchFamily="34" charset="0"/>
+                          <a:ea typeface="Source Sans Pro" panose="020B0503030403020204" pitchFamily="34" charset="0"/>
+                        </a:rPr>
+                        <a:t> </a:t>
+                      </a:r>
+                      <a:r>
+                        <a:rPr lang="en-US" sz="1600" b="1" dirty="0" err="1">
+                          <a:latin typeface="Source Sans Pro" panose="020B0503030403020204" pitchFamily="34" charset="0"/>
+                          <a:ea typeface="Source Sans Pro" panose="020B0503030403020204" pitchFamily="34" charset="0"/>
+                        </a:rPr>
+                        <a:t>nach</a:t>
+                      </a:r>
+                      <a:r>
+                        <a:rPr lang="en-US" sz="1600" b="1" dirty="0">
+                          <a:latin typeface="Source Sans Pro" panose="020B0503030403020204" pitchFamily="34" charset="0"/>
+                          <a:ea typeface="Source Sans Pro" panose="020B0503030403020204" pitchFamily="34" charset="0"/>
+                        </a:rPr>
+                        <a:t> </a:t>
+                      </a:r>
+                      <a:r>
+                        <a:rPr lang="en-US" sz="1600" b="1" dirty="0" err="1">
+                          <a:latin typeface="Source Sans Pro" panose="020B0503030403020204" pitchFamily="34" charset="0"/>
+                          <a:ea typeface="Source Sans Pro" panose="020B0503030403020204" pitchFamily="34" charset="0"/>
+                        </a:rPr>
+                        <a:t>Überflutung</a:t>
+                      </a:r>
+                      <a:r>
+                        <a:rPr lang="en-US" sz="1600" b="1" dirty="0">
+                          <a:latin typeface="Source Sans Pro" panose="020B0503030403020204" pitchFamily="34" charset="0"/>
+                          <a:ea typeface="Source Sans Pro" panose="020B0503030403020204" pitchFamily="34" charset="0"/>
+                        </a:rPr>
+                        <a:t>/Tsunami</a:t>
+                      </a:r>
+                    </a:p>
+                  </a:txBody>
+                  <a:tcPr anchor="ctr">
+                    <a:lnL w="12700" cmpd="sng">
+                      <a:noFill/>
+                    </a:lnL>
+                    <a:lnR w="12700" cmpd="sng">
+                      <a:noFill/>
+                    </a:lnR>
+                    <a:lnT w="12700" cap="flat" cmpd="sng" algn="ctr">
+                      <a:solidFill>
+                        <a:schemeClr val="tx1"/>
+                      </a:solidFill>
+                      <a:prstDash val="solid"/>
+                      <a:round/>
+                      <a:headEnd type="none" w="med" len="med"/>
+                      <a:tailEnd type="none" w="med" len="med"/>
+                    </a:lnT>
+                    <a:lnB w="12700" cap="flat" cmpd="sng" algn="ctr">
+                      <a:solidFill>
+                        <a:schemeClr val="tx1"/>
+                      </a:solidFill>
+                      <a:prstDash val="solid"/>
+                      <a:round/>
+                      <a:headEnd type="none" w="med" len="med"/>
+                      <a:tailEnd type="none" w="med" len="med"/>
+                    </a:lnB>
+                    <a:lnTlToBr w="12700" cmpd="sng">
+                      <a:noFill/>
+                      <a:prstDash val="solid"/>
+                    </a:lnTlToBr>
+                    <a:lnBlToTr w="12700" cmpd="sng">
+                      <a:noFill/>
+                      <a:prstDash val="solid"/>
+                    </a:lnBlToTr>
+                  </a:tcPr>
+                </a:tc>
+                <a:tc>
+                  <a:txBody>
+                    <a:bodyPr/>
+                    <a:lstStyle/>
+                    <a:p>
+                      <a:pPr marL="285750" indent="-285750">
+                        <a:buFontTx/>
+                        <a:buChar char="-"/>
+                      </a:pPr>
+                      <a:r>
+                        <a:rPr lang="de-DE" sz="1600" dirty="0">
+                          <a:latin typeface="Source Sans Pro" panose="020B0503030403020204" pitchFamily="34" charset="0"/>
+                          <a:ea typeface="Source Sans Pro" panose="020B0503030403020204" pitchFamily="34" charset="0"/>
+                        </a:rPr>
+                        <a:t>Liveschaltung und Verwendung des Roboterarms</a:t>
+                      </a:r>
+                    </a:p>
+                    <a:p>
+                      <a:pPr marL="285750" indent="-285750">
+                        <a:buFontTx/>
+                        <a:buChar char="-"/>
+                      </a:pPr>
+                      <a:r>
+                        <a:rPr lang="de-DE" sz="1600" dirty="0">
+                          <a:latin typeface="Source Sans Pro" panose="020B0503030403020204" pitchFamily="34" charset="0"/>
+                          <a:ea typeface="Source Sans Pro" panose="020B0503030403020204" pitchFamily="34" charset="0"/>
+                        </a:rPr>
+                        <a:t>Wärmebildkamera</a:t>
+                      </a:r>
+                    </a:p>
+                  </a:txBody>
+                  <a:tcPr anchor="ctr">
+                    <a:lnL w="12700" cmpd="sng">
+                      <a:noFill/>
+                    </a:lnL>
+                    <a:lnR w="12700" cmpd="sng">
+                      <a:noFill/>
+                    </a:lnR>
+                    <a:lnT w="12700" cap="flat" cmpd="sng" algn="ctr">
+                      <a:solidFill>
+                        <a:schemeClr val="tx1"/>
+                      </a:solidFill>
+                      <a:prstDash val="solid"/>
+                      <a:round/>
+                      <a:headEnd type="none" w="med" len="med"/>
+                      <a:tailEnd type="none" w="med" len="med"/>
+                    </a:lnT>
+                    <a:lnB w="12700" cap="flat" cmpd="sng" algn="ctr">
+                      <a:solidFill>
+                        <a:schemeClr val="tx1"/>
+                      </a:solidFill>
+                      <a:prstDash val="solid"/>
+                      <a:round/>
+                      <a:headEnd type="none" w="med" len="med"/>
+                      <a:tailEnd type="none" w="med" len="med"/>
+                    </a:lnB>
+                    <a:lnTlToBr w="12700" cmpd="sng">
+                      <a:noFill/>
+                      <a:prstDash val="solid"/>
+                    </a:lnTlToBr>
+                    <a:lnBlToTr w="12700" cmpd="sng">
+                      <a:noFill/>
+                      <a:prstDash val="solid"/>
+                    </a:lnBlToTr>
+                  </a:tcPr>
+                </a:tc>
+                <a:extLst>
+                  <a:ext uri="{0D108BD9-81ED-4DB2-BD59-A6C34878D82A}">
+                    <a16:rowId xmlns:a16="http://schemas.microsoft.com/office/drawing/2014/main" val="2555790229"/>
+                  </a:ext>
+                </a:extLst>
+              </a:tr>
+              <a:tr h="370840">
+                <a:tc>
+                  <a:txBody>
+                    <a:bodyPr/>
+                    <a:lstStyle/>
+                    <a:p>
+                      <a:r>
+                        <a:rPr lang="de-DE" sz="1600" b="1" dirty="0">
+                          <a:latin typeface="Source Sans Pro" panose="020B0503030403020204" pitchFamily="34" charset="0"/>
+                          <a:ea typeface="Source Sans Pro" panose="020B0503030403020204" pitchFamily="34" charset="0"/>
+                        </a:rPr>
+                        <a:t>4.</a:t>
+                      </a:r>
+                    </a:p>
+                  </a:txBody>
+                  <a:tcPr anchor="ctr">
+                    <a:lnL w="12700" cmpd="sng">
+                      <a:noFill/>
+                    </a:lnL>
+                    <a:lnR w="12700" cmpd="sng">
+                      <a:noFill/>
+                    </a:lnR>
+                    <a:lnT w="12700" cap="flat" cmpd="sng" algn="ctr">
+                      <a:solidFill>
+                        <a:schemeClr val="tx1"/>
+                      </a:solidFill>
+                      <a:prstDash val="solid"/>
+                      <a:round/>
+                      <a:headEnd type="none" w="med" len="med"/>
+                      <a:tailEnd type="none" w="med" len="med"/>
+                    </a:lnT>
+                    <a:lnB w="12700" cap="flat" cmpd="sng" algn="ctr">
+                      <a:solidFill>
+                        <a:schemeClr val="tx1"/>
+                      </a:solidFill>
+                      <a:prstDash val="solid"/>
+                      <a:round/>
+                      <a:headEnd type="none" w="med" len="med"/>
+                      <a:tailEnd type="none" w="med" len="med"/>
+                    </a:lnB>
+                    <a:lnTlToBr w="12700" cmpd="sng">
+                      <a:noFill/>
+                      <a:prstDash val="solid"/>
+                    </a:lnTlToBr>
+                    <a:lnBlToTr w="12700" cmpd="sng">
+                      <a:noFill/>
+                      <a:prstDash val="solid"/>
+                    </a:lnBlToTr>
+                  </a:tcPr>
+                </a:tc>
+                <a:tc>
+                  <a:txBody>
+                    <a:bodyPr/>
+                    <a:lstStyle/>
+                    <a:p>
+                      <a:r>
+                        <a:rPr lang="en-US" sz="1600" b="1" dirty="0" err="1">
+                          <a:latin typeface="Source Sans Pro" panose="020B0503030403020204" pitchFamily="34" charset="0"/>
+                          <a:ea typeface="Source Sans Pro" panose="020B0503030403020204" pitchFamily="34" charset="0"/>
+                        </a:rPr>
+                        <a:t>Schiffsunglück</a:t>
+                      </a:r>
+                      <a:endParaRPr lang="de-DE" sz="1600" b="1" dirty="0">
+                        <a:latin typeface="Source Sans Pro" panose="020B0503030403020204" pitchFamily="34" charset="0"/>
+                        <a:ea typeface="Source Sans Pro" panose="020B0503030403020204" pitchFamily="34" charset="0"/>
+                      </a:endParaRPr>
+                    </a:p>
+                  </a:txBody>
+                  <a:tcPr anchor="ctr">
+                    <a:lnL w="12700" cmpd="sng">
+                      <a:noFill/>
+                    </a:lnL>
+                    <a:lnR w="12700" cmpd="sng">
+                      <a:noFill/>
+                    </a:lnR>
+                    <a:lnT w="12700" cap="flat" cmpd="sng" algn="ctr">
+                      <a:solidFill>
+                        <a:schemeClr val="tx1"/>
+                      </a:solidFill>
+                      <a:prstDash val="solid"/>
+                      <a:round/>
+                      <a:headEnd type="none" w="med" len="med"/>
+                      <a:tailEnd type="none" w="med" len="med"/>
+                    </a:lnT>
+                    <a:lnB w="12700" cap="flat" cmpd="sng" algn="ctr">
+                      <a:solidFill>
+                        <a:schemeClr val="tx1"/>
+                      </a:solidFill>
+                      <a:prstDash val="solid"/>
+                      <a:round/>
+                      <a:headEnd type="none" w="med" len="med"/>
+                      <a:tailEnd type="none" w="med" len="med"/>
+                    </a:lnB>
+                    <a:lnTlToBr w="12700" cmpd="sng">
+                      <a:noFill/>
+                      <a:prstDash val="solid"/>
+                    </a:lnTlToBr>
+                    <a:lnBlToTr w="12700" cmpd="sng">
+                      <a:noFill/>
+                      <a:prstDash val="solid"/>
+                    </a:lnBlToTr>
+                  </a:tcPr>
+                </a:tc>
+                <a:tc>
+                  <a:txBody>
+                    <a:bodyPr/>
+                    <a:lstStyle/>
+                    <a:p>
+                      <a:pPr marL="285750" indent="-285750">
+                        <a:buFontTx/>
+                        <a:buChar char="-"/>
+                      </a:pPr>
+                      <a:r>
+                        <a:rPr lang="de-DE" sz="1600" dirty="0">
+                          <a:latin typeface="Source Sans Pro" panose="020B0503030403020204" pitchFamily="34" charset="0"/>
+                          <a:ea typeface="Source Sans Pro" panose="020B0503030403020204" pitchFamily="34" charset="0"/>
+                        </a:rPr>
+                        <a:t>Auf Wasser fahren</a:t>
+                      </a:r>
+                    </a:p>
+                    <a:p>
+                      <a:pPr marL="285750" indent="-285750">
+                        <a:buFontTx/>
+                        <a:buChar char="-"/>
+                      </a:pPr>
+                      <a:r>
+                        <a:rPr lang="de-DE" sz="1600" dirty="0">
+                          <a:latin typeface="Source Sans Pro" panose="020B0503030403020204" pitchFamily="34" charset="0"/>
+                          <a:ea typeface="Source Sans Pro" panose="020B0503030403020204" pitchFamily="34" charset="0"/>
+                        </a:rPr>
+                        <a:t>Liveschaltung und Verwendung des Roboterarms</a:t>
+                      </a:r>
+                    </a:p>
+                  </a:txBody>
+                  <a:tcPr anchor="ctr">
+                    <a:lnL w="12700" cmpd="sng">
+                      <a:noFill/>
+                    </a:lnL>
+                    <a:lnR w="12700" cmpd="sng">
+                      <a:noFill/>
+                    </a:lnR>
+                    <a:lnT w="12700" cap="flat" cmpd="sng" algn="ctr">
+                      <a:solidFill>
+                        <a:schemeClr val="tx1"/>
+                      </a:solidFill>
+                      <a:prstDash val="solid"/>
+                      <a:round/>
+                      <a:headEnd type="none" w="med" len="med"/>
+                      <a:tailEnd type="none" w="med" len="med"/>
+                    </a:lnT>
+                    <a:lnB w="12700" cap="flat" cmpd="sng" algn="ctr">
+                      <a:solidFill>
+                        <a:schemeClr val="tx1"/>
+                      </a:solidFill>
+                      <a:prstDash val="solid"/>
+                      <a:round/>
+                      <a:headEnd type="none" w="med" len="med"/>
+                      <a:tailEnd type="none" w="med" len="med"/>
+                    </a:lnB>
+                    <a:lnTlToBr w="12700" cmpd="sng">
+                      <a:noFill/>
+                      <a:prstDash val="solid"/>
+                    </a:lnTlToBr>
+                    <a:lnBlToTr w="12700" cmpd="sng">
+                      <a:noFill/>
+                      <a:prstDash val="solid"/>
+                    </a:lnBlToTr>
+                  </a:tcPr>
+                </a:tc>
+                <a:extLst>
+                  <a:ext uri="{0D108BD9-81ED-4DB2-BD59-A6C34878D82A}">
+                    <a16:rowId xmlns:a16="http://schemas.microsoft.com/office/drawing/2014/main" val="1242482472"/>
+                  </a:ext>
+                </a:extLst>
+              </a:tr>
+              <a:tr h="370840">
+                <a:tc>
+                  <a:txBody>
+                    <a:bodyPr/>
+                    <a:lstStyle/>
+                    <a:p>
+                      <a:r>
+                        <a:rPr lang="de-DE" sz="1600" b="1" dirty="0">
+                          <a:latin typeface="Source Sans Pro" panose="020B0503030403020204" pitchFamily="34" charset="0"/>
+                          <a:ea typeface="Source Sans Pro" panose="020B0503030403020204" pitchFamily="34" charset="0"/>
+                        </a:rPr>
+                        <a:t>5.</a:t>
+                      </a:r>
+                    </a:p>
+                  </a:txBody>
+                  <a:tcPr anchor="ctr">
+                    <a:lnL w="12700" cmpd="sng">
+                      <a:noFill/>
+                    </a:lnL>
+                    <a:lnR w="12700" cmpd="sng">
+                      <a:noFill/>
+                    </a:lnR>
+                    <a:lnT w="12700" cap="flat" cmpd="sng" algn="ctr">
+                      <a:solidFill>
+                        <a:schemeClr val="tx1"/>
+                      </a:solidFill>
+                      <a:prstDash val="solid"/>
+                      <a:round/>
+                      <a:headEnd type="none" w="med" len="med"/>
+                      <a:tailEnd type="none" w="med" len="med"/>
+                    </a:lnT>
+                    <a:lnB w="12700" cmpd="sng">
+                      <a:noFill/>
+                    </a:lnB>
+                    <a:lnTlToBr w="12700" cmpd="sng">
+                      <a:noFill/>
+                      <a:prstDash val="solid"/>
+                    </a:lnTlToBr>
+                    <a:lnBlToTr w="12700" cmpd="sng">
+                      <a:noFill/>
+                      <a:prstDash val="solid"/>
+                    </a:lnBlToTr>
+                  </a:tcPr>
+                </a:tc>
+                <a:tc>
+                  <a:txBody>
+                    <a:bodyPr/>
+                    <a:lstStyle/>
+                    <a:p>
+                      <a:r>
+                        <a:rPr lang="en-US" sz="1600" b="1" dirty="0" err="1">
+                          <a:latin typeface="Source Sans Pro" panose="020B0503030403020204" pitchFamily="34" charset="0"/>
+                          <a:ea typeface="Source Sans Pro" panose="020B0503030403020204" pitchFamily="34" charset="0"/>
+                        </a:rPr>
+                        <a:t>Waldbrände</a:t>
+                      </a:r>
+                      <a:endParaRPr lang="de-DE" sz="1600" b="1" dirty="0">
+                        <a:latin typeface="Source Sans Pro" panose="020B0503030403020204" pitchFamily="34" charset="0"/>
+                        <a:ea typeface="Source Sans Pro" panose="020B0503030403020204" pitchFamily="34" charset="0"/>
+                      </a:endParaRPr>
+                    </a:p>
+                  </a:txBody>
+                  <a:tcPr anchor="ctr">
+                    <a:lnL w="12700" cmpd="sng">
+                      <a:noFill/>
+                    </a:lnL>
+                    <a:lnR w="12700" cmpd="sng">
+                      <a:noFill/>
+                    </a:lnR>
+                    <a:lnT w="12700" cap="flat" cmpd="sng" algn="ctr">
+                      <a:solidFill>
+                        <a:schemeClr val="tx1"/>
+                      </a:solidFill>
+                      <a:prstDash val="solid"/>
+                      <a:round/>
+                      <a:headEnd type="none" w="med" len="med"/>
+                      <a:tailEnd type="none" w="med" len="med"/>
+                    </a:lnT>
+                    <a:lnB w="12700" cmpd="sng">
+                      <a:noFill/>
+                    </a:lnB>
+                    <a:lnTlToBr w="12700" cmpd="sng">
+                      <a:noFill/>
+                      <a:prstDash val="solid"/>
+                    </a:lnTlToBr>
+                    <a:lnBlToTr w="12700" cmpd="sng">
+                      <a:noFill/>
+                      <a:prstDash val="solid"/>
+                    </a:lnBlToTr>
+                  </a:tcPr>
+                </a:tc>
+                <a:tc>
+                  <a:txBody>
+                    <a:bodyPr/>
+                    <a:lstStyle/>
+                    <a:p>
+                      <a:pPr marL="285750" indent="-285750">
+                        <a:buFontTx/>
+                        <a:buChar char="-"/>
+                      </a:pPr>
+                      <a:r>
+                        <a:rPr lang="de-DE" sz="1600" dirty="0">
+                          <a:latin typeface="Source Sans Pro" panose="020B0503030403020204" pitchFamily="34" charset="0"/>
+                          <a:ea typeface="Source Sans Pro" panose="020B0503030403020204" pitchFamily="34" charset="0"/>
+                        </a:rPr>
+                        <a:t>Wassertank und Wasserschlauch</a:t>
+                      </a:r>
+                    </a:p>
+                    <a:p>
+                      <a:pPr marL="285750" indent="-285750">
+                        <a:buFontTx/>
+                        <a:buChar char="-"/>
+                      </a:pPr>
+                      <a:r>
+                        <a:rPr lang="de-DE" sz="1600" dirty="0">
+                          <a:latin typeface="Source Sans Pro" panose="020B0503030403020204" pitchFamily="34" charset="0"/>
+                          <a:ea typeface="Source Sans Pro" panose="020B0503030403020204" pitchFamily="34" charset="0"/>
+                        </a:rPr>
+                        <a:t>Feuerundurchlässige </a:t>
+                      </a:r>
+                      <a:r>
+                        <a:rPr lang="de-DE" sz="1600" dirty="0" err="1">
+                          <a:latin typeface="Source Sans Pro" panose="020B0503030403020204" pitchFamily="34" charset="0"/>
+                          <a:ea typeface="Source Sans Pro" panose="020B0503030403020204" pitchFamily="34" charset="0"/>
+                        </a:rPr>
+                        <a:t>Ummantlung</a:t>
+                      </a:r>
+                      <a:endParaRPr lang="de-DE" sz="1600" dirty="0">
+                        <a:latin typeface="Source Sans Pro" panose="020B0503030403020204" pitchFamily="34" charset="0"/>
+                        <a:ea typeface="Source Sans Pro" panose="020B0503030403020204" pitchFamily="34" charset="0"/>
+                      </a:endParaRPr>
+                    </a:p>
+                    <a:p>
+                      <a:pPr marL="285750" indent="-285750">
+                        <a:buFontTx/>
+                        <a:buChar char="-"/>
+                      </a:pPr>
+                      <a:r>
+                        <a:rPr lang="de-DE" sz="1600" dirty="0" err="1">
+                          <a:latin typeface="Source Sans Pro" panose="020B0503030403020204" pitchFamily="34" charset="0"/>
+                          <a:ea typeface="Source Sans Pro" panose="020B0503030403020204" pitchFamily="34" charset="0"/>
+                        </a:rPr>
+                        <a:t>Lifeschaltung</a:t>
+                      </a:r>
+                      <a:r>
+                        <a:rPr lang="de-DE" sz="1600" dirty="0">
+                          <a:latin typeface="Source Sans Pro" panose="020B0503030403020204" pitchFamily="34" charset="0"/>
+                          <a:ea typeface="Source Sans Pro" panose="020B0503030403020204" pitchFamily="34" charset="0"/>
+                        </a:rPr>
+                        <a:t> unter Verwendung des Roboterarms</a:t>
+                      </a:r>
+                    </a:p>
+                  </a:txBody>
+                  <a:tcPr anchor="ctr">
+                    <a:lnL w="12700" cmpd="sng">
+                      <a:noFill/>
+                    </a:lnL>
+                    <a:lnR w="12700" cmpd="sng">
+                      <a:noFill/>
+                    </a:lnR>
+                    <a:lnT w="12700" cap="flat" cmpd="sng" algn="ctr">
+                      <a:solidFill>
+                        <a:schemeClr val="tx1"/>
+                      </a:solidFill>
+                      <a:prstDash val="solid"/>
+                      <a:round/>
+                      <a:headEnd type="none" w="med" len="med"/>
+                      <a:tailEnd type="none" w="med" len="med"/>
+                    </a:lnT>
+                    <a:lnB w="12700" cmpd="sng">
+                      <a:noFill/>
+                    </a:lnB>
+                    <a:lnTlToBr w="12700" cmpd="sng">
+                      <a:noFill/>
+                      <a:prstDash val="solid"/>
+                    </a:lnTlToBr>
+                    <a:lnBlToTr w="12700" cmpd="sng">
+                      <a:noFill/>
+                      <a:prstDash val="solid"/>
+                    </a:lnBlToTr>
+                  </a:tcPr>
+                </a:tc>
+                <a:extLst>
+                  <a:ext uri="{0D108BD9-81ED-4DB2-BD59-A6C34878D82A}">
+                    <a16:rowId xmlns:a16="http://schemas.microsoft.com/office/drawing/2014/main" val="399868556"/>
+                  </a:ext>
+                </a:extLst>
+              </a:tr>
+            </a:tbl>
+          </a:graphicData>
+        </a:graphic>
+      </p:graphicFrame>
       <p:sp>
         <p:nvSpPr>
           <p:cNvPr id="4" name="Datumsplatzhalter 3">
@@ -4737,7 +5890,7 @@
             <a:fld id="{C916D949-773C-3845-BFBA-C7D9987445EE}" type="datetime1">
               <a:rPr lang="de-DE" smtClean="0"/>
               <a:pPr/>
-              <a:t>18.07.2020</a:t>
+              <a:t>20.07.2020</a:t>
             </a:fld>
             <a:endParaRPr lang="de-DE" dirty="0"/>
           </a:p>
@@ -4776,7 +5929,7 @@
     </p:spTree>
     <p:extLst>
       <p:ext uri="{BB962C8B-B14F-4D97-AF65-F5344CB8AC3E}">
-        <p14:creationId xmlns:p14="http://schemas.microsoft.com/office/powerpoint/2010/main" val="469110568"/>
+        <p14:creationId xmlns:p14="http://schemas.microsoft.com/office/powerpoint/2010/main" val="206030055"/>
       </p:ext>
     </p:extLst>
   </p:cSld>
@@ -4880,7 +6033,7 @@
             <a:fld id="{C916D949-773C-3845-BFBA-C7D9987445EE}" type="datetime1">
               <a:rPr lang="de-DE" smtClean="0"/>
               <a:pPr/>
-              <a:t>18.07.2020</a:t>
+              <a:t>20.07.2020</a:t>
             </a:fld>
             <a:endParaRPr lang="de-DE" dirty="0"/>
           </a:p>
@@ -5023,7 +6176,7 @@
             <a:fld id="{C916D949-773C-3845-BFBA-C7D9987445EE}" type="datetime1">
               <a:rPr lang="de-DE" smtClean="0"/>
               <a:pPr/>
-              <a:t>18.07.2020</a:t>
+              <a:t>20.07.2020</a:t>
             </a:fld>
             <a:endParaRPr lang="de-DE" dirty="0"/>
           </a:p>
@@ -5167,7 +6320,7 @@
             <a:fld id="{C916D949-773C-3845-BFBA-C7D9987445EE}" type="datetime1">
               <a:rPr lang="de-DE" smtClean="0"/>
               <a:pPr/>
-              <a:t>18.07.2020</a:t>
+              <a:t>20.07.2020</a:t>
             </a:fld>
             <a:endParaRPr lang="de-DE" dirty="0"/>
           </a:p>

--- a/Präsentation/Präsentation_Rescue_Robot_Gruppe_3.pptx
+++ b/Präsentation/Präsentation_Rescue_Robot_Gruppe_3.pptx
@@ -4788,7 +4788,7 @@
             <p:ph idx="1"/>
             <p:extLst>
               <p:ext uri="{D42A27DB-BD31-4B8C-83A1-F6EECF244321}">
-                <p14:modId xmlns:p14="http://schemas.microsoft.com/office/powerpoint/2010/main" val="873145240"/>
+                <p14:modId xmlns:p14="http://schemas.microsoft.com/office/powerpoint/2010/main" val="3243896658"/>
               </p:ext>
             </p:extLst>
           </p:nvPr>
@@ -4910,44 +4910,12 @@
                         <a:defRPr/>
                       </a:pPr>
                       <a:r>
-                        <a:rPr lang="en-US" sz="1600" b="1" dirty="0" err="1">
+                        <a:rPr lang="de-DE" sz="1600" b="1" noProof="0" dirty="0">
                           <a:latin typeface="Source Sans Pro" panose="020B0503030403020204" pitchFamily="34" charset="0"/>
                           <a:ea typeface="Source Sans Pro" panose="020B0503030403020204" pitchFamily="34" charset="0"/>
                         </a:rPr>
-                        <a:t>Bergung</a:t>
+                        <a:t>Bergung nach Vulkanausbruch</a:t>
                       </a:r>
-                      <a:r>
-                        <a:rPr lang="en-US" sz="1600" b="1" dirty="0">
-                          <a:latin typeface="Source Sans Pro" panose="020B0503030403020204" pitchFamily="34" charset="0"/>
-                          <a:ea typeface="Source Sans Pro" panose="020B0503030403020204" pitchFamily="34" charset="0"/>
-                        </a:rPr>
-                        <a:t> </a:t>
-                      </a:r>
-                      <a:r>
-                        <a:rPr lang="en-US" sz="1600" b="1" dirty="0" err="1">
-                          <a:latin typeface="Source Sans Pro" panose="020B0503030403020204" pitchFamily="34" charset="0"/>
-                          <a:ea typeface="Source Sans Pro" panose="020B0503030403020204" pitchFamily="34" charset="0"/>
-                        </a:rPr>
-                        <a:t>nach</a:t>
-                      </a:r>
-                      <a:r>
-                        <a:rPr lang="en-US" sz="1600" b="1" dirty="0">
-                          <a:latin typeface="Source Sans Pro" panose="020B0503030403020204" pitchFamily="34" charset="0"/>
-                          <a:ea typeface="Source Sans Pro" panose="020B0503030403020204" pitchFamily="34" charset="0"/>
-                        </a:rPr>
-                        <a:t> </a:t>
-                      </a:r>
-                      <a:r>
-                        <a:rPr lang="en-US" sz="1600" b="1" dirty="0" err="1">
-                          <a:latin typeface="Source Sans Pro" panose="020B0503030403020204" pitchFamily="34" charset="0"/>
-                          <a:ea typeface="Source Sans Pro" panose="020B0503030403020204" pitchFamily="34" charset="0"/>
-                        </a:rPr>
-                        <a:t>Vulkanausbruch</a:t>
-                      </a:r>
-                      <a:endParaRPr lang="en-US" sz="1600" b="1" dirty="0">
-                        <a:latin typeface="Source Sans Pro" panose="020B0503030403020204" pitchFamily="34" charset="0"/>
-                        <a:ea typeface="Source Sans Pro" panose="020B0503030403020204" pitchFamily="34" charset="0"/>
-                      </a:endParaRPr>
                     </a:p>
                   </a:txBody>
                   <a:tcPr anchor="ctr">

--- a/Präsentation/Präsentation_Rescue_Robot_Gruppe_3.pptx
+++ b/Präsentation/Präsentation_Rescue_Robot_Gruppe_3.pptx
@@ -4788,7 +4788,7 @@
             <p:ph idx="1"/>
             <p:extLst>
               <p:ext uri="{D42A27DB-BD31-4B8C-83A1-F6EECF244321}">
-                <p14:modId xmlns:p14="http://schemas.microsoft.com/office/powerpoint/2010/main" val="3243896658"/>
+                <p14:modId xmlns:p14="http://schemas.microsoft.com/office/powerpoint/2010/main" val="1644965541"/>
               </p:ext>
             </p:extLst>
           </p:nvPr>
@@ -5174,16 +5174,12 @@
                         <a:buChar char="-"/>
                       </a:pPr>
                       <a:r>
-                        <a:rPr lang="de-DE" sz="1600" dirty="0" err="1">
+                        <a:rPr lang="de-DE" sz="1600" dirty="0">
                           <a:latin typeface="Source Sans Pro" panose="020B0503030403020204" pitchFamily="34" charset="0"/>
                           <a:ea typeface="Source Sans Pro" panose="020B0503030403020204" pitchFamily="34" charset="0"/>
                         </a:rPr>
-                        <a:t>Schutzummantlung</a:t>
+                        <a:t>Schutzummantelung</a:t>
                       </a:r>
-                      <a:endParaRPr lang="de-DE" sz="1600" dirty="0">
-                        <a:latin typeface="Source Sans Pro" panose="020B0503030403020204" pitchFamily="34" charset="0"/>
-                        <a:ea typeface="Source Sans Pro" panose="020B0503030403020204" pitchFamily="34" charset="0"/>
-                      </a:endParaRPr>
                     </a:p>
                   </a:txBody>
                   <a:tcPr anchor="ctr">
@@ -5760,19 +5756,8 @@
                           <a:latin typeface="Source Sans Pro" panose="020B0503030403020204" pitchFamily="34" charset="0"/>
                           <a:ea typeface="Source Sans Pro" panose="020B0503030403020204" pitchFamily="34" charset="0"/>
                         </a:rPr>
-                        <a:t>Feuerundurchlässige </a:t>
+                        <a:t>Feuerundurchlässige Ummantelung</a:t>
                       </a:r>
-                      <a:r>
-                        <a:rPr lang="de-DE" sz="1600" dirty="0" err="1">
-                          <a:latin typeface="Source Sans Pro" panose="020B0503030403020204" pitchFamily="34" charset="0"/>
-                          <a:ea typeface="Source Sans Pro" panose="020B0503030403020204" pitchFamily="34" charset="0"/>
-                        </a:rPr>
-                        <a:t>Ummantlung</a:t>
-                      </a:r>
-                      <a:endParaRPr lang="de-DE" sz="1600" dirty="0">
-                        <a:latin typeface="Source Sans Pro" panose="020B0503030403020204" pitchFamily="34" charset="0"/>
-                        <a:ea typeface="Source Sans Pro" panose="020B0503030403020204" pitchFamily="34" charset="0"/>
-                      </a:endParaRPr>
                     </a:p>
                     <a:p>
                       <a:pPr marL="285750" indent="-285750">
@@ -5952,31 +5937,42 @@
           </a:p>
         </p:txBody>
       </p:sp>
-      <p:sp>
-        <p:nvSpPr>
-          <p:cNvPr id="3" name="Inhaltsplatzhalter 2">
+      <p:pic>
+        <p:nvPicPr>
+          <p:cNvPr id="7" name="Inhaltsplatzhalter 6">
             <a:extLst>
               <a:ext uri="{FF2B5EF4-FFF2-40B4-BE49-F238E27FC236}">
-                <a16:creationId xmlns:a16="http://schemas.microsoft.com/office/drawing/2014/main" id="{D7D9A9B6-DF61-4B61-8855-AA3E1DB647A3}"/>
+                <a16:creationId xmlns:a16="http://schemas.microsoft.com/office/drawing/2014/main" id="{7BCE60B4-5659-4EE4-A16F-266316D46C7B}"/>
               </a:ext>
             </a:extLst>
           </p:cNvPr>
-          <p:cNvSpPr>
-            <a:spLocks noGrp="1"/>
-          </p:cNvSpPr>
+          <p:cNvPicPr>
+            <a:picLocks noGrp="1" noChangeAspect="1"/>
+          </p:cNvPicPr>
           <p:nvPr>
             <p:ph idx="1"/>
           </p:nvPr>
-        </p:nvSpPr>
-        <p:spPr/>
-        <p:txBody>
-          <a:bodyPr/>
-          <a:lstStyle/>
-          <a:p>
-            <a:endParaRPr lang="de-DE"/>
-          </a:p>
-        </p:txBody>
-      </p:sp>
+        </p:nvPicPr>
+        <p:blipFill>
+          <a:blip r:embed="rId2"/>
+          <a:stretch>
+            <a:fillRect/>
+          </a:stretch>
+        </p:blipFill>
+        <p:spPr>
+          <a:xfrm>
+            <a:off x="1254321" y="2202653"/>
+            <a:ext cx="6462320" cy="3741744"/>
+          </a:xfrm>
+          <a:effectLst>
+            <a:outerShdw blurRad="50800" dist="38100" dir="2700000" algn="tl" rotWithShape="0">
+              <a:prstClr val="black">
+                <a:alpha val="40000"/>
+              </a:prstClr>
+            </a:outerShdw>
+          </a:effectLst>
+        </p:spPr>
+      </p:pic>
       <p:sp>
         <p:nvSpPr>
           <p:cNvPr id="4" name="Datumsplatzhalter 3">
@@ -6095,31 +6091,896 @@
           </a:p>
         </p:txBody>
       </p:sp>
-      <p:sp>
-        <p:nvSpPr>
-          <p:cNvPr id="3" name="Inhaltsplatzhalter 2">
+      <p:graphicFrame>
+        <p:nvGraphicFramePr>
+          <p:cNvPr id="6" name="Tabelle 6">
             <a:extLst>
               <a:ext uri="{FF2B5EF4-FFF2-40B4-BE49-F238E27FC236}">
-                <a16:creationId xmlns:a16="http://schemas.microsoft.com/office/drawing/2014/main" id="{DDAEEA0F-171B-45BE-89C1-708509180B0B}"/>
+                <a16:creationId xmlns:a16="http://schemas.microsoft.com/office/drawing/2014/main" id="{E794A4B5-9A05-44CB-B3A6-500183D2630B}"/>
               </a:ext>
             </a:extLst>
           </p:cNvPr>
-          <p:cNvSpPr>
-            <a:spLocks noGrp="1"/>
-          </p:cNvSpPr>
+          <p:cNvGraphicFramePr>
+            <a:graphicFrameLocks noGrp="1"/>
+          </p:cNvGraphicFramePr>
           <p:nvPr>
             <p:ph idx="1"/>
-          </p:nvPr>
-        </p:nvSpPr>
-        <p:spPr/>
-        <p:txBody>
-          <a:bodyPr/>
-          <a:lstStyle/>
-          <a:p>
-            <a:endParaRPr lang="de-DE"/>
-          </a:p>
-        </p:txBody>
-      </p:sp>
+            <p:extLst>
+              <p:ext uri="{D42A27DB-BD31-4B8C-83A1-F6EECF244321}">
+                <p14:modId xmlns:p14="http://schemas.microsoft.com/office/powerpoint/2010/main" val="207674438"/>
+              </p:ext>
+            </p:extLst>
+          </p:nvPr>
+        </p:nvGraphicFramePr>
+        <p:xfrm>
+          <a:off x="647700" y="2020888"/>
+          <a:ext cx="7675562" cy="4221480"/>
+        </p:xfrm>
+        <a:graphic>
+          <a:graphicData uri="http://schemas.openxmlformats.org/drawingml/2006/table">
+            <a:tbl>
+              <a:tblPr firstRow="1" bandRow="1">
+                <a:tableStyleId>{5940675A-B579-460E-94D1-54222C63F5DA}</a:tableStyleId>
+              </a:tblPr>
+              <a:tblGrid>
+                <a:gridCol w="345237">
+                  <a:extLst>
+                    <a:ext uri="{9D8B030D-6E8A-4147-A177-3AD203B41FA5}">
+                      <a16:colId xmlns:a16="http://schemas.microsoft.com/office/drawing/2014/main" val="2648691774"/>
+                    </a:ext>
+                  </a:extLst>
+                </a:gridCol>
+                <a:gridCol w="1469772">
+                  <a:extLst>
+                    <a:ext uri="{9D8B030D-6E8A-4147-A177-3AD203B41FA5}">
+                      <a16:colId xmlns:a16="http://schemas.microsoft.com/office/drawing/2014/main" val="2843603392"/>
+                    </a:ext>
+                  </a:extLst>
+                </a:gridCol>
+                <a:gridCol w="5860553">
+                  <a:extLst>
+                    <a:ext uri="{9D8B030D-6E8A-4147-A177-3AD203B41FA5}">
+                      <a16:colId xmlns:a16="http://schemas.microsoft.com/office/drawing/2014/main" val="1969234082"/>
+                    </a:ext>
+                  </a:extLst>
+                </a:gridCol>
+              </a:tblGrid>
+              <a:tr h="370840">
+                <a:tc>
+                  <a:txBody>
+                    <a:bodyPr/>
+                    <a:lstStyle/>
+                    <a:p>
+                      <a:r>
+                        <a:rPr lang="de-DE" sz="1300" b="1" dirty="0">
+                          <a:latin typeface="Source Sans Pro" panose="020B0503030403020204" pitchFamily="34" charset="0"/>
+                          <a:ea typeface="Source Sans Pro" panose="020B0503030403020204" pitchFamily="34" charset="0"/>
+                        </a:rPr>
+                        <a:t>1.</a:t>
+                      </a:r>
+                    </a:p>
+                  </a:txBody>
+                  <a:tcPr anchor="ctr">
+                    <a:lnL w="12700" cmpd="sng">
+                      <a:noFill/>
+                    </a:lnL>
+                    <a:lnR w="12700" cmpd="sng">
+                      <a:noFill/>
+                    </a:lnR>
+                    <a:lnT w="12700" cmpd="sng">
+                      <a:noFill/>
+                    </a:lnT>
+                    <a:lnB w="12700" cap="flat" cmpd="sng" algn="ctr">
+                      <a:solidFill>
+                        <a:schemeClr val="tx1"/>
+                      </a:solidFill>
+                      <a:prstDash val="solid"/>
+                      <a:round/>
+                      <a:headEnd type="none" w="med" len="med"/>
+                      <a:tailEnd type="none" w="med" len="med"/>
+                    </a:lnB>
+                    <a:lnTlToBr w="12700" cmpd="sng">
+                      <a:noFill/>
+                      <a:prstDash val="solid"/>
+                    </a:lnTlToBr>
+                    <a:lnBlToTr w="12700" cmpd="sng">
+                      <a:noFill/>
+                      <a:prstDash val="solid"/>
+                    </a:lnBlToTr>
+                  </a:tcPr>
+                </a:tc>
+                <a:tc>
+                  <a:txBody>
+                    <a:bodyPr/>
+                    <a:lstStyle/>
+                    <a:p>
+                      <a:r>
+                        <a:rPr lang="de-DE" sz="1300" b="1" dirty="0">
+                          <a:latin typeface="Source Sans Pro" panose="020B0503030403020204" pitchFamily="34" charset="0"/>
+                          <a:ea typeface="Source Sans Pro" panose="020B0503030403020204" pitchFamily="34" charset="0"/>
+                        </a:rPr>
+                        <a:t>Politiker</a:t>
+                      </a:r>
+                    </a:p>
+                  </a:txBody>
+                  <a:tcPr anchor="ctr">
+                    <a:lnL w="12700" cmpd="sng">
+                      <a:noFill/>
+                    </a:lnL>
+                    <a:lnR w="12700" cmpd="sng">
+                      <a:noFill/>
+                    </a:lnR>
+                    <a:lnT w="12700" cmpd="sng">
+                      <a:noFill/>
+                    </a:lnT>
+                    <a:lnB w="12700" cap="flat" cmpd="sng" algn="ctr">
+                      <a:solidFill>
+                        <a:schemeClr val="tx1"/>
+                      </a:solidFill>
+                      <a:prstDash val="solid"/>
+                      <a:round/>
+                      <a:headEnd type="none" w="med" len="med"/>
+                      <a:tailEnd type="none" w="med" len="med"/>
+                    </a:lnB>
+                    <a:lnTlToBr w="12700" cmpd="sng">
+                      <a:noFill/>
+                      <a:prstDash val="solid"/>
+                    </a:lnTlToBr>
+                    <a:lnBlToTr w="12700" cmpd="sng">
+                      <a:noFill/>
+                      <a:prstDash val="solid"/>
+                    </a:lnBlToTr>
+                  </a:tcPr>
+                </a:tc>
+                <a:tc>
+                  <a:txBody>
+                    <a:bodyPr/>
+                    <a:lstStyle/>
+                    <a:p>
+                      <a:pPr marL="285750" indent="-285750">
+                        <a:buFontTx/>
+                        <a:buChar char="-"/>
+                      </a:pPr>
+                      <a:r>
+                        <a:rPr lang="de-DE" sz="1300" dirty="0">
+                          <a:latin typeface="Source Sans Pro" panose="020B0503030403020204" pitchFamily="34" charset="0"/>
+                          <a:ea typeface="Source Sans Pro" panose="020B0503030403020204" pitchFamily="34" charset="0"/>
+                        </a:rPr>
+                        <a:t>Das Fahrzeug hat Kontakt mit der Umwelt und Personen, dies kann zu rechtlichen Problemen führen.</a:t>
+                      </a:r>
+                    </a:p>
+                    <a:p>
+                      <a:pPr marL="285750" indent="-285750">
+                        <a:buFontTx/>
+                        <a:buChar char="-"/>
+                      </a:pPr>
+                      <a:r>
+                        <a:rPr lang="de-DE" sz="1300" dirty="0">
+                          <a:latin typeface="Source Sans Pro" panose="020B0503030403020204" pitchFamily="34" charset="0"/>
+                          <a:ea typeface="Source Sans Pro" panose="020B0503030403020204" pitchFamily="34" charset="0"/>
+                        </a:rPr>
+                        <a:t>Durch bestimmte Erweiterungen am Rettungsauto, könnte die Umwelt verbessert werden.</a:t>
+                      </a:r>
+                    </a:p>
+                  </a:txBody>
+                  <a:tcPr anchor="ctr">
+                    <a:lnL w="12700" cmpd="sng">
+                      <a:noFill/>
+                    </a:lnL>
+                    <a:lnR w="12700" cmpd="sng">
+                      <a:noFill/>
+                    </a:lnR>
+                    <a:lnT w="12700" cmpd="sng">
+                      <a:noFill/>
+                    </a:lnT>
+                    <a:lnB w="12700" cap="flat" cmpd="sng" algn="ctr">
+                      <a:solidFill>
+                        <a:schemeClr val="tx1"/>
+                      </a:solidFill>
+                      <a:prstDash val="solid"/>
+                      <a:round/>
+                      <a:headEnd type="none" w="med" len="med"/>
+                      <a:tailEnd type="none" w="med" len="med"/>
+                    </a:lnB>
+                    <a:lnTlToBr w="12700" cmpd="sng">
+                      <a:noFill/>
+                      <a:prstDash val="solid"/>
+                    </a:lnTlToBr>
+                    <a:lnBlToTr w="12700" cmpd="sng">
+                      <a:noFill/>
+                      <a:prstDash val="solid"/>
+                    </a:lnBlToTr>
+                  </a:tcPr>
+                </a:tc>
+                <a:extLst>
+                  <a:ext uri="{0D108BD9-81ED-4DB2-BD59-A6C34878D82A}">
+                    <a16:rowId xmlns:a16="http://schemas.microsoft.com/office/drawing/2014/main" val="1399604472"/>
+                  </a:ext>
+                </a:extLst>
+              </a:tr>
+              <a:tr h="370840">
+                <a:tc>
+                  <a:txBody>
+                    <a:bodyPr/>
+                    <a:lstStyle/>
+                    <a:p>
+                      <a:r>
+                        <a:rPr lang="de-DE" sz="1300" b="1" dirty="0">
+                          <a:latin typeface="Source Sans Pro" panose="020B0503030403020204" pitchFamily="34" charset="0"/>
+                          <a:ea typeface="Source Sans Pro" panose="020B0503030403020204" pitchFamily="34" charset="0"/>
+                        </a:rPr>
+                        <a:t>2.</a:t>
+                      </a:r>
+                    </a:p>
+                  </a:txBody>
+                  <a:tcPr anchor="ctr">
+                    <a:lnL w="12700" cmpd="sng">
+                      <a:noFill/>
+                    </a:lnL>
+                    <a:lnR w="12700" cmpd="sng">
+                      <a:noFill/>
+                    </a:lnR>
+                    <a:lnT w="12700" cap="flat" cmpd="sng" algn="ctr">
+                      <a:solidFill>
+                        <a:schemeClr val="tx1"/>
+                      </a:solidFill>
+                      <a:prstDash val="solid"/>
+                      <a:round/>
+                      <a:headEnd type="none" w="med" len="med"/>
+                      <a:tailEnd type="none" w="med" len="med"/>
+                    </a:lnT>
+                    <a:lnB w="12700" cap="flat" cmpd="sng" algn="ctr">
+                      <a:solidFill>
+                        <a:schemeClr val="tx1"/>
+                      </a:solidFill>
+                      <a:prstDash val="solid"/>
+                      <a:round/>
+                      <a:headEnd type="none" w="med" len="med"/>
+                      <a:tailEnd type="none" w="med" len="med"/>
+                    </a:lnB>
+                    <a:lnTlToBr w="12700" cmpd="sng">
+                      <a:noFill/>
+                      <a:prstDash val="solid"/>
+                    </a:lnTlToBr>
+                    <a:lnBlToTr w="12700" cmpd="sng">
+                      <a:noFill/>
+                      <a:prstDash val="solid"/>
+                    </a:lnBlToTr>
+                  </a:tcPr>
+                </a:tc>
+                <a:tc>
+                  <a:txBody>
+                    <a:bodyPr/>
+                    <a:lstStyle/>
+                    <a:p>
+                      <a:r>
+                        <a:rPr lang="de-DE" sz="1300" b="1" dirty="0">
+                          <a:latin typeface="Source Sans Pro" panose="020B0503030403020204" pitchFamily="34" charset="0"/>
+                          <a:ea typeface="Source Sans Pro" panose="020B0503030403020204" pitchFamily="34" charset="0"/>
+                        </a:rPr>
+                        <a:t>Menschen, die gerettet werden</a:t>
+                      </a:r>
+                    </a:p>
+                  </a:txBody>
+                  <a:tcPr anchor="ctr">
+                    <a:lnL w="12700" cmpd="sng">
+                      <a:noFill/>
+                    </a:lnL>
+                    <a:lnR w="12700" cmpd="sng">
+                      <a:noFill/>
+                    </a:lnR>
+                    <a:lnT w="12700" cap="flat" cmpd="sng" algn="ctr">
+                      <a:solidFill>
+                        <a:schemeClr val="tx1"/>
+                      </a:solidFill>
+                      <a:prstDash val="solid"/>
+                      <a:round/>
+                      <a:headEnd type="none" w="med" len="med"/>
+                      <a:tailEnd type="none" w="med" len="med"/>
+                    </a:lnT>
+                    <a:lnB w="12700" cap="flat" cmpd="sng" algn="ctr">
+                      <a:solidFill>
+                        <a:schemeClr val="tx1"/>
+                      </a:solidFill>
+                      <a:prstDash val="solid"/>
+                      <a:round/>
+                      <a:headEnd type="none" w="med" len="med"/>
+                      <a:tailEnd type="none" w="med" len="med"/>
+                    </a:lnB>
+                    <a:lnTlToBr w="12700" cmpd="sng">
+                      <a:noFill/>
+                      <a:prstDash val="solid"/>
+                    </a:lnTlToBr>
+                    <a:lnBlToTr w="12700" cmpd="sng">
+                      <a:noFill/>
+                      <a:prstDash val="solid"/>
+                    </a:lnBlToTr>
+                  </a:tcPr>
+                </a:tc>
+                <a:tc>
+                  <a:txBody>
+                    <a:bodyPr/>
+                    <a:lstStyle/>
+                    <a:p>
+                      <a:pPr marL="285750" indent="-285750">
+                        <a:buFontTx/>
+                        <a:buChar char="-"/>
+                      </a:pPr>
+                      <a:r>
+                        <a:rPr lang="de-DE" sz="1300" dirty="0">
+                          <a:latin typeface="Source Sans Pro" panose="020B0503030403020204" pitchFamily="34" charset="0"/>
+                          <a:ea typeface="Source Sans Pro" panose="020B0503030403020204" pitchFamily="34" charset="0"/>
+                        </a:rPr>
+                        <a:t>Sind nicht einverstanden mit der neuen Technik, möchten diese nicht in Anspruch nehmen.</a:t>
+                      </a:r>
+                    </a:p>
+                    <a:p>
+                      <a:pPr marL="285750" indent="-285750">
+                        <a:buFontTx/>
+                        <a:buChar char="-"/>
+                      </a:pPr>
+                      <a:r>
+                        <a:rPr lang="de-DE" sz="1300" dirty="0">
+                          <a:latin typeface="Source Sans Pro" panose="020B0503030403020204" pitchFamily="34" charset="0"/>
+                          <a:ea typeface="Source Sans Pro" panose="020B0503030403020204" pitchFamily="34" charset="0"/>
+                        </a:rPr>
+                        <a:t>Sind begeistert von der Idee und unterstützen das Projekt.</a:t>
+                      </a:r>
+                    </a:p>
+                  </a:txBody>
+                  <a:tcPr anchor="ctr">
+                    <a:lnL w="12700" cmpd="sng">
+                      <a:noFill/>
+                    </a:lnL>
+                    <a:lnR w="12700" cmpd="sng">
+                      <a:noFill/>
+                    </a:lnR>
+                    <a:lnT w="12700" cap="flat" cmpd="sng" algn="ctr">
+                      <a:solidFill>
+                        <a:schemeClr val="tx1"/>
+                      </a:solidFill>
+                      <a:prstDash val="solid"/>
+                      <a:round/>
+                      <a:headEnd type="none" w="med" len="med"/>
+                      <a:tailEnd type="none" w="med" len="med"/>
+                    </a:lnT>
+                    <a:lnB w="12700" cap="flat" cmpd="sng" algn="ctr">
+                      <a:solidFill>
+                        <a:schemeClr val="tx1"/>
+                      </a:solidFill>
+                      <a:prstDash val="solid"/>
+                      <a:round/>
+                      <a:headEnd type="none" w="med" len="med"/>
+                      <a:tailEnd type="none" w="med" len="med"/>
+                    </a:lnB>
+                    <a:lnTlToBr w="12700" cmpd="sng">
+                      <a:noFill/>
+                      <a:prstDash val="solid"/>
+                    </a:lnTlToBr>
+                    <a:lnBlToTr w="12700" cmpd="sng">
+                      <a:noFill/>
+                      <a:prstDash val="solid"/>
+                    </a:lnBlToTr>
+                  </a:tcPr>
+                </a:tc>
+                <a:extLst>
+                  <a:ext uri="{0D108BD9-81ED-4DB2-BD59-A6C34878D82A}">
+                    <a16:rowId xmlns:a16="http://schemas.microsoft.com/office/drawing/2014/main" val="2816984366"/>
+                  </a:ext>
+                </a:extLst>
+              </a:tr>
+              <a:tr h="370840">
+                <a:tc>
+                  <a:txBody>
+                    <a:bodyPr/>
+                    <a:lstStyle/>
+                    <a:p>
+                      <a:r>
+                        <a:rPr lang="de-DE" sz="1300" b="1" dirty="0">
+                          <a:latin typeface="Source Sans Pro" panose="020B0503030403020204" pitchFamily="34" charset="0"/>
+                          <a:ea typeface="Source Sans Pro" panose="020B0503030403020204" pitchFamily="34" charset="0"/>
+                        </a:rPr>
+                        <a:t>3.</a:t>
+                      </a:r>
+                    </a:p>
+                  </a:txBody>
+                  <a:tcPr anchor="ctr">
+                    <a:lnL w="12700" cmpd="sng">
+                      <a:noFill/>
+                    </a:lnL>
+                    <a:lnR w="12700" cmpd="sng">
+                      <a:noFill/>
+                    </a:lnR>
+                    <a:lnT w="12700" cap="flat" cmpd="sng" algn="ctr">
+                      <a:solidFill>
+                        <a:schemeClr val="tx1"/>
+                      </a:solidFill>
+                      <a:prstDash val="solid"/>
+                      <a:round/>
+                      <a:headEnd type="none" w="med" len="med"/>
+                      <a:tailEnd type="none" w="med" len="med"/>
+                    </a:lnT>
+                    <a:lnB w="12700" cap="flat" cmpd="sng" algn="ctr">
+                      <a:solidFill>
+                        <a:schemeClr val="tx1"/>
+                      </a:solidFill>
+                      <a:prstDash val="solid"/>
+                      <a:round/>
+                      <a:headEnd type="none" w="med" len="med"/>
+                      <a:tailEnd type="none" w="med" len="med"/>
+                    </a:lnB>
+                    <a:lnTlToBr w="12700" cmpd="sng">
+                      <a:noFill/>
+                      <a:prstDash val="solid"/>
+                    </a:lnTlToBr>
+                    <a:lnBlToTr w="12700" cmpd="sng">
+                      <a:noFill/>
+                      <a:prstDash val="solid"/>
+                    </a:lnBlToTr>
+                  </a:tcPr>
+                </a:tc>
+                <a:tc>
+                  <a:txBody>
+                    <a:bodyPr/>
+                    <a:lstStyle/>
+                    <a:p>
+                      <a:r>
+                        <a:rPr lang="de-DE" sz="1300" b="1" dirty="0">
+                          <a:latin typeface="Source Sans Pro" panose="020B0503030403020204" pitchFamily="34" charset="0"/>
+                          <a:ea typeface="Source Sans Pro" panose="020B0503030403020204" pitchFamily="34" charset="0"/>
+                        </a:rPr>
+                        <a:t>Feuerwehr &amp; Polizei</a:t>
+                      </a:r>
+                    </a:p>
+                  </a:txBody>
+                  <a:tcPr anchor="ctr">
+                    <a:lnL w="12700" cmpd="sng">
+                      <a:noFill/>
+                    </a:lnL>
+                    <a:lnR w="12700" cmpd="sng">
+                      <a:noFill/>
+                    </a:lnR>
+                    <a:lnT w="12700" cap="flat" cmpd="sng" algn="ctr">
+                      <a:solidFill>
+                        <a:schemeClr val="tx1"/>
+                      </a:solidFill>
+                      <a:prstDash val="solid"/>
+                      <a:round/>
+                      <a:headEnd type="none" w="med" len="med"/>
+                      <a:tailEnd type="none" w="med" len="med"/>
+                    </a:lnT>
+                    <a:lnB w="12700" cap="flat" cmpd="sng" algn="ctr">
+                      <a:solidFill>
+                        <a:schemeClr val="tx1"/>
+                      </a:solidFill>
+                      <a:prstDash val="solid"/>
+                      <a:round/>
+                      <a:headEnd type="none" w="med" len="med"/>
+                      <a:tailEnd type="none" w="med" len="med"/>
+                    </a:lnB>
+                    <a:lnTlToBr w="12700" cmpd="sng">
+                      <a:noFill/>
+                      <a:prstDash val="solid"/>
+                    </a:lnTlToBr>
+                    <a:lnBlToTr w="12700" cmpd="sng">
+                      <a:noFill/>
+                      <a:prstDash val="solid"/>
+                    </a:lnBlToTr>
+                  </a:tcPr>
+                </a:tc>
+                <a:tc>
+                  <a:txBody>
+                    <a:bodyPr/>
+                    <a:lstStyle/>
+                    <a:p>
+                      <a:pPr marL="285750" indent="-285750">
+                        <a:buFontTx/>
+                        <a:buChar char="-"/>
+                      </a:pPr>
+                      <a:r>
+                        <a:rPr lang="de-DE" sz="1300" dirty="0">
+                          <a:latin typeface="Source Sans Pro" panose="020B0503030403020204" pitchFamily="34" charset="0"/>
+                          <a:ea typeface="Source Sans Pro" panose="020B0503030403020204" pitchFamily="34" charset="0"/>
+                        </a:rPr>
+                        <a:t>Sind gegen die Einführung eines technischen Hilfsmittels, da Arbeitsplätze wegfallen.</a:t>
+                      </a:r>
+                    </a:p>
+                    <a:p>
+                      <a:pPr marL="285750" indent="-285750">
+                        <a:buFontTx/>
+                        <a:buChar char="-"/>
+                      </a:pPr>
+                      <a:r>
+                        <a:rPr lang="de-DE" sz="1300" dirty="0">
+                          <a:latin typeface="Source Sans Pro" panose="020B0503030403020204" pitchFamily="34" charset="0"/>
+                          <a:ea typeface="Source Sans Pro" panose="020B0503030403020204" pitchFamily="34" charset="0"/>
+                        </a:rPr>
+                        <a:t>Freuen sich über die Verbesserung der Arbeitsbedingungen und die Unterstützung.</a:t>
+                      </a:r>
+                    </a:p>
+                  </a:txBody>
+                  <a:tcPr anchor="ctr">
+                    <a:lnL w="12700" cmpd="sng">
+                      <a:noFill/>
+                    </a:lnL>
+                    <a:lnR w="12700" cmpd="sng">
+                      <a:noFill/>
+                    </a:lnR>
+                    <a:lnT w="12700" cap="flat" cmpd="sng" algn="ctr">
+                      <a:solidFill>
+                        <a:schemeClr val="tx1"/>
+                      </a:solidFill>
+                      <a:prstDash val="solid"/>
+                      <a:round/>
+                      <a:headEnd type="none" w="med" len="med"/>
+                      <a:tailEnd type="none" w="med" len="med"/>
+                    </a:lnT>
+                    <a:lnB w="12700" cap="flat" cmpd="sng" algn="ctr">
+                      <a:solidFill>
+                        <a:schemeClr val="tx1"/>
+                      </a:solidFill>
+                      <a:prstDash val="solid"/>
+                      <a:round/>
+                      <a:headEnd type="none" w="med" len="med"/>
+                      <a:tailEnd type="none" w="med" len="med"/>
+                    </a:lnB>
+                    <a:lnTlToBr w="12700" cmpd="sng">
+                      <a:noFill/>
+                      <a:prstDash val="solid"/>
+                    </a:lnTlToBr>
+                    <a:lnBlToTr w="12700" cmpd="sng">
+                      <a:noFill/>
+                      <a:prstDash val="solid"/>
+                    </a:lnBlToTr>
+                  </a:tcPr>
+                </a:tc>
+                <a:extLst>
+                  <a:ext uri="{0D108BD9-81ED-4DB2-BD59-A6C34878D82A}">
+                    <a16:rowId xmlns:a16="http://schemas.microsoft.com/office/drawing/2014/main" val="168296316"/>
+                  </a:ext>
+                </a:extLst>
+              </a:tr>
+              <a:tr h="370840">
+                <a:tc>
+                  <a:txBody>
+                    <a:bodyPr/>
+                    <a:lstStyle/>
+                    <a:p>
+                      <a:r>
+                        <a:rPr lang="de-DE" sz="1300" b="1" dirty="0">
+                          <a:latin typeface="Source Sans Pro" panose="020B0503030403020204" pitchFamily="34" charset="0"/>
+                          <a:ea typeface="Source Sans Pro" panose="020B0503030403020204" pitchFamily="34" charset="0"/>
+                        </a:rPr>
+                        <a:t>4.</a:t>
+                      </a:r>
+                    </a:p>
+                  </a:txBody>
+                  <a:tcPr anchor="ctr">
+                    <a:lnL w="12700" cmpd="sng">
+                      <a:noFill/>
+                    </a:lnL>
+                    <a:lnR w="12700" cmpd="sng">
+                      <a:noFill/>
+                    </a:lnR>
+                    <a:lnT w="12700" cap="flat" cmpd="sng" algn="ctr">
+                      <a:solidFill>
+                        <a:schemeClr val="tx1"/>
+                      </a:solidFill>
+                      <a:prstDash val="solid"/>
+                      <a:round/>
+                      <a:headEnd type="none" w="med" len="med"/>
+                      <a:tailEnd type="none" w="med" len="med"/>
+                    </a:lnT>
+                    <a:lnB w="12700" cap="flat" cmpd="sng" algn="ctr">
+                      <a:solidFill>
+                        <a:schemeClr val="tx1"/>
+                      </a:solidFill>
+                      <a:prstDash val="solid"/>
+                      <a:round/>
+                      <a:headEnd type="none" w="med" len="med"/>
+                      <a:tailEnd type="none" w="med" len="med"/>
+                    </a:lnB>
+                    <a:lnTlToBr w="12700" cmpd="sng">
+                      <a:noFill/>
+                      <a:prstDash val="solid"/>
+                    </a:lnTlToBr>
+                    <a:lnBlToTr w="12700" cmpd="sng">
+                      <a:noFill/>
+                      <a:prstDash val="solid"/>
+                    </a:lnBlToTr>
+                  </a:tcPr>
+                </a:tc>
+                <a:tc>
+                  <a:txBody>
+                    <a:bodyPr/>
+                    <a:lstStyle/>
+                    <a:p>
+                      <a:r>
+                        <a:rPr lang="de-DE" sz="1300" b="1" dirty="0">
+                          <a:latin typeface="Source Sans Pro" panose="020B0503030403020204" pitchFamily="34" charset="0"/>
+                          <a:ea typeface="Source Sans Pro" panose="020B0503030403020204" pitchFamily="34" charset="0"/>
+                        </a:rPr>
+                        <a:t>Sponsoren</a:t>
+                      </a:r>
+                    </a:p>
+                  </a:txBody>
+                  <a:tcPr anchor="ctr">
+                    <a:lnL w="12700" cmpd="sng">
+                      <a:noFill/>
+                    </a:lnL>
+                    <a:lnR w="12700" cmpd="sng">
+                      <a:noFill/>
+                    </a:lnR>
+                    <a:lnT w="12700" cap="flat" cmpd="sng" algn="ctr">
+                      <a:solidFill>
+                        <a:schemeClr val="tx1"/>
+                      </a:solidFill>
+                      <a:prstDash val="solid"/>
+                      <a:round/>
+                      <a:headEnd type="none" w="med" len="med"/>
+                      <a:tailEnd type="none" w="med" len="med"/>
+                    </a:lnT>
+                    <a:lnB w="12700" cap="flat" cmpd="sng" algn="ctr">
+                      <a:solidFill>
+                        <a:schemeClr val="tx1"/>
+                      </a:solidFill>
+                      <a:prstDash val="solid"/>
+                      <a:round/>
+                      <a:headEnd type="none" w="med" len="med"/>
+                      <a:tailEnd type="none" w="med" len="med"/>
+                    </a:lnB>
+                    <a:lnTlToBr w="12700" cmpd="sng">
+                      <a:noFill/>
+                      <a:prstDash val="solid"/>
+                    </a:lnTlToBr>
+                    <a:lnBlToTr w="12700" cmpd="sng">
+                      <a:noFill/>
+                      <a:prstDash val="solid"/>
+                    </a:lnBlToTr>
+                  </a:tcPr>
+                </a:tc>
+                <a:tc>
+                  <a:txBody>
+                    <a:bodyPr/>
+                    <a:lstStyle/>
+                    <a:p>
+                      <a:pPr marL="285750" indent="-285750">
+                        <a:buFontTx/>
+                        <a:buChar char="-"/>
+                      </a:pPr>
+                      <a:r>
+                        <a:rPr lang="de-DE" sz="1300" dirty="0">
+                          <a:latin typeface="Source Sans Pro" panose="020B0503030403020204" pitchFamily="34" charset="0"/>
+                          <a:ea typeface="Source Sans Pro" panose="020B0503030403020204" pitchFamily="34" charset="0"/>
+                        </a:rPr>
+                        <a:t>Sehen den technischen Erfolg nicht und möchten deshalb den preislichen Aufwand nicht finanzieren.</a:t>
+                      </a:r>
+                    </a:p>
+                    <a:p>
+                      <a:pPr marL="285750" indent="-285750">
+                        <a:buFontTx/>
+                        <a:buChar char="-"/>
+                      </a:pPr>
+                      <a:r>
+                        <a:rPr lang="de-DE" sz="1300" dirty="0">
+                          <a:latin typeface="Source Sans Pro" panose="020B0503030403020204" pitchFamily="34" charset="0"/>
+                          <a:ea typeface="Source Sans Pro" panose="020B0503030403020204" pitchFamily="34" charset="0"/>
+                        </a:rPr>
+                        <a:t>Sind skeptisch doch interessiert an der neuen Technik und möchte dies finanzieren.</a:t>
+                      </a:r>
+                    </a:p>
+                    <a:p>
+                      <a:pPr marL="285750" indent="-285750">
+                        <a:buFontTx/>
+                        <a:buChar char="-"/>
+                      </a:pPr>
+                      <a:r>
+                        <a:rPr lang="de-DE" sz="1300" dirty="0">
+                          <a:latin typeface="Source Sans Pro" panose="020B0503030403020204" pitchFamily="34" charset="0"/>
+                          <a:ea typeface="Source Sans Pro" panose="020B0503030403020204" pitchFamily="34" charset="0"/>
+                        </a:rPr>
+                        <a:t>Sehen das Potential in der neuen Technik und freuen sich so ein großes neues Projekt zu unterstützen.</a:t>
+                      </a:r>
+                    </a:p>
+                  </a:txBody>
+                  <a:tcPr anchor="ctr">
+                    <a:lnL w="12700" cmpd="sng">
+                      <a:noFill/>
+                    </a:lnL>
+                    <a:lnR w="12700" cmpd="sng">
+                      <a:noFill/>
+                    </a:lnR>
+                    <a:lnT w="12700" cap="flat" cmpd="sng" algn="ctr">
+                      <a:solidFill>
+                        <a:schemeClr val="tx1"/>
+                      </a:solidFill>
+                      <a:prstDash val="solid"/>
+                      <a:round/>
+                      <a:headEnd type="none" w="med" len="med"/>
+                      <a:tailEnd type="none" w="med" len="med"/>
+                    </a:lnT>
+                    <a:lnB w="12700" cap="flat" cmpd="sng" algn="ctr">
+                      <a:solidFill>
+                        <a:schemeClr val="tx1"/>
+                      </a:solidFill>
+                      <a:prstDash val="solid"/>
+                      <a:round/>
+                      <a:headEnd type="none" w="med" len="med"/>
+                      <a:tailEnd type="none" w="med" len="med"/>
+                    </a:lnB>
+                    <a:lnTlToBr w="12700" cmpd="sng">
+                      <a:noFill/>
+                      <a:prstDash val="solid"/>
+                    </a:lnTlToBr>
+                    <a:lnBlToTr w="12700" cmpd="sng">
+                      <a:noFill/>
+                      <a:prstDash val="solid"/>
+                    </a:lnBlToTr>
+                  </a:tcPr>
+                </a:tc>
+                <a:extLst>
+                  <a:ext uri="{0D108BD9-81ED-4DB2-BD59-A6C34878D82A}">
+                    <a16:rowId xmlns:a16="http://schemas.microsoft.com/office/drawing/2014/main" val="4219487148"/>
+                  </a:ext>
+                </a:extLst>
+              </a:tr>
+              <a:tr h="370840">
+                <a:tc>
+                  <a:txBody>
+                    <a:bodyPr/>
+                    <a:lstStyle/>
+                    <a:p>
+                      <a:r>
+                        <a:rPr lang="de-DE" sz="1300" b="1" dirty="0">
+                          <a:latin typeface="Source Sans Pro" panose="020B0503030403020204" pitchFamily="34" charset="0"/>
+                          <a:ea typeface="Source Sans Pro" panose="020B0503030403020204" pitchFamily="34" charset="0"/>
+                        </a:rPr>
+                        <a:t>5.</a:t>
+                      </a:r>
+                    </a:p>
+                  </a:txBody>
+                  <a:tcPr anchor="ctr">
+                    <a:lnL w="12700" cmpd="sng">
+                      <a:noFill/>
+                    </a:lnL>
+                    <a:lnR w="12700" cmpd="sng">
+                      <a:noFill/>
+                    </a:lnR>
+                    <a:lnT w="12700" cap="flat" cmpd="sng" algn="ctr">
+                      <a:solidFill>
+                        <a:schemeClr val="tx1"/>
+                      </a:solidFill>
+                      <a:prstDash val="solid"/>
+                      <a:round/>
+                      <a:headEnd type="none" w="med" len="med"/>
+                      <a:tailEnd type="none" w="med" len="med"/>
+                    </a:lnT>
+                    <a:lnB w="12700" cmpd="sng">
+                      <a:noFill/>
+                    </a:lnB>
+                    <a:lnTlToBr w="12700" cmpd="sng">
+                      <a:noFill/>
+                      <a:prstDash val="solid"/>
+                    </a:lnTlToBr>
+                    <a:lnBlToTr w="12700" cmpd="sng">
+                      <a:noFill/>
+                      <a:prstDash val="solid"/>
+                    </a:lnBlToTr>
+                  </a:tcPr>
+                </a:tc>
+                <a:tc>
+                  <a:txBody>
+                    <a:bodyPr/>
+                    <a:lstStyle/>
+                    <a:p>
+                      <a:r>
+                        <a:rPr lang="de-DE" sz="1300" b="1" dirty="0">
+                          <a:latin typeface="Source Sans Pro" panose="020B0503030403020204" pitchFamily="34" charset="0"/>
+                          <a:ea typeface="Source Sans Pro" panose="020B0503030403020204" pitchFamily="34" charset="0"/>
+                        </a:rPr>
+                        <a:t>Mitbürger</a:t>
+                      </a:r>
+                    </a:p>
+                  </a:txBody>
+                  <a:tcPr anchor="ctr">
+                    <a:lnL w="12700" cmpd="sng">
+                      <a:noFill/>
+                    </a:lnL>
+                    <a:lnR w="12700" cmpd="sng">
+                      <a:noFill/>
+                    </a:lnR>
+                    <a:lnT w="12700" cap="flat" cmpd="sng" algn="ctr">
+                      <a:solidFill>
+                        <a:schemeClr val="tx1"/>
+                      </a:solidFill>
+                      <a:prstDash val="solid"/>
+                      <a:round/>
+                      <a:headEnd type="none" w="med" len="med"/>
+                      <a:tailEnd type="none" w="med" len="med"/>
+                    </a:lnT>
+                    <a:lnB w="12700" cmpd="sng">
+                      <a:noFill/>
+                    </a:lnB>
+                    <a:lnTlToBr w="12700" cmpd="sng">
+                      <a:noFill/>
+                      <a:prstDash val="solid"/>
+                    </a:lnTlToBr>
+                    <a:lnBlToTr w="12700" cmpd="sng">
+                      <a:noFill/>
+                      <a:prstDash val="solid"/>
+                    </a:lnBlToTr>
+                  </a:tcPr>
+                </a:tc>
+                <a:tc>
+                  <a:txBody>
+                    <a:bodyPr/>
+                    <a:lstStyle/>
+                    <a:p>
+                      <a:pPr marL="285750" indent="-285750">
+                        <a:buFontTx/>
+                        <a:buChar char="-"/>
+                      </a:pPr>
+                      <a:r>
+                        <a:rPr lang="de-DE" sz="1300" dirty="0">
+                          <a:latin typeface="Source Sans Pro" panose="020B0503030403020204" pitchFamily="34" charset="0"/>
+                          <a:ea typeface="Source Sans Pro" panose="020B0503030403020204" pitchFamily="34" charset="0"/>
+                        </a:rPr>
+                        <a:t>Haben Angst in einen Unfall mit dem Rettungsauto zu geraten.</a:t>
+                      </a:r>
+                    </a:p>
+                    <a:p>
+                      <a:pPr marL="285750" indent="-285750">
+                        <a:buFontTx/>
+                        <a:buChar char="-"/>
+                      </a:pPr>
+                      <a:r>
+                        <a:rPr lang="de-DE" sz="1300" dirty="0">
+                          <a:latin typeface="Source Sans Pro" panose="020B0503030403020204" pitchFamily="34" charset="0"/>
+                          <a:ea typeface="Source Sans Pro" panose="020B0503030403020204" pitchFamily="34" charset="0"/>
+                        </a:rPr>
+                        <a:t>Fühlen sich sicherer durch das Rettungsauto.</a:t>
+                      </a:r>
+                    </a:p>
+                  </a:txBody>
+                  <a:tcPr anchor="ctr">
+                    <a:lnL w="12700" cmpd="sng">
+                      <a:noFill/>
+                    </a:lnL>
+                    <a:lnR w="12700" cmpd="sng">
+                      <a:noFill/>
+                    </a:lnR>
+                    <a:lnT w="12700" cap="flat" cmpd="sng" algn="ctr">
+                      <a:solidFill>
+                        <a:schemeClr val="tx1"/>
+                      </a:solidFill>
+                      <a:prstDash val="solid"/>
+                      <a:round/>
+                      <a:headEnd type="none" w="med" len="med"/>
+                      <a:tailEnd type="none" w="med" len="med"/>
+                    </a:lnT>
+                    <a:lnB w="12700" cmpd="sng">
+                      <a:noFill/>
+                    </a:lnB>
+                    <a:lnTlToBr w="12700" cmpd="sng">
+                      <a:noFill/>
+                      <a:prstDash val="solid"/>
+                    </a:lnTlToBr>
+                    <a:lnBlToTr w="12700" cmpd="sng">
+                      <a:noFill/>
+                      <a:prstDash val="solid"/>
+                    </a:lnBlToTr>
+                  </a:tcPr>
+                </a:tc>
+                <a:extLst>
+                  <a:ext uri="{0D108BD9-81ED-4DB2-BD59-A6C34878D82A}">
+                    <a16:rowId xmlns:a16="http://schemas.microsoft.com/office/drawing/2014/main" val="707640895"/>
+                  </a:ext>
+                </a:extLst>
+              </a:tr>
+            </a:tbl>
+          </a:graphicData>
+        </a:graphic>
+      </p:graphicFrame>
       <p:sp>
         <p:nvSpPr>
           <p:cNvPr id="4" name="Datumsplatzhalter 3">

--- a/Präsentation/Präsentation_Rescue_Robot_Gruppe_3.pptx
+++ b/Präsentation/Präsentation_Rescue_Robot_Gruppe_3.pptx
@@ -5,24 +5,28 @@
     <p:sldMasterId id="2147483648" r:id="rId1"/>
   </p:sldMasterIdLst>
   <p:notesMasterIdLst>
-    <p:notesMasterId r:id="rId14"/>
+    <p:notesMasterId r:id="rId18"/>
   </p:notesMasterIdLst>
   <p:handoutMasterIdLst>
-    <p:handoutMasterId r:id="rId15"/>
+    <p:handoutMasterId r:id="rId19"/>
   </p:handoutMasterIdLst>
   <p:sldIdLst>
     <p:sldId id="256" r:id="rId2"/>
     <p:sldId id="257" r:id="rId3"/>
     <p:sldId id="258" r:id="rId4"/>
     <p:sldId id="259" r:id="rId5"/>
-    <p:sldId id="264" r:id="rId6"/>
-    <p:sldId id="268" r:id="rId7"/>
-    <p:sldId id="266" r:id="rId8"/>
-    <p:sldId id="267" r:id="rId9"/>
-    <p:sldId id="260" r:id="rId10"/>
-    <p:sldId id="261" r:id="rId11"/>
-    <p:sldId id="262" r:id="rId12"/>
-    <p:sldId id="263" r:id="rId13"/>
+    <p:sldId id="271" r:id="rId6"/>
+    <p:sldId id="264" r:id="rId7"/>
+    <p:sldId id="268" r:id="rId8"/>
+    <p:sldId id="270" r:id="rId9"/>
+    <p:sldId id="267" r:id="rId10"/>
+    <p:sldId id="266" r:id="rId11"/>
+    <p:sldId id="269" r:id="rId12"/>
+    <p:sldId id="272" r:id="rId13"/>
+    <p:sldId id="260" r:id="rId14"/>
+    <p:sldId id="261" r:id="rId15"/>
+    <p:sldId id="262" r:id="rId16"/>
+    <p:sldId id="263" r:id="rId17"/>
   </p:sldIdLst>
   <p:sldSz cx="9144000" cy="6858000" type="screen4x3"/>
   <p:notesSz cx="6858000" cy="9144000"/>
@@ -223,7 +227,7 @@
             <a:fld id="{276817F0-84FC-C145-AFC3-FA42D1D21F8E}" type="datetimeFigureOut">
               <a:rPr lang="de-DE" smtClean="0"/>
               <a:pPr/>
-              <a:t>20.07.2020</a:t>
+              <a:t>12.08.2020</a:t>
             </a:fld>
             <a:endParaRPr lang="de-DE"/>
           </a:p>
@@ -391,7 +395,7 @@
             <a:fld id="{F80FA3C8-DE25-7348-A1F7-D749F91943C8}" type="datetimeFigureOut">
               <a:rPr lang="de-DE" smtClean="0"/>
               <a:pPr/>
-              <a:t>20.07.2020</a:t>
+              <a:t>12.08.2020</a:t>
             </a:fld>
             <a:endParaRPr lang="de-DE"/>
           </a:p>
@@ -704,7 +708,98 @@
           <a:bodyPr/>
           <a:lstStyle/>
           <a:p>
-            <a:endParaRPr lang="de-DE" dirty="0"/>
+            <a:r>
+              <a:rPr lang="de-DE" dirty="0"/>
+              <a:t>Katrin</a:t>
+            </a:r>
+          </a:p>
+        </p:txBody>
+      </p:sp>
+      <p:sp>
+        <p:nvSpPr>
+          <p:cNvPr id="4" name="Foliennummernplatzhalter 3"/>
+          <p:cNvSpPr>
+            <a:spLocks noGrp="1"/>
+          </p:cNvSpPr>
+          <p:nvPr>
+            <p:ph type="sldNum" sz="quarter" idx="5"/>
+          </p:nvPr>
+        </p:nvSpPr>
+        <p:spPr/>
+        <p:txBody>
+          <a:bodyPr/>
+          <a:lstStyle/>
+          <a:p>
+            <a:fld id="{5C0E6540-DBC8-1449-A578-CCAD6D2991BC}" type="slidenum">
+              <a:rPr lang="de-DE" smtClean="0"/>
+              <a:pPr/>
+              <a:t>5</a:t>
+            </a:fld>
+            <a:endParaRPr lang="de-DE"/>
+          </a:p>
+        </p:txBody>
+      </p:sp>
+    </p:spTree>
+    <p:extLst>
+      <p:ext uri="{BB962C8B-B14F-4D97-AF65-F5344CB8AC3E}">
+        <p14:creationId xmlns:p14="http://schemas.microsoft.com/office/powerpoint/2010/main" val="2651765715"/>
+      </p:ext>
+    </p:extLst>
+  </p:cSld>
+  <p:clrMapOvr>
+    <a:masterClrMapping/>
+  </p:clrMapOvr>
+</p:notes>
+</file>
+
+<file path=ppt/notesSlides/notesSlide2.xml><?xml version="1.0" encoding="utf-8"?>
+<p:notes xmlns:a="http://schemas.openxmlformats.org/drawingml/2006/main" xmlns:r="http://schemas.openxmlformats.org/officeDocument/2006/relationships" xmlns:p="http://schemas.openxmlformats.org/presentationml/2006/main">
+  <p:cSld>
+    <p:spTree>
+      <p:nvGrpSpPr>
+        <p:cNvPr id="1" name=""/>
+        <p:cNvGrpSpPr/>
+        <p:nvPr/>
+      </p:nvGrpSpPr>
+      <p:grpSpPr>
+        <a:xfrm>
+          <a:off x="0" y="0"/>
+          <a:ext cx="0" cy="0"/>
+          <a:chOff x="0" y="0"/>
+          <a:chExt cx="0" cy="0"/>
+        </a:xfrm>
+      </p:grpSpPr>
+      <p:sp>
+        <p:nvSpPr>
+          <p:cNvPr id="2" name="Folienbildplatzhalter 1"/>
+          <p:cNvSpPr>
+            <a:spLocks noGrp="1" noRot="1" noChangeAspect="1"/>
+          </p:cNvSpPr>
+          <p:nvPr>
+            <p:ph type="sldImg"/>
+          </p:nvPr>
+        </p:nvSpPr>
+        <p:spPr/>
+      </p:sp>
+      <p:sp>
+        <p:nvSpPr>
+          <p:cNvPr id="3" name="Notizenplatzhalter 2"/>
+          <p:cNvSpPr>
+            <a:spLocks noGrp="1"/>
+          </p:cNvSpPr>
+          <p:nvPr>
+            <p:ph type="body" idx="1"/>
+          </p:nvPr>
+        </p:nvSpPr>
+        <p:spPr/>
+        <p:txBody>
+          <a:bodyPr/>
+          <a:lstStyle/>
+          <a:p>
+            <a:r>
+              <a:rPr lang="de-DE" dirty="0"/>
+              <a:t>Justin</a:t>
+            </a:r>
           </a:p>
         </p:txBody>
       </p:sp>
@@ -735,7 +830,447 @@
     </p:spTree>
     <p:extLst>
       <p:ext uri="{BB962C8B-B14F-4D97-AF65-F5344CB8AC3E}">
+        <p14:creationId xmlns:p14="http://schemas.microsoft.com/office/powerpoint/2010/main" val="561533642"/>
+      </p:ext>
+    </p:extLst>
+  </p:cSld>
+  <p:clrMapOvr>
+    <a:masterClrMapping/>
+  </p:clrMapOvr>
+</p:notes>
+</file>
+
+<file path=ppt/notesSlides/notesSlide3.xml><?xml version="1.0" encoding="utf-8"?>
+<p:notes xmlns:a="http://schemas.openxmlformats.org/drawingml/2006/main" xmlns:r="http://schemas.openxmlformats.org/officeDocument/2006/relationships" xmlns:p="http://schemas.openxmlformats.org/presentationml/2006/main">
+  <p:cSld>
+    <p:spTree>
+      <p:nvGrpSpPr>
+        <p:cNvPr id="1" name=""/>
+        <p:cNvGrpSpPr/>
+        <p:nvPr/>
+      </p:nvGrpSpPr>
+      <p:grpSpPr>
+        <a:xfrm>
+          <a:off x="0" y="0"/>
+          <a:ext cx="0" cy="0"/>
+          <a:chOff x="0" y="0"/>
+          <a:chExt cx="0" cy="0"/>
+        </a:xfrm>
+      </p:grpSpPr>
+      <p:sp>
+        <p:nvSpPr>
+          <p:cNvPr id="2" name="Folienbildplatzhalter 1"/>
+          <p:cNvSpPr>
+            <a:spLocks noGrp="1" noRot="1" noChangeAspect="1"/>
+          </p:cNvSpPr>
+          <p:nvPr>
+            <p:ph type="sldImg"/>
+          </p:nvPr>
+        </p:nvSpPr>
+        <p:spPr/>
+      </p:sp>
+      <p:sp>
+        <p:nvSpPr>
+          <p:cNvPr id="3" name="Notizenplatzhalter 2"/>
+          <p:cNvSpPr>
+            <a:spLocks noGrp="1"/>
+          </p:cNvSpPr>
+          <p:nvPr>
+            <p:ph type="body" idx="1"/>
+          </p:nvPr>
+        </p:nvSpPr>
+        <p:spPr/>
+        <p:txBody>
+          <a:bodyPr/>
+          <a:lstStyle/>
+          <a:p>
+            <a:r>
+              <a:rPr lang="de-DE" dirty="0"/>
+              <a:t>Katrin</a:t>
+            </a:r>
+          </a:p>
+        </p:txBody>
+      </p:sp>
+      <p:sp>
+        <p:nvSpPr>
+          <p:cNvPr id="4" name="Foliennummernplatzhalter 3"/>
+          <p:cNvSpPr>
+            <a:spLocks noGrp="1"/>
+          </p:cNvSpPr>
+          <p:nvPr>
+            <p:ph type="sldNum" sz="quarter" idx="5"/>
+          </p:nvPr>
+        </p:nvSpPr>
+        <p:spPr/>
+        <p:txBody>
+          <a:bodyPr/>
+          <a:lstStyle/>
+          <a:p>
+            <a:fld id="{5C0E6540-DBC8-1449-A578-CCAD6D2991BC}" type="slidenum">
+              <a:rPr lang="de-DE" smtClean="0"/>
+              <a:pPr/>
+              <a:t>7</a:t>
+            </a:fld>
+            <a:endParaRPr lang="de-DE"/>
+          </a:p>
+        </p:txBody>
+      </p:sp>
+    </p:spTree>
+    <p:extLst>
+      <p:ext uri="{BB962C8B-B14F-4D97-AF65-F5344CB8AC3E}">
         <p14:creationId xmlns:p14="http://schemas.microsoft.com/office/powerpoint/2010/main" val="155476164"/>
+      </p:ext>
+    </p:extLst>
+  </p:cSld>
+  <p:clrMapOvr>
+    <a:masterClrMapping/>
+  </p:clrMapOvr>
+</p:notes>
+</file>
+
+<file path=ppt/notesSlides/notesSlide4.xml><?xml version="1.0" encoding="utf-8"?>
+<p:notes xmlns:a="http://schemas.openxmlformats.org/drawingml/2006/main" xmlns:r="http://schemas.openxmlformats.org/officeDocument/2006/relationships" xmlns:p="http://schemas.openxmlformats.org/presentationml/2006/main">
+  <p:cSld>
+    <p:spTree>
+      <p:nvGrpSpPr>
+        <p:cNvPr id="1" name=""/>
+        <p:cNvGrpSpPr/>
+        <p:nvPr/>
+      </p:nvGrpSpPr>
+      <p:grpSpPr>
+        <a:xfrm>
+          <a:off x="0" y="0"/>
+          <a:ext cx="0" cy="0"/>
+          <a:chOff x="0" y="0"/>
+          <a:chExt cx="0" cy="0"/>
+        </a:xfrm>
+      </p:grpSpPr>
+      <p:sp>
+        <p:nvSpPr>
+          <p:cNvPr id="2" name="Folienbildplatzhalter 1"/>
+          <p:cNvSpPr>
+            <a:spLocks noGrp="1" noRot="1" noChangeAspect="1"/>
+          </p:cNvSpPr>
+          <p:nvPr>
+            <p:ph type="sldImg"/>
+          </p:nvPr>
+        </p:nvSpPr>
+        <p:spPr/>
+      </p:sp>
+      <p:sp>
+        <p:nvSpPr>
+          <p:cNvPr id="3" name="Notizenplatzhalter 2"/>
+          <p:cNvSpPr>
+            <a:spLocks noGrp="1"/>
+          </p:cNvSpPr>
+          <p:nvPr>
+            <p:ph type="body" idx="1"/>
+          </p:nvPr>
+        </p:nvSpPr>
+        <p:spPr/>
+        <p:txBody>
+          <a:bodyPr/>
+          <a:lstStyle/>
+          <a:p>
+            <a:r>
+              <a:rPr lang="de-DE" dirty="0"/>
+              <a:t>Katrin</a:t>
+            </a:r>
+          </a:p>
+        </p:txBody>
+      </p:sp>
+      <p:sp>
+        <p:nvSpPr>
+          <p:cNvPr id="4" name="Foliennummernplatzhalter 3"/>
+          <p:cNvSpPr>
+            <a:spLocks noGrp="1"/>
+          </p:cNvSpPr>
+          <p:nvPr>
+            <p:ph type="sldNum" sz="quarter" idx="5"/>
+          </p:nvPr>
+        </p:nvSpPr>
+        <p:spPr/>
+        <p:txBody>
+          <a:bodyPr/>
+          <a:lstStyle/>
+          <a:p>
+            <a:fld id="{5C0E6540-DBC8-1449-A578-CCAD6D2991BC}" type="slidenum">
+              <a:rPr lang="de-DE" smtClean="0"/>
+              <a:pPr/>
+              <a:t>8</a:t>
+            </a:fld>
+            <a:endParaRPr lang="de-DE"/>
+          </a:p>
+        </p:txBody>
+      </p:sp>
+    </p:spTree>
+    <p:extLst>
+      <p:ext uri="{BB962C8B-B14F-4D97-AF65-F5344CB8AC3E}">
+        <p14:creationId xmlns:p14="http://schemas.microsoft.com/office/powerpoint/2010/main" val="1647142739"/>
+      </p:ext>
+    </p:extLst>
+  </p:cSld>
+  <p:clrMapOvr>
+    <a:masterClrMapping/>
+  </p:clrMapOvr>
+</p:notes>
+</file>
+
+<file path=ppt/notesSlides/notesSlide5.xml><?xml version="1.0" encoding="utf-8"?>
+<p:notes xmlns:a="http://schemas.openxmlformats.org/drawingml/2006/main" xmlns:r="http://schemas.openxmlformats.org/officeDocument/2006/relationships" xmlns:p="http://schemas.openxmlformats.org/presentationml/2006/main">
+  <p:cSld>
+    <p:spTree>
+      <p:nvGrpSpPr>
+        <p:cNvPr id="1" name=""/>
+        <p:cNvGrpSpPr/>
+        <p:nvPr/>
+      </p:nvGrpSpPr>
+      <p:grpSpPr>
+        <a:xfrm>
+          <a:off x="0" y="0"/>
+          <a:ext cx="0" cy="0"/>
+          <a:chOff x="0" y="0"/>
+          <a:chExt cx="0" cy="0"/>
+        </a:xfrm>
+      </p:grpSpPr>
+      <p:sp>
+        <p:nvSpPr>
+          <p:cNvPr id="2" name="Folienbildplatzhalter 1"/>
+          <p:cNvSpPr>
+            <a:spLocks noGrp="1" noRot="1" noChangeAspect="1"/>
+          </p:cNvSpPr>
+          <p:nvPr>
+            <p:ph type="sldImg"/>
+          </p:nvPr>
+        </p:nvSpPr>
+        <p:spPr/>
+      </p:sp>
+      <p:sp>
+        <p:nvSpPr>
+          <p:cNvPr id="3" name="Notizenplatzhalter 2"/>
+          <p:cNvSpPr>
+            <a:spLocks noGrp="1"/>
+          </p:cNvSpPr>
+          <p:nvPr>
+            <p:ph type="body" idx="1"/>
+          </p:nvPr>
+        </p:nvSpPr>
+        <p:spPr/>
+        <p:txBody>
+          <a:bodyPr/>
+          <a:lstStyle/>
+          <a:p>
+            <a:r>
+              <a:rPr lang="de-DE" dirty="0"/>
+              <a:t>Justin</a:t>
+            </a:r>
+          </a:p>
+        </p:txBody>
+      </p:sp>
+      <p:sp>
+        <p:nvSpPr>
+          <p:cNvPr id="4" name="Foliennummernplatzhalter 3"/>
+          <p:cNvSpPr>
+            <a:spLocks noGrp="1"/>
+          </p:cNvSpPr>
+          <p:nvPr>
+            <p:ph type="sldNum" sz="quarter" idx="5"/>
+          </p:nvPr>
+        </p:nvSpPr>
+        <p:spPr/>
+        <p:txBody>
+          <a:bodyPr/>
+          <a:lstStyle/>
+          <a:p>
+            <a:fld id="{5C0E6540-DBC8-1449-A578-CCAD6D2991BC}" type="slidenum">
+              <a:rPr lang="de-DE" smtClean="0"/>
+              <a:pPr/>
+              <a:t>9</a:t>
+            </a:fld>
+            <a:endParaRPr lang="de-DE"/>
+          </a:p>
+        </p:txBody>
+      </p:sp>
+    </p:spTree>
+    <p:extLst>
+      <p:ext uri="{BB962C8B-B14F-4D97-AF65-F5344CB8AC3E}">
+        <p14:creationId xmlns:p14="http://schemas.microsoft.com/office/powerpoint/2010/main" val="2838388786"/>
+      </p:ext>
+    </p:extLst>
+  </p:cSld>
+  <p:clrMapOvr>
+    <a:masterClrMapping/>
+  </p:clrMapOvr>
+</p:notes>
+</file>
+
+<file path=ppt/notesSlides/notesSlide6.xml><?xml version="1.0" encoding="utf-8"?>
+<p:notes xmlns:a="http://schemas.openxmlformats.org/drawingml/2006/main" xmlns:r="http://schemas.openxmlformats.org/officeDocument/2006/relationships" xmlns:p="http://schemas.openxmlformats.org/presentationml/2006/main">
+  <p:cSld>
+    <p:spTree>
+      <p:nvGrpSpPr>
+        <p:cNvPr id="1" name=""/>
+        <p:cNvGrpSpPr/>
+        <p:nvPr/>
+      </p:nvGrpSpPr>
+      <p:grpSpPr>
+        <a:xfrm>
+          <a:off x="0" y="0"/>
+          <a:ext cx="0" cy="0"/>
+          <a:chOff x="0" y="0"/>
+          <a:chExt cx="0" cy="0"/>
+        </a:xfrm>
+      </p:grpSpPr>
+      <p:sp>
+        <p:nvSpPr>
+          <p:cNvPr id="2" name="Folienbildplatzhalter 1"/>
+          <p:cNvSpPr>
+            <a:spLocks noGrp="1" noRot="1" noChangeAspect="1"/>
+          </p:cNvSpPr>
+          <p:nvPr>
+            <p:ph type="sldImg"/>
+          </p:nvPr>
+        </p:nvSpPr>
+        <p:spPr/>
+      </p:sp>
+      <p:sp>
+        <p:nvSpPr>
+          <p:cNvPr id="3" name="Notizenplatzhalter 2"/>
+          <p:cNvSpPr>
+            <a:spLocks noGrp="1"/>
+          </p:cNvSpPr>
+          <p:nvPr>
+            <p:ph type="body" idx="1"/>
+          </p:nvPr>
+        </p:nvSpPr>
+        <p:spPr/>
+        <p:txBody>
+          <a:bodyPr/>
+          <a:lstStyle/>
+          <a:p>
+            <a:r>
+              <a:rPr lang="de-DE" dirty="0"/>
+              <a:t>Justin</a:t>
+            </a:r>
+          </a:p>
+        </p:txBody>
+      </p:sp>
+      <p:sp>
+        <p:nvSpPr>
+          <p:cNvPr id="4" name="Foliennummernplatzhalter 3"/>
+          <p:cNvSpPr>
+            <a:spLocks noGrp="1"/>
+          </p:cNvSpPr>
+          <p:nvPr>
+            <p:ph type="sldNum" sz="quarter" idx="5"/>
+          </p:nvPr>
+        </p:nvSpPr>
+        <p:spPr/>
+        <p:txBody>
+          <a:bodyPr/>
+          <a:lstStyle/>
+          <a:p>
+            <a:fld id="{5C0E6540-DBC8-1449-A578-CCAD6D2991BC}" type="slidenum">
+              <a:rPr lang="de-DE" smtClean="0"/>
+              <a:pPr/>
+              <a:t>10</a:t>
+            </a:fld>
+            <a:endParaRPr lang="de-DE"/>
+          </a:p>
+        </p:txBody>
+      </p:sp>
+    </p:spTree>
+    <p:extLst>
+      <p:ext uri="{BB962C8B-B14F-4D97-AF65-F5344CB8AC3E}">
+        <p14:creationId xmlns:p14="http://schemas.microsoft.com/office/powerpoint/2010/main" val="3420900838"/>
+      </p:ext>
+    </p:extLst>
+  </p:cSld>
+  <p:clrMapOvr>
+    <a:masterClrMapping/>
+  </p:clrMapOvr>
+</p:notes>
+</file>
+
+<file path=ppt/notesSlides/notesSlide7.xml><?xml version="1.0" encoding="utf-8"?>
+<p:notes xmlns:a="http://schemas.openxmlformats.org/drawingml/2006/main" xmlns:r="http://schemas.openxmlformats.org/officeDocument/2006/relationships" xmlns:p="http://schemas.openxmlformats.org/presentationml/2006/main">
+  <p:cSld>
+    <p:spTree>
+      <p:nvGrpSpPr>
+        <p:cNvPr id="1" name=""/>
+        <p:cNvGrpSpPr/>
+        <p:nvPr/>
+      </p:nvGrpSpPr>
+      <p:grpSpPr>
+        <a:xfrm>
+          <a:off x="0" y="0"/>
+          <a:ext cx="0" cy="0"/>
+          <a:chOff x="0" y="0"/>
+          <a:chExt cx="0" cy="0"/>
+        </a:xfrm>
+      </p:grpSpPr>
+      <p:sp>
+        <p:nvSpPr>
+          <p:cNvPr id="2" name="Folienbildplatzhalter 1"/>
+          <p:cNvSpPr>
+            <a:spLocks noGrp="1" noRot="1" noChangeAspect="1"/>
+          </p:cNvSpPr>
+          <p:nvPr>
+            <p:ph type="sldImg"/>
+          </p:nvPr>
+        </p:nvSpPr>
+        <p:spPr/>
+      </p:sp>
+      <p:sp>
+        <p:nvSpPr>
+          <p:cNvPr id="3" name="Notizenplatzhalter 2"/>
+          <p:cNvSpPr>
+            <a:spLocks noGrp="1"/>
+          </p:cNvSpPr>
+          <p:nvPr>
+            <p:ph type="body" idx="1"/>
+          </p:nvPr>
+        </p:nvSpPr>
+        <p:spPr/>
+        <p:txBody>
+          <a:bodyPr/>
+          <a:lstStyle/>
+          <a:p>
+            <a:r>
+              <a:rPr lang="de-DE" dirty="0"/>
+              <a:t>Katrin</a:t>
+            </a:r>
+          </a:p>
+        </p:txBody>
+      </p:sp>
+      <p:sp>
+        <p:nvSpPr>
+          <p:cNvPr id="4" name="Foliennummernplatzhalter 3"/>
+          <p:cNvSpPr>
+            <a:spLocks noGrp="1"/>
+          </p:cNvSpPr>
+          <p:nvPr>
+            <p:ph type="sldNum" sz="quarter" idx="5"/>
+          </p:nvPr>
+        </p:nvSpPr>
+        <p:spPr/>
+        <p:txBody>
+          <a:bodyPr/>
+          <a:lstStyle/>
+          <a:p>
+            <a:fld id="{5C0E6540-DBC8-1449-A578-CCAD6D2991BC}" type="slidenum">
+              <a:rPr lang="de-DE" smtClean="0"/>
+              <a:pPr/>
+              <a:t>11</a:t>
+            </a:fld>
+            <a:endParaRPr lang="de-DE"/>
+          </a:p>
+        </p:txBody>
+      </p:sp>
+    </p:spTree>
+    <p:extLst>
+      <p:ext uri="{BB962C8B-B14F-4D97-AF65-F5344CB8AC3E}">
+        <p14:creationId xmlns:p14="http://schemas.microsoft.com/office/powerpoint/2010/main" val="3628547012"/>
       </p:ext>
     </p:extLst>
   </p:cSld>
@@ -954,7 +1489,7 @@
             <a:fld id="{C916D949-773C-3845-BFBA-C7D9987445EE}" type="datetime1">
               <a:rPr lang="de-DE" smtClean="0"/>
               <a:pPr/>
-              <a:t>20.07.2020</a:t>
+              <a:t>12.08.2020</a:t>
             </a:fld>
             <a:endParaRPr lang="de-DE" dirty="0"/>
           </a:p>
@@ -1123,7 +1658,7 @@
             <a:fld id="{617E3445-959C-4840-857B-0726FC3AABF6}" type="datetime1">
               <a:rPr lang="de-DE" smtClean="0"/>
               <a:pPr/>
-              <a:t>20.07.2020</a:t>
+              <a:t>12.08.2020</a:t>
             </a:fld>
             <a:endParaRPr lang="de-DE"/>
           </a:p>
@@ -1284,7 +1819,7 @@
             <a:fld id="{78D16519-39B1-594B-9118-53EDDEBB1F38}" type="datetime1">
               <a:rPr lang="de-DE" smtClean="0"/>
               <a:pPr/>
-              <a:t>20.07.2020</a:t>
+              <a:t>12.08.2020</a:t>
             </a:fld>
             <a:endParaRPr lang="de-DE"/>
           </a:p>
@@ -1453,7 +1988,7 @@
             <a:fld id="{C916D949-773C-3845-BFBA-C7D9987445EE}" type="datetime1">
               <a:rPr lang="de-DE" smtClean="0"/>
               <a:pPr/>
-              <a:t>20.07.2020</a:t>
+              <a:t>12.08.2020</a:t>
             </a:fld>
             <a:endParaRPr lang="de-DE" dirty="0"/>
           </a:p>
@@ -1699,7 +2234,7 @@
             <a:fld id="{254AFB14-23E0-1F4C-A6C5-95691F2AB521}" type="datetime1">
               <a:rPr lang="de-DE" smtClean="0"/>
               <a:pPr/>
-              <a:t>20.07.2020</a:t>
+              <a:t>12.08.2020</a:t>
             </a:fld>
             <a:endParaRPr lang="de-DE"/>
           </a:p>
@@ -1967,7 +2502,7 @@
             <a:fld id="{6090EEAD-2E33-CB41-913B-6235DD169CF5}" type="datetime1">
               <a:rPr lang="de-DE" smtClean="0"/>
               <a:pPr/>
-              <a:t>20.07.2020</a:t>
+              <a:t>12.08.2020</a:t>
             </a:fld>
             <a:endParaRPr lang="de-DE"/>
           </a:p>
@@ -2369,7 +2904,7 @@
             <a:fld id="{A16E645A-B693-BB43-8646-3B1C1BAD48BE}" type="datetime1">
               <a:rPr lang="de-DE" smtClean="0"/>
               <a:pPr/>
-              <a:t>20.07.2020</a:t>
+              <a:t>12.08.2020</a:t>
             </a:fld>
             <a:endParaRPr lang="de-DE"/>
           </a:p>
@@ -2469,7 +3004,7 @@
             <a:fld id="{23E94868-D7B6-2349-81F6-28D3E8C9671D}" type="datetime1">
               <a:rPr lang="de-DE" smtClean="0"/>
               <a:pPr/>
-              <a:t>20.07.2020</a:t>
+              <a:t>12.08.2020</a:t>
             </a:fld>
             <a:endParaRPr lang="de-DE"/>
           </a:p>
@@ -2547,7 +3082,7 @@
             <a:fld id="{A4ECBFB4-2031-A542-A2EF-20BD4D9E5256}" type="datetime1">
               <a:rPr lang="de-DE" smtClean="0"/>
               <a:pPr/>
-              <a:t>20.07.2020</a:t>
+              <a:t>12.08.2020</a:t>
             </a:fld>
             <a:endParaRPr lang="de-DE"/>
           </a:p>
@@ -2805,7 +3340,7 @@
             <a:fld id="{A0188818-9833-2C4A-8849-8268EC11202B}" type="datetime1">
               <a:rPr lang="de-DE" smtClean="0"/>
               <a:pPr/>
-              <a:t>20.07.2020</a:t>
+              <a:t>12.08.2020</a:t>
             </a:fld>
             <a:endParaRPr lang="de-DE"/>
           </a:p>
@@ -3043,7 +3578,7 @@
             <a:fld id="{82204BE1-0C38-F948-9EB8-8FC2670177F0}" type="datetime1">
               <a:rPr lang="de-DE" smtClean="0"/>
               <a:pPr/>
-              <a:t>20.07.2020</a:t>
+              <a:t>12.08.2020</a:t>
             </a:fld>
             <a:endParaRPr lang="de-DE"/>
           </a:p>
@@ -3282,7 +3817,7 @@
             <a:fld id="{C916D949-773C-3845-BFBA-C7D9987445EE}" type="datetime1">
               <a:rPr lang="de-DE" smtClean="0"/>
               <a:pPr/>
-              <a:t>20.07.2020</a:t>
+              <a:t>12.08.2020</a:t>
             </a:fld>
             <a:endParaRPr lang="de-DE" dirty="0"/>
           </a:p>
@@ -3748,7 +4283,7 @@
           <p:cNvPr id="2" name="Titel 1">
             <a:extLst>
               <a:ext uri="{FF2B5EF4-FFF2-40B4-BE49-F238E27FC236}">
-                <a16:creationId xmlns:a16="http://schemas.microsoft.com/office/drawing/2014/main" id="{616903EB-9E3B-43D9-B0B7-7E1C23B782B9}"/>
+                <a16:creationId xmlns:a16="http://schemas.microsoft.com/office/drawing/2014/main" id="{121B394E-023C-4F4E-B5FB-36051D8B06C0}"/>
               </a:ext>
             </a:extLst>
           </p:cNvPr>
@@ -3765,19 +4300,18 @@
           <a:lstStyle/>
           <a:p>
             <a:r>
-              <a:rPr lang="en-US" dirty="0" err="1"/>
-              <a:t>Zusammenfassung</a:t>
-            </a:r>
-            <a:endParaRPr lang="en-US" dirty="0"/>
-          </a:p>
-        </p:txBody>
-      </p:sp>
-      <p:sp>
-        <p:nvSpPr>
-          <p:cNvPr id="3" name="Inhaltsplatzhalter 2">
+              <a:rPr lang="de-DE" dirty="0"/>
+              <a:t>Konzept: Block-Diagramm</a:t>
+            </a:r>
+          </a:p>
+        </p:txBody>
+      </p:sp>
+      <p:sp>
+        <p:nvSpPr>
+          <p:cNvPr id="4" name="Datumsplatzhalter 3">
             <a:extLst>
               <a:ext uri="{FF2B5EF4-FFF2-40B4-BE49-F238E27FC236}">
-                <a16:creationId xmlns:a16="http://schemas.microsoft.com/office/drawing/2014/main" id="{3FA5A733-7E13-4AF2-94E9-080E2A4B5EFA}"/>
+                <a16:creationId xmlns:a16="http://schemas.microsoft.com/office/drawing/2014/main" id="{12B1A305-3ADA-4B16-BCBF-6A8A133284C1}"/>
               </a:ext>
             </a:extLst>
           </p:cNvPr>
@@ -3785,31 +4319,6 @@
             <a:spLocks noGrp="1"/>
           </p:cNvSpPr>
           <p:nvPr>
-            <p:ph idx="1"/>
-          </p:nvPr>
-        </p:nvSpPr>
-        <p:spPr/>
-        <p:txBody>
-          <a:bodyPr/>
-          <a:lstStyle/>
-          <a:p>
-            <a:endParaRPr lang="en-US"/>
-          </a:p>
-        </p:txBody>
-      </p:sp>
-      <p:sp>
-        <p:nvSpPr>
-          <p:cNvPr id="4" name="Datumsplatzhalter 3">
-            <a:extLst>
-              <a:ext uri="{FF2B5EF4-FFF2-40B4-BE49-F238E27FC236}">
-                <a16:creationId xmlns:a16="http://schemas.microsoft.com/office/drawing/2014/main" id="{670B3D37-6E7F-4387-85D3-A2D109F7AB26}"/>
-              </a:ext>
-            </a:extLst>
-          </p:cNvPr>
-          <p:cNvSpPr>
-            <a:spLocks noGrp="1"/>
-          </p:cNvSpPr>
-          <p:nvPr>
             <p:ph type="dt" sz="half" idx="2"/>
           </p:nvPr>
         </p:nvSpPr>
@@ -3821,7 +4330,7 @@
             <a:fld id="{C916D949-773C-3845-BFBA-C7D9987445EE}" type="datetime1">
               <a:rPr lang="de-DE" smtClean="0"/>
               <a:pPr/>
-              <a:t>20.07.2020</a:t>
+              <a:t>12.08.2020</a:t>
             </a:fld>
             <a:endParaRPr lang="de-DE" dirty="0"/>
           </a:p>
@@ -3832,7 +4341,7 @@
           <p:cNvPr id="5" name="Foliennummernplatzhalter 4">
             <a:extLst>
               <a:ext uri="{FF2B5EF4-FFF2-40B4-BE49-F238E27FC236}">
-                <a16:creationId xmlns:a16="http://schemas.microsoft.com/office/drawing/2014/main" id="{859E5CC3-95D1-4ECD-827E-726E0E0A80F9}"/>
+                <a16:creationId xmlns:a16="http://schemas.microsoft.com/office/drawing/2014/main" id="{4DA5C5A7-8CD9-4612-917E-6EE8594C7E88}"/>
               </a:ext>
             </a:extLst>
           </p:cNvPr>
@@ -3857,10 +4366,46 @@
           </a:p>
         </p:txBody>
       </p:sp>
+      <p:pic>
+        <p:nvPicPr>
+          <p:cNvPr id="9" name="Inhaltsplatzhalter 8" descr="Ein Bild, das Screenshot enthält.&#10;&#10;Automatisch generierte Beschreibung">
+            <a:extLst>
+              <a:ext uri="{FF2B5EF4-FFF2-40B4-BE49-F238E27FC236}">
+                <a16:creationId xmlns:a16="http://schemas.microsoft.com/office/drawing/2014/main" id="{6B97B198-887F-4C19-8EEA-29AB3E9A3463}"/>
+              </a:ext>
+            </a:extLst>
+          </p:cNvPr>
+          <p:cNvPicPr>
+            <a:picLocks noGrp="1" noChangeAspect="1"/>
+          </p:cNvPicPr>
+          <p:nvPr>
+            <p:ph idx="1"/>
+          </p:nvPr>
+        </p:nvPicPr>
+        <p:blipFill>
+          <a:blip r:embed="rId3"/>
+          <a:stretch>
+            <a:fillRect/>
+          </a:stretch>
+        </p:blipFill>
+        <p:spPr>
+          <a:xfrm>
+            <a:off x="1867898" y="2020888"/>
+            <a:ext cx="5235167" cy="4105275"/>
+          </a:xfrm>
+          <a:effectLst>
+            <a:outerShdw blurRad="50800" dist="38100" dir="2700000" algn="tl" rotWithShape="0">
+              <a:prstClr val="black">
+                <a:alpha val="40000"/>
+              </a:prstClr>
+            </a:outerShdw>
+          </a:effectLst>
+        </p:spPr>
+      </p:pic>
     </p:spTree>
     <p:extLst>
       <p:ext uri="{BB962C8B-B14F-4D97-AF65-F5344CB8AC3E}">
-        <p14:creationId xmlns:p14="http://schemas.microsoft.com/office/powerpoint/2010/main" val="529643843"/>
+        <p14:creationId xmlns:p14="http://schemas.microsoft.com/office/powerpoint/2010/main" val="2893035460"/>
       </p:ext>
     </p:extLst>
   </p:cSld>
@@ -3892,7 +4437,7 @@
           <p:cNvPr id="2" name="Titel 1">
             <a:extLst>
               <a:ext uri="{FF2B5EF4-FFF2-40B4-BE49-F238E27FC236}">
-                <a16:creationId xmlns:a16="http://schemas.microsoft.com/office/drawing/2014/main" id="{EAEC594A-7D71-44EA-AC10-DB8D3990EB3C}"/>
+                <a16:creationId xmlns:a16="http://schemas.microsoft.com/office/drawing/2014/main" id="{FBBFF2E8-3399-4CA2-9EE4-76AF0FBD9BF8}"/>
               </a:ext>
             </a:extLst>
           </p:cNvPr>
@@ -3903,50 +4448,76 @@
             <p:ph type="title"/>
           </p:nvPr>
         </p:nvSpPr>
-        <p:spPr/>
-        <p:txBody>
-          <a:bodyPr/>
+        <p:spPr>
+          <a:xfrm>
+            <a:off x="648000" y="745650"/>
+            <a:ext cx="3457274" cy="2511900"/>
+          </a:xfrm>
+        </p:spPr>
+        <p:txBody>
+          <a:bodyPr>
+            <a:normAutofit/>
+          </a:bodyPr>
           <a:lstStyle/>
           <a:p>
             <a:r>
               <a:rPr lang="en-US" dirty="0" err="1"/>
-              <a:t>Ausblick</a:t>
-            </a:r>
-            <a:endParaRPr lang="en-US" dirty="0"/>
-          </a:p>
-        </p:txBody>
-      </p:sp>
-      <p:sp>
-        <p:nvSpPr>
-          <p:cNvPr id="3" name="Inhaltsplatzhalter 2">
+              <a:t>Konzept</a:t>
+            </a:r>
+            <a:r>
+              <a:rPr lang="en-US" dirty="0"/>
+              <a:t>: </a:t>
+            </a:r>
+            <a:r>
+              <a:rPr lang="en-US" dirty="0" err="1"/>
+              <a:t>Sequenz-diagramm</a:t>
+            </a:r>
+            <a:endParaRPr lang="de-DE" dirty="0"/>
+          </a:p>
+        </p:txBody>
+      </p:sp>
+      <p:pic>
+        <p:nvPicPr>
+          <p:cNvPr id="7" name="Inhaltsplatzhalter 6" descr="Ein Bild, das Text, Karte, Tisch enthält.&#10;&#10;Automatisch generierte Beschreibung">
             <a:extLst>
               <a:ext uri="{FF2B5EF4-FFF2-40B4-BE49-F238E27FC236}">
-                <a16:creationId xmlns:a16="http://schemas.microsoft.com/office/drawing/2014/main" id="{5E5473A5-AC0A-45B3-82CF-0D6015100A31}"/>
+                <a16:creationId xmlns:a16="http://schemas.microsoft.com/office/drawing/2014/main" id="{F160343B-486C-4F8A-9889-F9DC08546DBD}"/>
               </a:ext>
             </a:extLst>
           </p:cNvPr>
-          <p:cNvSpPr>
-            <a:spLocks noGrp="1"/>
-          </p:cNvSpPr>
+          <p:cNvPicPr>
+            <a:picLocks noGrp="1" noChangeAspect="1"/>
+          </p:cNvPicPr>
           <p:nvPr>
             <p:ph idx="1"/>
           </p:nvPr>
-        </p:nvSpPr>
-        <p:spPr/>
-        <p:txBody>
-          <a:bodyPr/>
-          <a:lstStyle/>
-          <a:p>
-            <a:endParaRPr lang="en-US"/>
-          </a:p>
-        </p:txBody>
-      </p:sp>
+        </p:nvPicPr>
+        <p:blipFill>
+          <a:blip r:embed="rId3"/>
+          <a:stretch>
+            <a:fillRect/>
+          </a:stretch>
+        </p:blipFill>
+        <p:spPr>
+          <a:xfrm>
+            <a:off x="4105274" y="548918"/>
+            <a:ext cx="4294357" cy="6309082"/>
+          </a:xfrm>
+          <a:effectLst>
+            <a:outerShdw blurRad="50800" dist="38100" dir="2700000" algn="tl" rotWithShape="0">
+              <a:prstClr val="black">
+                <a:alpha val="40000"/>
+              </a:prstClr>
+            </a:outerShdw>
+          </a:effectLst>
+        </p:spPr>
+      </p:pic>
       <p:sp>
         <p:nvSpPr>
           <p:cNvPr id="4" name="Datumsplatzhalter 3">
             <a:extLst>
               <a:ext uri="{FF2B5EF4-FFF2-40B4-BE49-F238E27FC236}">
-                <a16:creationId xmlns:a16="http://schemas.microsoft.com/office/drawing/2014/main" id="{AB81572E-72AD-48D8-8FCB-2D539F47EF46}"/>
+                <a16:creationId xmlns:a16="http://schemas.microsoft.com/office/drawing/2014/main" id="{04102D56-FDC6-49DC-A0D0-2F1F62B1574D}"/>
               </a:ext>
             </a:extLst>
           </p:cNvPr>
@@ -3965,7 +4536,7 @@
             <a:fld id="{C916D949-773C-3845-BFBA-C7D9987445EE}" type="datetime1">
               <a:rPr lang="de-DE" smtClean="0"/>
               <a:pPr/>
-              <a:t>20.07.2020</a:t>
+              <a:t>12.08.2020</a:t>
             </a:fld>
             <a:endParaRPr lang="de-DE" dirty="0"/>
           </a:p>
@@ -3976,7 +4547,7 @@
           <p:cNvPr id="5" name="Foliennummernplatzhalter 4">
             <a:extLst>
               <a:ext uri="{FF2B5EF4-FFF2-40B4-BE49-F238E27FC236}">
-                <a16:creationId xmlns:a16="http://schemas.microsoft.com/office/drawing/2014/main" id="{EE33D3B1-2CF0-4A1B-9049-A569100AE0E9}"/>
+                <a16:creationId xmlns:a16="http://schemas.microsoft.com/office/drawing/2014/main" id="{12ADE344-2E5B-4CE8-BE35-476F6481502A}"/>
               </a:ext>
             </a:extLst>
           </p:cNvPr>
@@ -4004,7 +4575,7 @@
     </p:spTree>
     <p:extLst>
       <p:ext uri="{BB962C8B-B14F-4D97-AF65-F5344CB8AC3E}">
-        <p14:creationId xmlns:p14="http://schemas.microsoft.com/office/powerpoint/2010/main" val="578670189"/>
+        <p14:creationId xmlns:p14="http://schemas.microsoft.com/office/powerpoint/2010/main" val="1690864014"/>
       </p:ext>
     </p:extLst>
   </p:cSld>
@@ -4036,6 +4607,581 @@
           <p:cNvPr id="2" name="Titel 1">
             <a:extLst>
               <a:ext uri="{FF2B5EF4-FFF2-40B4-BE49-F238E27FC236}">
+                <a16:creationId xmlns:a16="http://schemas.microsoft.com/office/drawing/2014/main" id="{3C0EBCF2-02CE-4C36-96CF-15EEEA8FBB4F}"/>
+              </a:ext>
+            </a:extLst>
+          </p:cNvPr>
+          <p:cNvSpPr>
+            <a:spLocks noGrp="1"/>
+          </p:cNvSpPr>
+          <p:nvPr>
+            <p:ph type="title"/>
+          </p:nvPr>
+        </p:nvSpPr>
+        <p:spPr/>
+        <p:txBody>
+          <a:bodyPr/>
+          <a:lstStyle/>
+          <a:p>
+            <a:r>
+              <a:rPr lang="de-DE" dirty="0"/>
+              <a:t>Konzept: Klassendiagramm</a:t>
+            </a:r>
+          </a:p>
+        </p:txBody>
+      </p:sp>
+      <p:sp>
+        <p:nvSpPr>
+          <p:cNvPr id="3" name="Inhaltsplatzhalter 2">
+            <a:extLst>
+              <a:ext uri="{FF2B5EF4-FFF2-40B4-BE49-F238E27FC236}">
+                <a16:creationId xmlns:a16="http://schemas.microsoft.com/office/drawing/2014/main" id="{32340BC0-9368-4C2B-A510-2D12E641CA70}"/>
+              </a:ext>
+            </a:extLst>
+          </p:cNvPr>
+          <p:cNvSpPr>
+            <a:spLocks noGrp="1"/>
+          </p:cNvSpPr>
+          <p:nvPr>
+            <p:ph idx="1"/>
+          </p:nvPr>
+        </p:nvSpPr>
+        <p:spPr/>
+        <p:txBody>
+          <a:bodyPr/>
+          <a:lstStyle/>
+          <a:p>
+            <a:endParaRPr lang="de-DE"/>
+          </a:p>
+        </p:txBody>
+      </p:sp>
+      <p:sp>
+        <p:nvSpPr>
+          <p:cNvPr id="4" name="Datumsplatzhalter 3">
+            <a:extLst>
+              <a:ext uri="{FF2B5EF4-FFF2-40B4-BE49-F238E27FC236}">
+                <a16:creationId xmlns:a16="http://schemas.microsoft.com/office/drawing/2014/main" id="{1EF7278A-149F-46BE-B084-408A759A5C4C}"/>
+              </a:ext>
+            </a:extLst>
+          </p:cNvPr>
+          <p:cNvSpPr>
+            <a:spLocks noGrp="1"/>
+          </p:cNvSpPr>
+          <p:nvPr>
+            <p:ph type="dt" sz="half" idx="2"/>
+          </p:nvPr>
+        </p:nvSpPr>
+        <p:spPr/>
+        <p:txBody>
+          <a:bodyPr/>
+          <a:lstStyle/>
+          <a:p>
+            <a:fld id="{C916D949-773C-3845-BFBA-C7D9987445EE}" type="datetime1">
+              <a:rPr lang="de-DE" smtClean="0"/>
+              <a:pPr/>
+              <a:t>12.08.2020</a:t>
+            </a:fld>
+            <a:endParaRPr lang="de-DE" dirty="0"/>
+          </a:p>
+        </p:txBody>
+      </p:sp>
+      <p:sp>
+        <p:nvSpPr>
+          <p:cNvPr id="5" name="Foliennummernplatzhalter 4">
+            <a:extLst>
+              <a:ext uri="{FF2B5EF4-FFF2-40B4-BE49-F238E27FC236}">
+                <a16:creationId xmlns:a16="http://schemas.microsoft.com/office/drawing/2014/main" id="{3F3FED33-ED45-4C2A-892F-80A9B914414D}"/>
+              </a:ext>
+            </a:extLst>
+          </p:cNvPr>
+          <p:cNvSpPr>
+            <a:spLocks noGrp="1"/>
+          </p:cNvSpPr>
+          <p:nvPr>
+            <p:ph type="sldNum" sz="quarter" idx="4"/>
+          </p:nvPr>
+        </p:nvSpPr>
+        <p:spPr/>
+        <p:txBody>
+          <a:bodyPr/>
+          <a:lstStyle/>
+          <a:p>
+            <a:fld id="{E7BE1CCD-89A0-CC45-BF3E-2A331A7F0490}" type="slidenum">
+              <a:rPr lang="de-DE" smtClean="0"/>
+              <a:pPr/>
+              <a:t>12</a:t>
+            </a:fld>
+            <a:endParaRPr lang="de-DE" dirty="0"/>
+          </a:p>
+        </p:txBody>
+      </p:sp>
+    </p:spTree>
+    <p:extLst>
+      <p:ext uri="{BB962C8B-B14F-4D97-AF65-F5344CB8AC3E}">
+        <p14:creationId xmlns:p14="http://schemas.microsoft.com/office/powerpoint/2010/main" val="2976374602"/>
+      </p:ext>
+    </p:extLst>
+  </p:cSld>
+  <p:clrMapOvr>
+    <a:masterClrMapping/>
+  </p:clrMapOvr>
+</p:sld>
+</file>
+
+<file path=ppt/slides/slide13.xml><?xml version="1.0" encoding="utf-8"?>
+<p:sld xmlns:a="http://schemas.openxmlformats.org/drawingml/2006/main" xmlns:r="http://schemas.openxmlformats.org/officeDocument/2006/relationships" xmlns:p="http://schemas.openxmlformats.org/presentationml/2006/main">
+  <p:cSld>
+    <p:spTree>
+      <p:nvGrpSpPr>
+        <p:cNvPr id="1" name=""/>
+        <p:cNvGrpSpPr/>
+        <p:nvPr/>
+      </p:nvGrpSpPr>
+      <p:grpSpPr>
+        <a:xfrm>
+          <a:off x="0" y="0"/>
+          <a:ext cx="0" cy="0"/>
+          <a:chOff x="0" y="0"/>
+          <a:chExt cx="0" cy="0"/>
+        </a:xfrm>
+      </p:grpSpPr>
+      <p:sp>
+        <p:nvSpPr>
+          <p:cNvPr id="2" name="Titel 1">
+            <a:extLst>
+              <a:ext uri="{FF2B5EF4-FFF2-40B4-BE49-F238E27FC236}">
+                <a16:creationId xmlns:a16="http://schemas.microsoft.com/office/drawing/2014/main" id="{A7692297-3F86-416B-875A-0D1AE6F76456}"/>
+              </a:ext>
+            </a:extLst>
+          </p:cNvPr>
+          <p:cNvSpPr>
+            <a:spLocks noGrp="1"/>
+          </p:cNvSpPr>
+          <p:nvPr>
+            <p:ph type="title"/>
+          </p:nvPr>
+        </p:nvSpPr>
+        <p:spPr/>
+        <p:txBody>
+          <a:bodyPr/>
+          <a:lstStyle/>
+          <a:p>
+            <a:r>
+              <a:rPr lang="en-US" dirty="0" err="1"/>
+              <a:t>Auswertung</a:t>
+            </a:r>
+            <a:endParaRPr lang="en-US" dirty="0"/>
+          </a:p>
+        </p:txBody>
+      </p:sp>
+      <p:sp>
+        <p:nvSpPr>
+          <p:cNvPr id="3" name="Inhaltsplatzhalter 2">
+            <a:extLst>
+              <a:ext uri="{FF2B5EF4-FFF2-40B4-BE49-F238E27FC236}">
+                <a16:creationId xmlns:a16="http://schemas.microsoft.com/office/drawing/2014/main" id="{22EDFE12-5897-4A05-918E-F1E19164F9C4}"/>
+              </a:ext>
+            </a:extLst>
+          </p:cNvPr>
+          <p:cNvSpPr>
+            <a:spLocks noGrp="1"/>
+          </p:cNvSpPr>
+          <p:nvPr>
+            <p:ph idx="1"/>
+          </p:nvPr>
+        </p:nvSpPr>
+        <p:spPr/>
+        <p:txBody>
+          <a:bodyPr/>
+          <a:lstStyle/>
+          <a:p>
+            <a:endParaRPr lang="en-US"/>
+          </a:p>
+        </p:txBody>
+      </p:sp>
+      <p:sp>
+        <p:nvSpPr>
+          <p:cNvPr id="4" name="Datumsplatzhalter 3">
+            <a:extLst>
+              <a:ext uri="{FF2B5EF4-FFF2-40B4-BE49-F238E27FC236}">
+                <a16:creationId xmlns:a16="http://schemas.microsoft.com/office/drawing/2014/main" id="{66956A3F-6F1E-47C7-B009-C0BE04EA6D0B}"/>
+              </a:ext>
+            </a:extLst>
+          </p:cNvPr>
+          <p:cNvSpPr>
+            <a:spLocks noGrp="1"/>
+          </p:cNvSpPr>
+          <p:nvPr>
+            <p:ph type="dt" sz="half" idx="2"/>
+          </p:nvPr>
+        </p:nvSpPr>
+        <p:spPr/>
+        <p:txBody>
+          <a:bodyPr/>
+          <a:lstStyle/>
+          <a:p>
+            <a:fld id="{C916D949-773C-3845-BFBA-C7D9987445EE}" type="datetime1">
+              <a:rPr lang="de-DE" smtClean="0"/>
+              <a:pPr/>
+              <a:t>12.08.2020</a:t>
+            </a:fld>
+            <a:endParaRPr lang="de-DE" dirty="0"/>
+          </a:p>
+        </p:txBody>
+      </p:sp>
+      <p:sp>
+        <p:nvSpPr>
+          <p:cNvPr id="5" name="Foliennummernplatzhalter 4">
+            <a:extLst>
+              <a:ext uri="{FF2B5EF4-FFF2-40B4-BE49-F238E27FC236}">
+                <a16:creationId xmlns:a16="http://schemas.microsoft.com/office/drawing/2014/main" id="{B7C3EACF-C150-4920-B061-F6A264769820}"/>
+              </a:ext>
+            </a:extLst>
+          </p:cNvPr>
+          <p:cNvSpPr>
+            <a:spLocks noGrp="1"/>
+          </p:cNvSpPr>
+          <p:nvPr>
+            <p:ph type="sldNum" sz="quarter" idx="4"/>
+          </p:nvPr>
+        </p:nvSpPr>
+        <p:spPr/>
+        <p:txBody>
+          <a:bodyPr/>
+          <a:lstStyle/>
+          <a:p>
+            <a:fld id="{E7BE1CCD-89A0-CC45-BF3E-2A331A7F0490}" type="slidenum">
+              <a:rPr lang="de-DE" smtClean="0"/>
+              <a:pPr/>
+              <a:t>13</a:t>
+            </a:fld>
+            <a:endParaRPr lang="de-DE" dirty="0"/>
+          </a:p>
+        </p:txBody>
+      </p:sp>
+    </p:spTree>
+    <p:extLst>
+      <p:ext uri="{BB962C8B-B14F-4D97-AF65-F5344CB8AC3E}">
+        <p14:creationId xmlns:p14="http://schemas.microsoft.com/office/powerpoint/2010/main" val="1256947254"/>
+      </p:ext>
+    </p:extLst>
+  </p:cSld>
+  <p:clrMapOvr>
+    <a:masterClrMapping/>
+  </p:clrMapOvr>
+</p:sld>
+</file>
+
+<file path=ppt/slides/slide14.xml><?xml version="1.0" encoding="utf-8"?>
+<p:sld xmlns:a="http://schemas.openxmlformats.org/drawingml/2006/main" xmlns:r="http://schemas.openxmlformats.org/officeDocument/2006/relationships" xmlns:p="http://schemas.openxmlformats.org/presentationml/2006/main">
+  <p:cSld>
+    <p:spTree>
+      <p:nvGrpSpPr>
+        <p:cNvPr id="1" name=""/>
+        <p:cNvGrpSpPr/>
+        <p:nvPr/>
+      </p:nvGrpSpPr>
+      <p:grpSpPr>
+        <a:xfrm>
+          <a:off x="0" y="0"/>
+          <a:ext cx="0" cy="0"/>
+          <a:chOff x="0" y="0"/>
+          <a:chExt cx="0" cy="0"/>
+        </a:xfrm>
+      </p:grpSpPr>
+      <p:sp>
+        <p:nvSpPr>
+          <p:cNvPr id="2" name="Titel 1">
+            <a:extLst>
+              <a:ext uri="{FF2B5EF4-FFF2-40B4-BE49-F238E27FC236}">
+                <a16:creationId xmlns:a16="http://schemas.microsoft.com/office/drawing/2014/main" id="{616903EB-9E3B-43D9-B0B7-7E1C23B782B9}"/>
+              </a:ext>
+            </a:extLst>
+          </p:cNvPr>
+          <p:cNvSpPr>
+            <a:spLocks noGrp="1"/>
+          </p:cNvSpPr>
+          <p:nvPr>
+            <p:ph type="title"/>
+          </p:nvPr>
+        </p:nvSpPr>
+        <p:spPr/>
+        <p:txBody>
+          <a:bodyPr/>
+          <a:lstStyle/>
+          <a:p>
+            <a:r>
+              <a:rPr lang="en-US" dirty="0" err="1"/>
+              <a:t>Zusammenfassung</a:t>
+            </a:r>
+            <a:endParaRPr lang="en-US" dirty="0"/>
+          </a:p>
+        </p:txBody>
+      </p:sp>
+      <p:sp>
+        <p:nvSpPr>
+          <p:cNvPr id="3" name="Inhaltsplatzhalter 2">
+            <a:extLst>
+              <a:ext uri="{FF2B5EF4-FFF2-40B4-BE49-F238E27FC236}">
+                <a16:creationId xmlns:a16="http://schemas.microsoft.com/office/drawing/2014/main" id="{3FA5A733-7E13-4AF2-94E9-080E2A4B5EFA}"/>
+              </a:ext>
+            </a:extLst>
+          </p:cNvPr>
+          <p:cNvSpPr>
+            <a:spLocks noGrp="1"/>
+          </p:cNvSpPr>
+          <p:nvPr>
+            <p:ph idx="1"/>
+          </p:nvPr>
+        </p:nvSpPr>
+        <p:spPr/>
+        <p:txBody>
+          <a:bodyPr/>
+          <a:lstStyle/>
+          <a:p>
+            <a:endParaRPr lang="en-US"/>
+          </a:p>
+        </p:txBody>
+      </p:sp>
+      <p:sp>
+        <p:nvSpPr>
+          <p:cNvPr id="4" name="Datumsplatzhalter 3">
+            <a:extLst>
+              <a:ext uri="{FF2B5EF4-FFF2-40B4-BE49-F238E27FC236}">
+                <a16:creationId xmlns:a16="http://schemas.microsoft.com/office/drawing/2014/main" id="{670B3D37-6E7F-4387-85D3-A2D109F7AB26}"/>
+              </a:ext>
+            </a:extLst>
+          </p:cNvPr>
+          <p:cNvSpPr>
+            <a:spLocks noGrp="1"/>
+          </p:cNvSpPr>
+          <p:nvPr>
+            <p:ph type="dt" sz="half" idx="2"/>
+          </p:nvPr>
+        </p:nvSpPr>
+        <p:spPr/>
+        <p:txBody>
+          <a:bodyPr/>
+          <a:lstStyle/>
+          <a:p>
+            <a:fld id="{C916D949-773C-3845-BFBA-C7D9987445EE}" type="datetime1">
+              <a:rPr lang="de-DE" smtClean="0"/>
+              <a:pPr/>
+              <a:t>12.08.2020</a:t>
+            </a:fld>
+            <a:endParaRPr lang="de-DE" dirty="0"/>
+          </a:p>
+        </p:txBody>
+      </p:sp>
+      <p:sp>
+        <p:nvSpPr>
+          <p:cNvPr id="5" name="Foliennummernplatzhalter 4">
+            <a:extLst>
+              <a:ext uri="{FF2B5EF4-FFF2-40B4-BE49-F238E27FC236}">
+                <a16:creationId xmlns:a16="http://schemas.microsoft.com/office/drawing/2014/main" id="{859E5CC3-95D1-4ECD-827E-726E0E0A80F9}"/>
+              </a:ext>
+            </a:extLst>
+          </p:cNvPr>
+          <p:cNvSpPr>
+            <a:spLocks noGrp="1"/>
+          </p:cNvSpPr>
+          <p:nvPr>
+            <p:ph type="sldNum" sz="quarter" idx="4"/>
+          </p:nvPr>
+        </p:nvSpPr>
+        <p:spPr/>
+        <p:txBody>
+          <a:bodyPr/>
+          <a:lstStyle/>
+          <a:p>
+            <a:fld id="{E7BE1CCD-89A0-CC45-BF3E-2A331A7F0490}" type="slidenum">
+              <a:rPr lang="de-DE" smtClean="0"/>
+              <a:pPr/>
+              <a:t>14</a:t>
+            </a:fld>
+            <a:endParaRPr lang="de-DE" dirty="0"/>
+          </a:p>
+        </p:txBody>
+      </p:sp>
+    </p:spTree>
+    <p:extLst>
+      <p:ext uri="{BB962C8B-B14F-4D97-AF65-F5344CB8AC3E}">
+        <p14:creationId xmlns:p14="http://schemas.microsoft.com/office/powerpoint/2010/main" val="529643843"/>
+      </p:ext>
+    </p:extLst>
+  </p:cSld>
+  <p:clrMapOvr>
+    <a:masterClrMapping/>
+  </p:clrMapOvr>
+</p:sld>
+</file>
+
+<file path=ppt/slides/slide15.xml><?xml version="1.0" encoding="utf-8"?>
+<p:sld xmlns:a="http://schemas.openxmlformats.org/drawingml/2006/main" xmlns:r="http://schemas.openxmlformats.org/officeDocument/2006/relationships" xmlns:p="http://schemas.openxmlformats.org/presentationml/2006/main">
+  <p:cSld>
+    <p:spTree>
+      <p:nvGrpSpPr>
+        <p:cNvPr id="1" name=""/>
+        <p:cNvGrpSpPr/>
+        <p:nvPr/>
+      </p:nvGrpSpPr>
+      <p:grpSpPr>
+        <a:xfrm>
+          <a:off x="0" y="0"/>
+          <a:ext cx="0" cy="0"/>
+          <a:chOff x="0" y="0"/>
+          <a:chExt cx="0" cy="0"/>
+        </a:xfrm>
+      </p:grpSpPr>
+      <p:sp>
+        <p:nvSpPr>
+          <p:cNvPr id="2" name="Titel 1">
+            <a:extLst>
+              <a:ext uri="{FF2B5EF4-FFF2-40B4-BE49-F238E27FC236}">
+                <a16:creationId xmlns:a16="http://schemas.microsoft.com/office/drawing/2014/main" id="{EAEC594A-7D71-44EA-AC10-DB8D3990EB3C}"/>
+              </a:ext>
+            </a:extLst>
+          </p:cNvPr>
+          <p:cNvSpPr>
+            <a:spLocks noGrp="1"/>
+          </p:cNvSpPr>
+          <p:nvPr>
+            <p:ph type="title"/>
+          </p:nvPr>
+        </p:nvSpPr>
+        <p:spPr/>
+        <p:txBody>
+          <a:bodyPr/>
+          <a:lstStyle/>
+          <a:p>
+            <a:r>
+              <a:rPr lang="en-US" dirty="0" err="1"/>
+              <a:t>Ausblick</a:t>
+            </a:r>
+            <a:endParaRPr lang="en-US" dirty="0"/>
+          </a:p>
+        </p:txBody>
+      </p:sp>
+      <p:sp>
+        <p:nvSpPr>
+          <p:cNvPr id="3" name="Inhaltsplatzhalter 2">
+            <a:extLst>
+              <a:ext uri="{FF2B5EF4-FFF2-40B4-BE49-F238E27FC236}">
+                <a16:creationId xmlns:a16="http://schemas.microsoft.com/office/drawing/2014/main" id="{5E5473A5-AC0A-45B3-82CF-0D6015100A31}"/>
+              </a:ext>
+            </a:extLst>
+          </p:cNvPr>
+          <p:cNvSpPr>
+            <a:spLocks noGrp="1"/>
+          </p:cNvSpPr>
+          <p:nvPr>
+            <p:ph idx="1"/>
+          </p:nvPr>
+        </p:nvSpPr>
+        <p:spPr/>
+        <p:txBody>
+          <a:bodyPr/>
+          <a:lstStyle/>
+          <a:p>
+            <a:endParaRPr lang="en-US"/>
+          </a:p>
+        </p:txBody>
+      </p:sp>
+      <p:sp>
+        <p:nvSpPr>
+          <p:cNvPr id="4" name="Datumsplatzhalter 3">
+            <a:extLst>
+              <a:ext uri="{FF2B5EF4-FFF2-40B4-BE49-F238E27FC236}">
+                <a16:creationId xmlns:a16="http://schemas.microsoft.com/office/drawing/2014/main" id="{AB81572E-72AD-48D8-8FCB-2D539F47EF46}"/>
+              </a:ext>
+            </a:extLst>
+          </p:cNvPr>
+          <p:cNvSpPr>
+            <a:spLocks noGrp="1"/>
+          </p:cNvSpPr>
+          <p:nvPr>
+            <p:ph type="dt" sz="half" idx="2"/>
+          </p:nvPr>
+        </p:nvSpPr>
+        <p:spPr/>
+        <p:txBody>
+          <a:bodyPr/>
+          <a:lstStyle/>
+          <a:p>
+            <a:fld id="{C916D949-773C-3845-BFBA-C7D9987445EE}" type="datetime1">
+              <a:rPr lang="de-DE" smtClean="0"/>
+              <a:pPr/>
+              <a:t>12.08.2020</a:t>
+            </a:fld>
+            <a:endParaRPr lang="de-DE" dirty="0"/>
+          </a:p>
+        </p:txBody>
+      </p:sp>
+      <p:sp>
+        <p:nvSpPr>
+          <p:cNvPr id="5" name="Foliennummernplatzhalter 4">
+            <a:extLst>
+              <a:ext uri="{FF2B5EF4-FFF2-40B4-BE49-F238E27FC236}">
+                <a16:creationId xmlns:a16="http://schemas.microsoft.com/office/drawing/2014/main" id="{EE33D3B1-2CF0-4A1B-9049-A569100AE0E9}"/>
+              </a:ext>
+            </a:extLst>
+          </p:cNvPr>
+          <p:cNvSpPr>
+            <a:spLocks noGrp="1"/>
+          </p:cNvSpPr>
+          <p:nvPr>
+            <p:ph type="sldNum" sz="quarter" idx="4"/>
+          </p:nvPr>
+        </p:nvSpPr>
+        <p:spPr/>
+        <p:txBody>
+          <a:bodyPr/>
+          <a:lstStyle/>
+          <a:p>
+            <a:fld id="{E7BE1CCD-89A0-CC45-BF3E-2A331A7F0490}" type="slidenum">
+              <a:rPr lang="de-DE" smtClean="0"/>
+              <a:pPr/>
+              <a:t>15</a:t>
+            </a:fld>
+            <a:endParaRPr lang="de-DE" dirty="0"/>
+          </a:p>
+        </p:txBody>
+      </p:sp>
+    </p:spTree>
+    <p:extLst>
+      <p:ext uri="{BB962C8B-B14F-4D97-AF65-F5344CB8AC3E}">
+        <p14:creationId xmlns:p14="http://schemas.microsoft.com/office/powerpoint/2010/main" val="578670189"/>
+      </p:ext>
+    </p:extLst>
+  </p:cSld>
+  <p:clrMapOvr>
+    <a:masterClrMapping/>
+  </p:clrMapOvr>
+</p:sld>
+</file>
+
+<file path=ppt/slides/slide16.xml><?xml version="1.0" encoding="utf-8"?>
+<p:sld xmlns:a="http://schemas.openxmlformats.org/drawingml/2006/main" xmlns:r="http://schemas.openxmlformats.org/officeDocument/2006/relationships" xmlns:p="http://schemas.openxmlformats.org/presentationml/2006/main">
+  <p:cSld>
+    <p:spTree>
+      <p:nvGrpSpPr>
+        <p:cNvPr id="1" name=""/>
+        <p:cNvGrpSpPr/>
+        <p:nvPr/>
+      </p:nvGrpSpPr>
+      <p:grpSpPr>
+        <a:xfrm>
+          <a:off x="0" y="0"/>
+          <a:ext cx="0" cy="0"/>
+          <a:chOff x="0" y="0"/>
+          <a:chExt cx="0" cy="0"/>
+        </a:xfrm>
+      </p:grpSpPr>
+      <p:sp>
+        <p:nvSpPr>
+          <p:cNvPr id="2" name="Titel 1">
+            <a:extLst>
+              <a:ext uri="{FF2B5EF4-FFF2-40B4-BE49-F238E27FC236}">
                 <a16:creationId xmlns:a16="http://schemas.microsoft.com/office/drawing/2014/main" id="{04F9F652-DA99-4865-BC71-0382F5F1CD77}"/>
               </a:ext>
             </a:extLst>
@@ -4105,7 +5251,7 @@
             <a:fld id="{C916D949-773C-3845-BFBA-C7D9987445EE}" type="datetime1">
               <a:rPr lang="de-DE" smtClean="0"/>
               <a:pPr/>
-              <a:t>20.07.2020</a:t>
+              <a:t>12.08.2020</a:t>
             </a:fld>
             <a:endParaRPr lang="de-DE" dirty="0"/>
           </a:p>
@@ -4135,7 +5281,7 @@
             <a:fld id="{E7BE1CCD-89A0-CC45-BF3E-2A331A7F0490}" type="slidenum">
               <a:rPr lang="de-DE" smtClean="0"/>
               <a:pPr/>
-              <a:t>12</a:t>
+              <a:t>16</a:t>
             </a:fld>
             <a:endParaRPr lang="de-DE" dirty="0"/>
           </a:p>
@@ -4230,7 +5376,7 @@
             <a:fld id="{C916D949-773C-3845-BFBA-C7D9987445EE}" type="datetime1">
               <a:rPr lang="de-DE" smtClean="0"/>
               <a:pPr/>
-              <a:t>20.07.2020</a:t>
+              <a:t>12.08.2020</a:t>
             </a:fld>
             <a:endParaRPr lang="de-DE" dirty="0"/>
           </a:p>
@@ -4371,7 +5517,7 @@
             <a:fld id="{C916D949-773C-3845-BFBA-C7D9987445EE}" type="datetime1">
               <a:rPr lang="de-DE" smtClean="0"/>
               <a:pPr/>
-              <a:t>20.07.2020</a:t>
+              <a:t>12.08.2020</a:t>
             </a:fld>
             <a:endParaRPr lang="de-DE" dirty="0"/>
           </a:p>
@@ -4523,7 +5669,7 @@
             <a:fld id="{C916D949-773C-3845-BFBA-C7D9987445EE}" type="datetime1">
               <a:rPr lang="de-DE" smtClean="0"/>
               <a:pPr/>
-              <a:t>20.07.2020</a:t>
+              <a:t>12.08.2020</a:t>
             </a:fld>
             <a:endParaRPr lang="de-DE" dirty="0"/>
           </a:p>
@@ -4594,7 +5740,7 @@
           <p:cNvPr id="2" name="Titel 1">
             <a:extLst>
               <a:ext uri="{FF2B5EF4-FFF2-40B4-BE49-F238E27FC236}">
-                <a16:creationId xmlns:a16="http://schemas.microsoft.com/office/drawing/2014/main" id="{1AE3C87E-5DAA-439F-BE6C-8F80876E5DDA}"/>
+                <a16:creationId xmlns:a16="http://schemas.microsoft.com/office/drawing/2014/main" id="{5C045DBB-725B-44D8-8FBA-09F3966840F1}"/>
               </a:ext>
             </a:extLst>
           </p:cNvPr>
@@ -4611,47 +5757,54 @@
           <a:lstStyle/>
           <a:p>
             <a:r>
-              <a:rPr lang="en-US" dirty="0" err="1"/>
-              <a:t>Konzept</a:t>
-            </a:r>
-            <a:r>
-              <a:rPr lang="en-US" dirty="0"/>
-              <a:t>: Use Case</a:t>
-            </a:r>
-          </a:p>
-        </p:txBody>
-      </p:sp>
-      <p:sp>
-        <p:nvSpPr>
-          <p:cNvPr id="3" name="Inhaltsplatzhalter 2">
+              <a:rPr lang="de-DE" dirty="0"/>
+              <a:t>Konzept: Konzept</a:t>
+            </a:r>
+          </a:p>
+        </p:txBody>
+      </p:sp>
+      <p:pic>
+        <p:nvPicPr>
+          <p:cNvPr id="7" name="Inhaltsplatzhalter 6" descr="Ein Bild, das Karte enthält.&#10;&#10;Automatisch generierte Beschreibung">
             <a:extLst>
               <a:ext uri="{FF2B5EF4-FFF2-40B4-BE49-F238E27FC236}">
-                <a16:creationId xmlns:a16="http://schemas.microsoft.com/office/drawing/2014/main" id="{7E8D6209-9428-436A-9C9A-D46B1EBC91E6}"/>
+                <a16:creationId xmlns:a16="http://schemas.microsoft.com/office/drawing/2014/main" id="{F5A3418F-EF6C-4FBE-BC08-C9B2FBB15896}"/>
               </a:ext>
             </a:extLst>
           </p:cNvPr>
-          <p:cNvSpPr>
-            <a:spLocks noGrp="1"/>
-          </p:cNvSpPr>
+          <p:cNvPicPr>
+            <a:picLocks noGrp="1" noChangeAspect="1"/>
+          </p:cNvPicPr>
           <p:nvPr>
             <p:ph idx="1"/>
           </p:nvPr>
-        </p:nvSpPr>
-        <p:spPr/>
-        <p:txBody>
-          <a:bodyPr/>
-          <a:lstStyle/>
-          <a:p>
-            <a:endParaRPr lang="en-US"/>
-          </a:p>
-        </p:txBody>
-      </p:sp>
+        </p:nvPicPr>
+        <p:blipFill>
+          <a:blip r:embed="rId3"/>
+          <a:stretch>
+            <a:fillRect/>
+          </a:stretch>
+        </p:blipFill>
+        <p:spPr>
+          <a:xfrm>
+            <a:off x="1204054" y="2020888"/>
+            <a:ext cx="6562854" cy="4105275"/>
+          </a:xfrm>
+          <a:effectLst>
+            <a:outerShdw blurRad="50800" dist="38100" dir="2700000" algn="tl" rotWithShape="0">
+              <a:prstClr val="black">
+                <a:alpha val="40000"/>
+              </a:prstClr>
+            </a:outerShdw>
+          </a:effectLst>
+        </p:spPr>
+      </p:pic>
       <p:sp>
         <p:nvSpPr>
           <p:cNvPr id="4" name="Datumsplatzhalter 3">
             <a:extLst>
               <a:ext uri="{FF2B5EF4-FFF2-40B4-BE49-F238E27FC236}">
-                <a16:creationId xmlns:a16="http://schemas.microsoft.com/office/drawing/2014/main" id="{B17841FF-13F1-4983-BCEE-22741152892D}"/>
+                <a16:creationId xmlns:a16="http://schemas.microsoft.com/office/drawing/2014/main" id="{D17BBBB2-BEB9-4186-8F82-16D3DF6A5D99}"/>
               </a:ext>
             </a:extLst>
           </p:cNvPr>
@@ -4670,7 +5823,7 @@
             <a:fld id="{C916D949-773C-3845-BFBA-C7D9987445EE}" type="datetime1">
               <a:rPr lang="de-DE" smtClean="0"/>
               <a:pPr/>
-              <a:t>20.07.2020</a:t>
+              <a:t>12.08.2020</a:t>
             </a:fld>
             <a:endParaRPr lang="de-DE" dirty="0"/>
           </a:p>
@@ -4681,7 +5834,7 @@
           <p:cNvPr id="5" name="Foliennummernplatzhalter 4">
             <a:extLst>
               <a:ext uri="{FF2B5EF4-FFF2-40B4-BE49-F238E27FC236}">
-                <a16:creationId xmlns:a16="http://schemas.microsoft.com/office/drawing/2014/main" id="{88D8EC77-E371-4235-B4FA-BACF2435F881}"/>
+                <a16:creationId xmlns:a16="http://schemas.microsoft.com/office/drawing/2014/main" id="{64E413DD-31D8-44C9-88ED-C006804A90A7}"/>
               </a:ext>
             </a:extLst>
           </p:cNvPr>
@@ -4709,7 +5862,7 @@
     </p:spTree>
     <p:extLst>
       <p:ext uri="{BB962C8B-B14F-4D97-AF65-F5344CB8AC3E}">
-        <p14:creationId xmlns:p14="http://schemas.microsoft.com/office/powerpoint/2010/main" val="2903497605"/>
+        <p14:creationId xmlns:p14="http://schemas.microsoft.com/office/powerpoint/2010/main" val="2918178590"/>
       </p:ext>
     </p:extLst>
   </p:cSld>
@@ -4741,6 +5894,164 @@
           <p:cNvPr id="2" name="Titel 1">
             <a:extLst>
               <a:ext uri="{FF2B5EF4-FFF2-40B4-BE49-F238E27FC236}">
+                <a16:creationId xmlns:a16="http://schemas.microsoft.com/office/drawing/2014/main" id="{1AE3C87E-5DAA-439F-BE6C-8F80876E5DDA}"/>
+              </a:ext>
+            </a:extLst>
+          </p:cNvPr>
+          <p:cNvSpPr>
+            <a:spLocks noGrp="1"/>
+          </p:cNvSpPr>
+          <p:nvPr>
+            <p:ph type="title"/>
+          </p:nvPr>
+        </p:nvSpPr>
+        <p:spPr/>
+        <p:txBody>
+          <a:bodyPr/>
+          <a:lstStyle/>
+          <a:p>
+            <a:r>
+              <a:rPr lang="en-US" dirty="0" err="1"/>
+              <a:t>Konzept</a:t>
+            </a:r>
+            <a:r>
+              <a:rPr lang="en-US" dirty="0"/>
+              <a:t>: Use Case</a:t>
+            </a:r>
+          </a:p>
+        </p:txBody>
+      </p:sp>
+      <p:pic>
+        <p:nvPicPr>
+          <p:cNvPr id="7" name="Inhaltsplatzhalter 6" descr="Ein Bild, das Text enthält.&#10;&#10;Automatisch generierte Beschreibung">
+            <a:extLst>
+              <a:ext uri="{FF2B5EF4-FFF2-40B4-BE49-F238E27FC236}">
+                <a16:creationId xmlns:a16="http://schemas.microsoft.com/office/drawing/2014/main" id="{9440E8E2-2F2A-47DE-A4F0-F7AEC90A0EB6}"/>
+              </a:ext>
+            </a:extLst>
+          </p:cNvPr>
+          <p:cNvPicPr>
+            <a:picLocks noGrp="1" noChangeAspect="1"/>
+          </p:cNvPicPr>
+          <p:nvPr>
+            <p:ph idx="1"/>
+          </p:nvPr>
+        </p:nvPicPr>
+        <p:blipFill>
+          <a:blip r:embed="rId3"/>
+          <a:stretch>
+            <a:fillRect/>
+          </a:stretch>
+        </p:blipFill>
+        <p:spPr>
+          <a:xfrm>
+            <a:off x="1047649" y="2020888"/>
+            <a:ext cx="6875665" cy="4105275"/>
+          </a:xfrm>
+          <a:effectLst>
+            <a:outerShdw blurRad="50800" dist="38100" dir="2700000" algn="tl" rotWithShape="0">
+              <a:prstClr val="black">
+                <a:alpha val="40000"/>
+              </a:prstClr>
+            </a:outerShdw>
+          </a:effectLst>
+        </p:spPr>
+      </p:pic>
+      <p:sp>
+        <p:nvSpPr>
+          <p:cNvPr id="4" name="Datumsplatzhalter 3">
+            <a:extLst>
+              <a:ext uri="{FF2B5EF4-FFF2-40B4-BE49-F238E27FC236}">
+                <a16:creationId xmlns:a16="http://schemas.microsoft.com/office/drawing/2014/main" id="{B17841FF-13F1-4983-BCEE-22741152892D}"/>
+              </a:ext>
+            </a:extLst>
+          </p:cNvPr>
+          <p:cNvSpPr>
+            <a:spLocks noGrp="1"/>
+          </p:cNvSpPr>
+          <p:nvPr>
+            <p:ph type="dt" sz="half" idx="2"/>
+          </p:nvPr>
+        </p:nvSpPr>
+        <p:spPr/>
+        <p:txBody>
+          <a:bodyPr/>
+          <a:lstStyle/>
+          <a:p>
+            <a:fld id="{C916D949-773C-3845-BFBA-C7D9987445EE}" type="datetime1">
+              <a:rPr lang="de-DE" smtClean="0"/>
+              <a:pPr/>
+              <a:t>12.08.2020</a:t>
+            </a:fld>
+            <a:endParaRPr lang="de-DE" dirty="0"/>
+          </a:p>
+        </p:txBody>
+      </p:sp>
+      <p:sp>
+        <p:nvSpPr>
+          <p:cNvPr id="5" name="Foliennummernplatzhalter 4">
+            <a:extLst>
+              <a:ext uri="{FF2B5EF4-FFF2-40B4-BE49-F238E27FC236}">
+                <a16:creationId xmlns:a16="http://schemas.microsoft.com/office/drawing/2014/main" id="{88D8EC77-E371-4235-B4FA-BACF2435F881}"/>
+              </a:ext>
+            </a:extLst>
+          </p:cNvPr>
+          <p:cNvSpPr>
+            <a:spLocks noGrp="1"/>
+          </p:cNvSpPr>
+          <p:nvPr>
+            <p:ph type="sldNum" sz="quarter" idx="4"/>
+          </p:nvPr>
+        </p:nvSpPr>
+        <p:spPr/>
+        <p:txBody>
+          <a:bodyPr/>
+          <a:lstStyle/>
+          <a:p>
+            <a:fld id="{E7BE1CCD-89A0-CC45-BF3E-2A331A7F0490}" type="slidenum">
+              <a:rPr lang="de-DE" smtClean="0"/>
+              <a:pPr/>
+              <a:t>6</a:t>
+            </a:fld>
+            <a:endParaRPr lang="de-DE" dirty="0"/>
+          </a:p>
+        </p:txBody>
+      </p:sp>
+    </p:spTree>
+    <p:extLst>
+      <p:ext uri="{BB962C8B-B14F-4D97-AF65-F5344CB8AC3E}">
+        <p14:creationId xmlns:p14="http://schemas.microsoft.com/office/powerpoint/2010/main" val="2903497605"/>
+      </p:ext>
+    </p:extLst>
+  </p:cSld>
+  <p:clrMapOvr>
+    <a:masterClrMapping/>
+  </p:clrMapOvr>
+</p:sld>
+</file>
+
+<file path=ppt/slides/slide7.xml><?xml version="1.0" encoding="utf-8"?>
+<p:sld xmlns:a="http://schemas.openxmlformats.org/drawingml/2006/main" xmlns:r="http://schemas.openxmlformats.org/officeDocument/2006/relationships" xmlns:p="http://schemas.openxmlformats.org/presentationml/2006/main">
+  <p:cSld>
+    <p:spTree>
+      <p:nvGrpSpPr>
+        <p:cNvPr id="1" name=""/>
+        <p:cNvGrpSpPr/>
+        <p:nvPr/>
+      </p:nvGrpSpPr>
+      <p:grpSpPr>
+        <a:xfrm>
+          <a:off x="0" y="0"/>
+          <a:ext cx="0" cy="0"/>
+          <a:chOff x="0" y="0"/>
+          <a:chExt cx="0" cy="0"/>
+        </a:xfrm>
+      </p:grpSpPr>
+      <p:sp>
+        <p:nvSpPr>
+          <p:cNvPr id="2" name="Titel 1">
+            <a:extLst>
+              <a:ext uri="{FF2B5EF4-FFF2-40B4-BE49-F238E27FC236}">
                 <a16:creationId xmlns:a16="http://schemas.microsoft.com/office/drawing/2014/main" id="{C8C51AAA-1B1B-4942-9BAC-AD66E805793E}"/>
               </a:ext>
             </a:extLst>
@@ -4767,7 +6078,7 @@
             </a:r>
             <a:r>
               <a:rPr lang="de-DE" dirty="0"/>
-              <a:t>Szenarien</a:t>
+              <a:t>Szenarien (Entwurf)</a:t>
             </a:r>
           </a:p>
         </p:txBody>
@@ -4788,7 +6099,7 @@
             <p:ph idx="1"/>
             <p:extLst>
               <p:ext uri="{D42A27DB-BD31-4B8C-83A1-F6EECF244321}">
-                <p14:modId xmlns:p14="http://schemas.microsoft.com/office/powerpoint/2010/main" val="1644965541"/>
+                <p14:modId xmlns:p14="http://schemas.microsoft.com/office/powerpoint/2010/main" val="895039141"/>
               </p:ext>
             </p:extLst>
           </p:nvPr>
@@ -5843,7 +7154,7 @@
             <a:fld id="{C916D949-773C-3845-BFBA-C7D9987445EE}" type="datetime1">
               <a:rPr lang="de-DE" smtClean="0"/>
               <a:pPr/>
-              <a:t>20.07.2020</a:t>
+              <a:t>12.08.2020</a:t>
             </a:fld>
             <a:endParaRPr lang="de-DE" dirty="0"/>
           </a:p>
@@ -5873,7 +7184,7 @@
             <a:fld id="{E7BE1CCD-89A0-CC45-BF3E-2A331A7F0490}" type="slidenum">
               <a:rPr lang="de-DE" smtClean="0"/>
               <a:pPr/>
-              <a:t>6</a:t>
+              <a:t>7</a:t>
             </a:fld>
             <a:endParaRPr lang="de-DE" dirty="0"/>
           </a:p>
@@ -5892,7 +7203,7 @@
 </p:sld>
 </file>
 
-<file path=ppt/slides/slide7.xml><?xml version="1.0" encoding="utf-8"?>
+<file path=ppt/slides/slide8.xml><?xml version="1.0" encoding="utf-8"?>
 <p:sld xmlns:a="http://schemas.openxmlformats.org/drawingml/2006/main" xmlns:r="http://schemas.openxmlformats.org/officeDocument/2006/relationships" xmlns:p="http://schemas.openxmlformats.org/presentationml/2006/main">
   <p:cSld>
     <p:spTree>
@@ -5914,7 +7225,7 @@
           <p:cNvPr id="2" name="Titel 1">
             <a:extLst>
               <a:ext uri="{FF2B5EF4-FFF2-40B4-BE49-F238E27FC236}">
-                <a16:creationId xmlns:a16="http://schemas.microsoft.com/office/drawing/2014/main" id="{121B394E-023C-4F4E-B5FB-36051D8B06C0}"/>
+                <a16:creationId xmlns:a16="http://schemas.microsoft.com/office/drawing/2014/main" id="{3B94BF88-D179-49F6-A36A-B04F6ABA656C}"/>
               </a:ext>
             </a:extLst>
           </p:cNvPr>
@@ -5932,38 +7243,138 @@
           <a:p>
             <a:r>
               <a:rPr lang="de-DE" dirty="0"/>
-              <a:t>Konzept: Block-Diagramm</a:t>
-            </a:r>
+              <a:t>Konzept: Finales Szenario</a:t>
+            </a:r>
+          </a:p>
+        </p:txBody>
+      </p:sp>
+      <p:sp>
+        <p:nvSpPr>
+          <p:cNvPr id="3" name="Inhaltsplatzhalter 2">
+            <a:extLst>
+              <a:ext uri="{FF2B5EF4-FFF2-40B4-BE49-F238E27FC236}">
+                <a16:creationId xmlns:a16="http://schemas.microsoft.com/office/drawing/2014/main" id="{E6409387-8380-48AA-9B27-59C4B335A798}"/>
+              </a:ext>
+            </a:extLst>
+          </p:cNvPr>
+          <p:cNvSpPr>
+            <a:spLocks noGrp="1"/>
+          </p:cNvSpPr>
+          <p:nvPr>
+            <p:ph idx="1"/>
+          </p:nvPr>
+        </p:nvSpPr>
+        <p:spPr/>
+        <p:txBody>
+          <a:bodyPr>
+            <a:normAutofit/>
+          </a:bodyPr>
+          <a:lstStyle/>
+          <a:p>
+            <a:r>
+              <a:rPr lang="de-DE" sz="2000" dirty="0"/>
+              <a:t>Explosion im Mehrfamilienhaus</a:t>
+            </a:r>
+          </a:p>
+          <a:p>
+            <a:r>
+              <a:rPr lang="de-DE" sz="2000" dirty="0"/>
+              <a:t>brennende Gegenstände außerhalb</a:t>
+            </a:r>
+          </a:p>
+          <a:p>
+            <a:endParaRPr lang="de-DE" dirty="0"/>
+          </a:p>
+        </p:txBody>
+      </p:sp>
+      <p:sp>
+        <p:nvSpPr>
+          <p:cNvPr id="4" name="Datumsplatzhalter 3">
+            <a:extLst>
+              <a:ext uri="{FF2B5EF4-FFF2-40B4-BE49-F238E27FC236}">
+                <a16:creationId xmlns:a16="http://schemas.microsoft.com/office/drawing/2014/main" id="{5E55FDE0-4273-4EAD-B733-87A79BBF4C5E}"/>
+              </a:ext>
+            </a:extLst>
+          </p:cNvPr>
+          <p:cNvSpPr>
+            <a:spLocks noGrp="1"/>
+          </p:cNvSpPr>
+          <p:nvPr>
+            <p:ph type="dt" sz="half" idx="2"/>
+          </p:nvPr>
+        </p:nvSpPr>
+        <p:spPr/>
+        <p:txBody>
+          <a:bodyPr/>
+          <a:lstStyle/>
+          <a:p>
+            <a:fld id="{C916D949-773C-3845-BFBA-C7D9987445EE}" type="datetime1">
+              <a:rPr lang="de-DE" smtClean="0"/>
+              <a:pPr/>
+              <a:t>12.08.2020</a:t>
+            </a:fld>
+            <a:endParaRPr lang="de-DE" dirty="0"/>
+          </a:p>
+        </p:txBody>
+      </p:sp>
+      <p:sp>
+        <p:nvSpPr>
+          <p:cNvPr id="5" name="Foliennummernplatzhalter 4">
+            <a:extLst>
+              <a:ext uri="{FF2B5EF4-FFF2-40B4-BE49-F238E27FC236}">
+                <a16:creationId xmlns:a16="http://schemas.microsoft.com/office/drawing/2014/main" id="{EA340353-E3E2-4E35-8118-FA49EBCC3667}"/>
+              </a:ext>
+            </a:extLst>
+          </p:cNvPr>
+          <p:cNvSpPr>
+            <a:spLocks noGrp="1"/>
+          </p:cNvSpPr>
+          <p:nvPr>
+            <p:ph type="sldNum" sz="quarter" idx="4"/>
+          </p:nvPr>
+        </p:nvSpPr>
+        <p:spPr/>
+        <p:txBody>
+          <a:bodyPr/>
+          <a:lstStyle/>
+          <a:p>
+            <a:fld id="{E7BE1CCD-89A0-CC45-BF3E-2A331A7F0490}" type="slidenum">
+              <a:rPr lang="de-DE" smtClean="0"/>
+              <a:pPr/>
+              <a:t>8</a:t>
+            </a:fld>
+            <a:endParaRPr lang="de-DE" dirty="0"/>
           </a:p>
         </p:txBody>
       </p:sp>
       <p:pic>
         <p:nvPicPr>
-          <p:cNvPr id="7" name="Inhaltsplatzhalter 6">
+          <p:cNvPr id="7" name="Grafik 6" descr="Ein Bild, das Text, Karte enthält.&#10;&#10;Automatisch generierte Beschreibung">
             <a:extLst>
               <a:ext uri="{FF2B5EF4-FFF2-40B4-BE49-F238E27FC236}">
-                <a16:creationId xmlns:a16="http://schemas.microsoft.com/office/drawing/2014/main" id="{7BCE60B4-5659-4EE4-A16F-266316D46C7B}"/>
+                <a16:creationId xmlns:a16="http://schemas.microsoft.com/office/drawing/2014/main" id="{BA3BCD55-3F3F-4327-82AF-56EDDC9426BB}"/>
               </a:ext>
             </a:extLst>
           </p:cNvPr>
           <p:cNvPicPr>
-            <a:picLocks noGrp="1" noChangeAspect="1"/>
+            <a:picLocks noChangeAspect="1"/>
           </p:cNvPicPr>
-          <p:nvPr>
-            <p:ph idx="1"/>
-          </p:nvPr>
+          <p:nvPr/>
         </p:nvPicPr>
         <p:blipFill>
-          <a:blip r:embed="rId2"/>
+          <a:blip r:embed="rId3"/>
           <a:stretch>
             <a:fillRect/>
           </a:stretch>
         </p:blipFill>
         <p:spPr>
           <a:xfrm>
-            <a:off x="1254321" y="2202653"/>
-            <a:ext cx="6462320" cy="3741744"/>
+            <a:off x="1722408" y="2743201"/>
+            <a:ext cx="5526615" cy="3369150"/>
           </a:xfrm>
+          <a:prstGeom prst="rect">
+            <a:avLst/>
+          </a:prstGeom>
           <a:effectLst>
             <a:outerShdw blurRad="50800" dist="38100" dir="2700000" algn="tl" rotWithShape="0">
               <a:prstClr val="black">
@@ -5973,70 +7384,10 @@
           </a:effectLst>
         </p:spPr>
       </p:pic>
-      <p:sp>
-        <p:nvSpPr>
-          <p:cNvPr id="4" name="Datumsplatzhalter 3">
-            <a:extLst>
-              <a:ext uri="{FF2B5EF4-FFF2-40B4-BE49-F238E27FC236}">
-                <a16:creationId xmlns:a16="http://schemas.microsoft.com/office/drawing/2014/main" id="{12B1A305-3ADA-4B16-BCBF-6A8A133284C1}"/>
-              </a:ext>
-            </a:extLst>
-          </p:cNvPr>
-          <p:cNvSpPr>
-            <a:spLocks noGrp="1"/>
-          </p:cNvSpPr>
-          <p:nvPr>
-            <p:ph type="dt" sz="half" idx="2"/>
-          </p:nvPr>
-        </p:nvSpPr>
-        <p:spPr/>
-        <p:txBody>
-          <a:bodyPr/>
-          <a:lstStyle/>
-          <a:p>
-            <a:fld id="{C916D949-773C-3845-BFBA-C7D9987445EE}" type="datetime1">
-              <a:rPr lang="de-DE" smtClean="0"/>
-              <a:pPr/>
-              <a:t>20.07.2020</a:t>
-            </a:fld>
-            <a:endParaRPr lang="de-DE" dirty="0"/>
-          </a:p>
-        </p:txBody>
-      </p:sp>
-      <p:sp>
-        <p:nvSpPr>
-          <p:cNvPr id="5" name="Foliennummernplatzhalter 4">
-            <a:extLst>
-              <a:ext uri="{FF2B5EF4-FFF2-40B4-BE49-F238E27FC236}">
-                <a16:creationId xmlns:a16="http://schemas.microsoft.com/office/drawing/2014/main" id="{4DA5C5A7-8CD9-4612-917E-6EE8594C7E88}"/>
-              </a:ext>
-            </a:extLst>
-          </p:cNvPr>
-          <p:cNvSpPr>
-            <a:spLocks noGrp="1"/>
-          </p:cNvSpPr>
-          <p:nvPr>
-            <p:ph type="sldNum" sz="quarter" idx="4"/>
-          </p:nvPr>
-        </p:nvSpPr>
-        <p:spPr/>
-        <p:txBody>
-          <a:bodyPr/>
-          <a:lstStyle/>
-          <a:p>
-            <a:fld id="{E7BE1CCD-89A0-CC45-BF3E-2A331A7F0490}" type="slidenum">
-              <a:rPr lang="de-DE" smtClean="0"/>
-              <a:pPr/>
-              <a:t>7</a:t>
-            </a:fld>
-            <a:endParaRPr lang="de-DE" dirty="0"/>
-          </a:p>
-        </p:txBody>
-      </p:sp>
     </p:spTree>
     <p:extLst>
       <p:ext uri="{BB962C8B-B14F-4D97-AF65-F5344CB8AC3E}">
-        <p14:creationId xmlns:p14="http://schemas.microsoft.com/office/powerpoint/2010/main" val="2893035460"/>
+        <p14:creationId xmlns:p14="http://schemas.microsoft.com/office/powerpoint/2010/main" val="2319061973"/>
       </p:ext>
     </p:extLst>
   </p:cSld>
@@ -6046,7 +7397,7 @@
 </p:sld>
 </file>
 
-<file path=ppt/slides/slide8.xml><?xml version="1.0" encoding="utf-8"?>
+<file path=ppt/slides/slide9.xml><?xml version="1.0" encoding="utf-8"?>
 <p:sld xmlns:a="http://schemas.openxmlformats.org/drawingml/2006/main" xmlns:r="http://schemas.openxmlformats.org/officeDocument/2006/relationships" xmlns:p="http://schemas.openxmlformats.org/presentationml/2006/main">
   <p:cSld>
     <p:spTree>
@@ -7005,7 +8356,7 @@
             <a:fld id="{C916D949-773C-3845-BFBA-C7D9987445EE}" type="datetime1">
               <a:rPr lang="de-DE" smtClean="0"/>
               <a:pPr/>
-              <a:t>20.07.2020</a:t>
+              <a:t>12.08.2020</a:t>
             </a:fld>
             <a:endParaRPr lang="de-DE" dirty="0"/>
           </a:p>
@@ -7035,7 +8386,7 @@
             <a:fld id="{E7BE1CCD-89A0-CC45-BF3E-2A331A7F0490}" type="slidenum">
               <a:rPr lang="de-DE" smtClean="0"/>
               <a:pPr/>
-              <a:t>8</a:t>
+              <a:t>9</a:t>
             </a:fld>
             <a:endParaRPr lang="de-DE" dirty="0"/>
           </a:p>
@@ -7045,150 +8396,6 @@
     <p:extLst>
       <p:ext uri="{BB962C8B-B14F-4D97-AF65-F5344CB8AC3E}">
         <p14:creationId xmlns:p14="http://schemas.microsoft.com/office/powerpoint/2010/main" val="3939064373"/>
-      </p:ext>
-    </p:extLst>
-  </p:cSld>
-  <p:clrMapOvr>
-    <a:masterClrMapping/>
-  </p:clrMapOvr>
-</p:sld>
-</file>
-
-<file path=ppt/slides/slide9.xml><?xml version="1.0" encoding="utf-8"?>
-<p:sld xmlns:a="http://schemas.openxmlformats.org/drawingml/2006/main" xmlns:r="http://schemas.openxmlformats.org/officeDocument/2006/relationships" xmlns:p="http://schemas.openxmlformats.org/presentationml/2006/main">
-  <p:cSld>
-    <p:spTree>
-      <p:nvGrpSpPr>
-        <p:cNvPr id="1" name=""/>
-        <p:cNvGrpSpPr/>
-        <p:nvPr/>
-      </p:nvGrpSpPr>
-      <p:grpSpPr>
-        <a:xfrm>
-          <a:off x="0" y="0"/>
-          <a:ext cx="0" cy="0"/>
-          <a:chOff x="0" y="0"/>
-          <a:chExt cx="0" cy="0"/>
-        </a:xfrm>
-      </p:grpSpPr>
-      <p:sp>
-        <p:nvSpPr>
-          <p:cNvPr id="2" name="Titel 1">
-            <a:extLst>
-              <a:ext uri="{FF2B5EF4-FFF2-40B4-BE49-F238E27FC236}">
-                <a16:creationId xmlns:a16="http://schemas.microsoft.com/office/drawing/2014/main" id="{A7692297-3F86-416B-875A-0D1AE6F76456}"/>
-              </a:ext>
-            </a:extLst>
-          </p:cNvPr>
-          <p:cNvSpPr>
-            <a:spLocks noGrp="1"/>
-          </p:cNvSpPr>
-          <p:nvPr>
-            <p:ph type="title"/>
-          </p:nvPr>
-        </p:nvSpPr>
-        <p:spPr/>
-        <p:txBody>
-          <a:bodyPr/>
-          <a:lstStyle/>
-          <a:p>
-            <a:r>
-              <a:rPr lang="en-US" dirty="0" err="1"/>
-              <a:t>Auswertung</a:t>
-            </a:r>
-            <a:endParaRPr lang="en-US" dirty="0"/>
-          </a:p>
-        </p:txBody>
-      </p:sp>
-      <p:sp>
-        <p:nvSpPr>
-          <p:cNvPr id="3" name="Inhaltsplatzhalter 2">
-            <a:extLst>
-              <a:ext uri="{FF2B5EF4-FFF2-40B4-BE49-F238E27FC236}">
-                <a16:creationId xmlns:a16="http://schemas.microsoft.com/office/drawing/2014/main" id="{22EDFE12-5897-4A05-918E-F1E19164F9C4}"/>
-              </a:ext>
-            </a:extLst>
-          </p:cNvPr>
-          <p:cNvSpPr>
-            <a:spLocks noGrp="1"/>
-          </p:cNvSpPr>
-          <p:nvPr>
-            <p:ph idx="1"/>
-          </p:nvPr>
-        </p:nvSpPr>
-        <p:spPr/>
-        <p:txBody>
-          <a:bodyPr/>
-          <a:lstStyle/>
-          <a:p>
-            <a:endParaRPr lang="en-US"/>
-          </a:p>
-        </p:txBody>
-      </p:sp>
-      <p:sp>
-        <p:nvSpPr>
-          <p:cNvPr id="4" name="Datumsplatzhalter 3">
-            <a:extLst>
-              <a:ext uri="{FF2B5EF4-FFF2-40B4-BE49-F238E27FC236}">
-                <a16:creationId xmlns:a16="http://schemas.microsoft.com/office/drawing/2014/main" id="{66956A3F-6F1E-47C7-B009-C0BE04EA6D0B}"/>
-              </a:ext>
-            </a:extLst>
-          </p:cNvPr>
-          <p:cNvSpPr>
-            <a:spLocks noGrp="1"/>
-          </p:cNvSpPr>
-          <p:nvPr>
-            <p:ph type="dt" sz="half" idx="2"/>
-          </p:nvPr>
-        </p:nvSpPr>
-        <p:spPr/>
-        <p:txBody>
-          <a:bodyPr/>
-          <a:lstStyle/>
-          <a:p>
-            <a:fld id="{C916D949-773C-3845-BFBA-C7D9987445EE}" type="datetime1">
-              <a:rPr lang="de-DE" smtClean="0"/>
-              <a:pPr/>
-              <a:t>20.07.2020</a:t>
-            </a:fld>
-            <a:endParaRPr lang="de-DE" dirty="0"/>
-          </a:p>
-        </p:txBody>
-      </p:sp>
-      <p:sp>
-        <p:nvSpPr>
-          <p:cNvPr id="5" name="Foliennummernplatzhalter 4">
-            <a:extLst>
-              <a:ext uri="{FF2B5EF4-FFF2-40B4-BE49-F238E27FC236}">
-                <a16:creationId xmlns:a16="http://schemas.microsoft.com/office/drawing/2014/main" id="{B7C3EACF-C150-4920-B061-F6A264769820}"/>
-              </a:ext>
-            </a:extLst>
-          </p:cNvPr>
-          <p:cNvSpPr>
-            <a:spLocks noGrp="1"/>
-          </p:cNvSpPr>
-          <p:nvPr>
-            <p:ph type="sldNum" sz="quarter" idx="4"/>
-          </p:nvPr>
-        </p:nvSpPr>
-        <p:spPr/>
-        <p:txBody>
-          <a:bodyPr/>
-          <a:lstStyle/>
-          <a:p>
-            <a:fld id="{E7BE1CCD-89A0-CC45-BF3E-2A331A7F0490}" type="slidenum">
-              <a:rPr lang="de-DE" smtClean="0"/>
-              <a:pPr/>
-              <a:t>9</a:t>
-            </a:fld>
-            <a:endParaRPr lang="de-DE" dirty="0"/>
-          </a:p>
-        </p:txBody>
-      </p:sp>
-    </p:spTree>
-    <p:extLst>
-      <p:ext uri="{BB962C8B-B14F-4D97-AF65-F5344CB8AC3E}">
-        <p14:creationId xmlns:p14="http://schemas.microsoft.com/office/powerpoint/2010/main" val="1256947254"/>
       </p:ext>
     </p:extLst>
   </p:cSld>
